--- a/資展國際 小專.pptx
+++ b/資展國際 小專.pptx
@@ -5,7 +5,7 @@
     <p:sldMasterId id="2147483659" r:id="rId1"/>
   </p:sldMasterIdLst>
   <p:notesMasterIdLst>
-    <p:notesMasterId r:id="rId11"/>
+    <p:notesMasterId r:id="rId12"/>
   </p:notesMasterIdLst>
   <p:sldIdLst>
     <p:sldId id="256" r:id="rId2"/>
@@ -17,14 +17,17 @@
     <p:sldId id="262" r:id="rId8"/>
     <p:sldId id="263" r:id="rId9"/>
     <p:sldId id="264" r:id="rId10"/>
+    <p:sldId id="265" r:id="rId11"/>
   </p:sldIdLst>
   <p:sldSz cx="9144000" cy="5143500" type="screen16x9"/>
   <p:notesSz cx="6858000" cy="9144000"/>
   <p:embeddedFontLst>
     <p:embeddedFont>
-      <p:font typeface="Maven Pro" panose="020B0604020202020204" charset="0"/>
-      <p:regular r:id="rId12"/>
-      <p:bold r:id="rId13"/>
+      <p:font typeface="Segoe UI" panose="020B0502040204020203" pitchFamily="34" charset="0"/>
+      <p:regular r:id="rId13"/>
+      <p:bold r:id="rId14"/>
+      <p:italic r:id="rId15"/>
+      <p:boldItalic r:id="rId16"/>
     </p:embeddedFont>
   </p:embeddedFontLst>
   <p:defaultTextStyle>
@@ -278,9 +281,663 @@
 <file path=ppt/revisionInfo.xml><?xml version="1.0" encoding="utf-8"?>
 <p1510:revInfo xmlns:a="http://schemas.openxmlformats.org/drawingml/2006/main" xmlns:r="http://schemas.openxmlformats.org/officeDocument/2006/relationships" xmlns:p1510="http://schemas.microsoft.com/office/powerpoint/2015/10/main">
   <p1510:revLst>
+    <p1510:client id="{25B37F33-7DE3-4FF5-A0DC-337DE6CD52D2}" v="184" dt="2024-06-04T05:03:29.414"/>
+    <p1510:client id="{3B4A9DD1-23B0-45CD-891C-E35E0B24A1AA}" v="781" dt="2024-06-04T06:03:58.071"/>
     <p1510:client id="{3C84A9F6-4BF5-4074-A293-B1363F357F78}" v="1044" dt="2024-06-04T03:53:15.041"/>
   </p1510:revLst>
 </p1510:revInfo>
+</file>
+
+<file path=ppt/changesInfos/changesInfo1.xml><?xml version="1.0" encoding="utf-8"?>
+<pc:chgInfo xmlns:a="http://schemas.openxmlformats.org/drawingml/2006/main" xmlns:r="http://schemas.openxmlformats.org/officeDocument/2006/relationships" xmlns:ac="http://schemas.microsoft.com/office/drawing/2013/main/command" xmlns:pc="http://schemas.microsoft.com/office/powerpoint/2013/main/command">
+  <pc:docChgLst>
+    <pc:chgData name="張 祐銜" userId="a4795a297bc9ce74" providerId="Windows Live" clId="Web-{3B4A9DD1-23B0-45CD-891C-E35E0B24A1AA}"/>
+    <pc:docChg chg="modSld">
+      <pc:chgData name="張 祐銜" userId="a4795a297bc9ce74" providerId="Windows Live" clId="Web-{3B4A9DD1-23B0-45CD-891C-E35E0B24A1AA}" dt="2024-06-04T06:03:58.071" v="472" actId="1076"/>
+      <pc:docMkLst>
+        <pc:docMk/>
+      </pc:docMkLst>
+      <pc:sldChg chg="addSp modSp">
+        <pc:chgData name="張 祐銜" userId="a4795a297bc9ce74" providerId="Windows Live" clId="Web-{3B4A9DD1-23B0-45CD-891C-E35E0B24A1AA}" dt="2024-06-04T06:01:44.913" v="456" actId="1076"/>
+        <pc:sldMkLst>
+          <pc:docMk/>
+          <pc:sldMk cId="0" sldId="257"/>
+        </pc:sldMkLst>
+        <pc:spChg chg="mod">
+          <ac:chgData name="張 祐銜" userId="a4795a297bc9ce74" providerId="Windows Live" clId="Web-{3B4A9DD1-23B0-45CD-891C-E35E0B24A1AA}" dt="2024-06-04T06:00:24.943" v="438" actId="20577"/>
+          <ac:spMkLst>
+            <pc:docMk/>
+            <pc:sldMk cId="0" sldId="257"/>
+            <ac:spMk id="267" creationId="{00000000-0000-0000-0000-000000000000}"/>
+          </ac:spMkLst>
+        </pc:spChg>
+        <pc:picChg chg="add mod">
+          <ac:chgData name="張 祐銜" userId="a4795a297bc9ce74" providerId="Windows Live" clId="Web-{3B4A9DD1-23B0-45CD-891C-E35E0B24A1AA}" dt="2024-06-04T06:01:44.913" v="456" actId="1076"/>
+          <ac:picMkLst>
+            <pc:docMk/>
+            <pc:sldMk cId="0" sldId="257"/>
+            <ac:picMk id="2" creationId="{9EA03465-37CF-6687-B7D0-D07167460E93}"/>
+          </ac:picMkLst>
+        </pc:picChg>
+      </pc:sldChg>
+      <pc:sldChg chg="addSp delSp modSp">
+        <pc:chgData name="張 祐銜" userId="a4795a297bc9ce74" providerId="Windows Live" clId="Web-{3B4A9DD1-23B0-45CD-891C-E35E0B24A1AA}" dt="2024-06-04T06:01:31.694" v="454" actId="1076"/>
+        <pc:sldMkLst>
+          <pc:docMk/>
+          <pc:sldMk cId="0" sldId="258"/>
+        </pc:sldMkLst>
+        <pc:spChg chg="add del">
+          <ac:chgData name="張 祐銜" userId="a4795a297bc9ce74" providerId="Windows Live" clId="Web-{3B4A9DD1-23B0-45CD-891C-E35E0B24A1AA}" dt="2024-06-04T05:41:24.457" v="71"/>
+          <ac:spMkLst>
+            <pc:docMk/>
+            <pc:sldMk cId="0" sldId="258"/>
+            <ac:spMk id="4" creationId="{A12675A6-D680-4C67-FC39-F8CEA324BAEE}"/>
+          </ac:spMkLst>
+        </pc:spChg>
+        <pc:spChg chg="add del mod">
+          <ac:chgData name="張 祐銜" userId="a4795a297bc9ce74" providerId="Windows Live" clId="Web-{3B4A9DD1-23B0-45CD-891C-E35E0B24A1AA}" dt="2024-06-04T05:59:31.208" v="427"/>
+          <ac:spMkLst>
+            <pc:docMk/>
+            <pc:sldMk cId="0" sldId="258"/>
+            <ac:spMk id="6" creationId="{F855F700-C0FC-6409-ED70-7F9A42E6C503}"/>
+          </ac:spMkLst>
+        </pc:spChg>
+        <pc:spChg chg="add del">
+          <ac:chgData name="張 祐銜" userId="a4795a297bc9ce74" providerId="Windows Live" clId="Web-{3B4A9DD1-23B0-45CD-891C-E35E0B24A1AA}" dt="2024-06-04T06:00:32.537" v="439"/>
+          <ac:spMkLst>
+            <pc:docMk/>
+            <pc:sldMk cId="0" sldId="258"/>
+            <ac:spMk id="12" creationId="{4CC5AE27-6035-E455-A713-21C88E2F7078}"/>
+          </ac:spMkLst>
+        </pc:spChg>
+        <pc:spChg chg="add">
+          <ac:chgData name="張 祐銜" userId="a4795a297bc9ce74" providerId="Windows Live" clId="Web-{3B4A9DD1-23B0-45CD-891C-E35E0B24A1AA}" dt="2024-06-04T06:00:32.850" v="440"/>
+          <ac:spMkLst>
+            <pc:docMk/>
+            <pc:sldMk cId="0" sldId="258"/>
+            <ac:spMk id="15" creationId="{ED8137C4-4F8B-71C5-AE02-932149A46731}"/>
+          </ac:spMkLst>
+        </pc:spChg>
+        <pc:spChg chg="mod">
+          <ac:chgData name="張 祐銜" userId="a4795a297bc9ce74" providerId="Windows Live" clId="Web-{3B4A9DD1-23B0-45CD-891C-E35E0B24A1AA}" dt="2024-06-04T05:38:52.455" v="50" actId="20577"/>
+          <ac:spMkLst>
+            <pc:docMk/>
+            <pc:sldMk cId="0" sldId="258"/>
+            <ac:spMk id="284" creationId="{00000000-0000-0000-0000-000000000000}"/>
+          </ac:spMkLst>
+        </pc:spChg>
+        <pc:picChg chg="del">
+          <ac:chgData name="張 祐銜" userId="a4795a297bc9ce74" providerId="Windows Live" clId="Web-{3B4A9DD1-23B0-45CD-891C-E35E0B24A1AA}" dt="2024-06-04T05:41:16.520" v="70"/>
+          <ac:picMkLst>
+            <pc:docMk/>
+            <pc:sldMk cId="0" sldId="258"/>
+            <ac:picMk id="2" creationId="{486918E9-A00E-7AA9-B5F3-BFE450E8D354}"/>
+          </ac:picMkLst>
+        </pc:picChg>
+        <pc:picChg chg="add">
+          <ac:chgData name="張 祐銜" userId="a4795a297bc9ce74" providerId="Windows Live" clId="Web-{3B4A9DD1-23B0-45CD-891C-E35E0B24A1AA}" dt="2024-06-04T05:41:56.770" v="81"/>
+          <ac:picMkLst>
+            <pc:docMk/>
+            <pc:sldMk cId="0" sldId="258"/>
+            <ac:picMk id="8" creationId="{41FCAF22-4C29-D9B3-1247-3BC803986A8C}"/>
+          </ac:picMkLst>
+        </pc:picChg>
+        <pc:picChg chg="add">
+          <ac:chgData name="張 祐銜" userId="a4795a297bc9ce74" providerId="Windows Live" clId="Web-{3B4A9DD1-23B0-45CD-891C-E35E0B24A1AA}" dt="2024-06-04T05:41:56.786" v="82"/>
+          <ac:picMkLst>
+            <pc:docMk/>
+            <pc:sldMk cId="0" sldId="258"/>
+            <ac:picMk id="10" creationId="{672DEDD8-5F43-C206-4D62-DF722A7065B6}"/>
+          </ac:picMkLst>
+        </pc:picChg>
+        <pc:picChg chg="add mod">
+          <ac:chgData name="張 祐銜" userId="a4795a297bc9ce74" providerId="Windows Live" clId="Web-{3B4A9DD1-23B0-45CD-891C-E35E0B24A1AA}" dt="2024-06-04T06:01:31.694" v="454" actId="1076"/>
+          <ac:picMkLst>
+            <pc:docMk/>
+            <pc:sldMk cId="0" sldId="258"/>
+            <ac:picMk id="17" creationId="{0C91A33C-A080-DF2D-3584-17E720470F6F}"/>
+          </ac:picMkLst>
+        </pc:picChg>
+        <pc:picChg chg="del">
+          <ac:chgData name="張 祐銜" userId="a4795a297bc9ce74" providerId="Windows Live" clId="Web-{3B4A9DD1-23B0-45CD-891C-E35E0B24A1AA}" dt="2024-06-04T05:41:24.457" v="72"/>
+          <ac:picMkLst>
+            <pc:docMk/>
+            <pc:sldMk cId="0" sldId="258"/>
+            <ac:picMk id="33" creationId="{E2C7997F-86BD-09E4-C0E7-0F7E14BD1A0C}"/>
+          </ac:picMkLst>
+        </pc:picChg>
+      </pc:sldChg>
+      <pc:sldChg chg="addSp delSp modSp">
+        <pc:chgData name="張 祐銜" userId="a4795a297bc9ce74" providerId="Windows Live" clId="Web-{3B4A9DD1-23B0-45CD-891C-E35E0B24A1AA}" dt="2024-06-04T06:01:55.945" v="457"/>
+        <pc:sldMkLst>
+          <pc:docMk/>
+          <pc:sldMk cId="0" sldId="259"/>
+        </pc:sldMkLst>
+        <pc:spChg chg="add del mod">
+          <ac:chgData name="張 祐銜" userId="a4795a297bc9ce74" providerId="Windows Live" clId="Web-{3B4A9DD1-23B0-45CD-891C-E35E0B24A1AA}" dt="2024-06-04T05:59:39.364" v="431"/>
+          <ac:spMkLst>
+            <pc:docMk/>
+            <pc:sldMk cId="0" sldId="259"/>
+            <ac:spMk id="7" creationId="{A47B82A2-6A62-80E5-CD83-29549CCC45C0}"/>
+          </ac:spMkLst>
+        </pc:spChg>
+        <pc:spChg chg="add del">
+          <ac:chgData name="張 祐銜" userId="a4795a297bc9ce74" providerId="Windows Live" clId="Web-{3B4A9DD1-23B0-45CD-891C-E35E0B24A1AA}" dt="2024-06-04T06:00:35.850" v="441"/>
+          <ac:spMkLst>
+            <pc:docMk/>
+            <pc:sldMk cId="0" sldId="259"/>
+            <ac:spMk id="9" creationId="{2E7E3DE9-E602-3D8F-0274-A11736CD4C3A}"/>
+          </ac:spMkLst>
+        </pc:spChg>
+        <pc:spChg chg="add">
+          <ac:chgData name="張 祐銜" userId="a4795a297bc9ce74" providerId="Windows Live" clId="Web-{3B4A9DD1-23B0-45CD-891C-E35E0B24A1AA}" dt="2024-06-04T06:00:36.147" v="442"/>
+          <ac:spMkLst>
+            <pc:docMk/>
+            <pc:sldMk cId="0" sldId="259"/>
+            <ac:spMk id="11" creationId="{1935F6E0-3E7A-8F73-FF64-E2A0EA0BD8BA}"/>
+          </ac:spMkLst>
+        </pc:spChg>
+        <pc:spChg chg="mod">
+          <ac:chgData name="張 祐銜" userId="a4795a297bc9ce74" providerId="Windows Live" clId="Web-{3B4A9DD1-23B0-45CD-891C-E35E0B24A1AA}" dt="2024-06-04T05:38:57.627" v="51" actId="20577"/>
+          <ac:spMkLst>
+            <pc:docMk/>
+            <pc:sldMk cId="0" sldId="259"/>
+            <ac:spMk id="300" creationId="{00000000-0000-0000-0000-000000000000}"/>
+          </ac:spMkLst>
+        </pc:spChg>
+        <pc:picChg chg="add">
+          <ac:chgData name="張 祐銜" userId="a4795a297bc9ce74" providerId="Windows Live" clId="Web-{3B4A9DD1-23B0-45CD-891C-E35E0B24A1AA}" dt="2024-06-04T05:41:58.598" v="83"/>
+          <ac:picMkLst>
+            <pc:docMk/>
+            <pc:sldMk cId="0" sldId="259"/>
+            <ac:picMk id="3" creationId="{F15FBED6-B1AE-64DC-5B90-AC43EBC8D2FA}"/>
+          </ac:picMkLst>
+        </pc:picChg>
+        <pc:picChg chg="add">
+          <ac:chgData name="張 祐銜" userId="a4795a297bc9ce74" providerId="Windows Live" clId="Web-{3B4A9DD1-23B0-45CD-891C-E35E0B24A1AA}" dt="2024-06-04T05:41:58.614" v="84"/>
+          <ac:picMkLst>
+            <pc:docMk/>
+            <pc:sldMk cId="0" sldId="259"/>
+            <ac:picMk id="5" creationId="{EB73A066-B8D1-9F82-69C3-7BC1B91171AD}"/>
+          </ac:picMkLst>
+        </pc:picChg>
+        <pc:picChg chg="add">
+          <ac:chgData name="張 祐銜" userId="a4795a297bc9ce74" providerId="Windows Live" clId="Web-{3B4A9DD1-23B0-45CD-891C-E35E0B24A1AA}" dt="2024-06-04T06:01:55.945" v="457"/>
+          <ac:picMkLst>
+            <pc:docMk/>
+            <pc:sldMk cId="0" sldId="259"/>
+            <ac:picMk id="14" creationId="{290028B2-56B9-2A12-BB80-C56D8118A48D}"/>
+          </ac:picMkLst>
+        </pc:picChg>
+        <pc:picChg chg="del">
+          <ac:chgData name="張 祐銜" userId="a4795a297bc9ce74" providerId="Windows Live" clId="Web-{3B4A9DD1-23B0-45CD-891C-E35E0B24A1AA}" dt="2024-06-04T05:42:06.208" v="86"/>
+          <ac:picMkLst>
+            <pc:docMk/>
+            <pc:sldMk cId="0" sldId="259"/>
+            <ac:picMk id="37" creationId="{C1591F9F-1B8D-7AA2-8029-F79A1E6E9B89}"/>
+          </ac:picMkLst>
+        </pc:picChg>
+        <pc:picChg chg="del">
+          <ac:chgData name="張 祐銜" userId="a4795a297bc9ce74" providerId="Windows Live" clId="Web-{3B4A9DD1-23B0-45CD-891C-E35E0B24A1AA}" dt="2024-06-04T05:42:06.208" v="85"/>
+          <ac:picMkLst>
+            <pc:docMk/>
+            <pc:sldMk cId="0" sldId="259"/>
+            <ac:picMk id="39" creationId="{F4A0AB37-9D14-8086-519A-15A724A361AB}"/>
+          </ac:picMkLst>
+        </pc:picChg>
+      </pc:sldChg>
+      <pc:sldChg chg="addSp delSp modSp">
+        <pc:chgData name="張 祐銜" userId="a4795a297bc9ce74" providerId="Windows Live" clId="Web-{3B4A9DD1-23B0-45CD-891C-E35E0B24A1AA}" dt="2024-06-04T06:01:58.960" v="458"/>
+        <pc:sldMkLst>
+          <pc:docMk/>
+          <pc:sldMk cId="0" sldId="260"/>
+        </pc:sldMkLst>
+        <pc:spChg chg="add del mod">
+          <ac:chgData name="張 祐銜" userId="a4795a297bc9ce74" providerId="Windows Live" clId="Web-{3B4A9DD1-23B0-45CD-891C-E35E0B24A1AA}" dt="2024-06-04T05:59:48.115" v="436"/>
+          <ac:spMkLst>
+            <pc:docMk/>
+            <pc:sldMk cId="0" sldId="260"/>
+            <ac:spMk id="3" creationId="{E32F9635-18EA-BAB2-368C-02CD267D74DD}"/>
+          </ac:spMkLst>
+        </pc:spChg>
+        <pc:spChg chg="add del">
+          <ac:chgData name="張 祐銜" userId="a4795a297bc9ce74" providerId="Windows Live" clId="Web-{3B4A9DD1-23B0-45CD-891C-E35E0B24A1AA}" dt="2024-06-04T05:59:45.990" v="435"/>
+          <ac:spMkLst>
+            <pc:docMk/>
+            <pc:sldMk cId="0" sldId="260"/>
+            <ac:spMk id="5" creationId="{8ADA5CBE-BCFD-F94B-96B0-E8829B6B4EAE}"/>
+          </ac:spMkLst>
+        </pc:spChg>
+        <pc:spChg chg="add del">
+          <ac:chgData name="張 祐銜" userId="a4795a297bc9ce74" providerId="Windows Live" clId="Web-{3B4A9DD1-23B0-45CD-891C-E35E0B24A1AA}" dt="2024-06-04T06:00:39.209" v="443"/>
+          <ac:spMkLst>
+            <pc:docMk/>
+            <pc:sldMk cId="0" sldId="260"/>
+            <ac:spMk id="7" creationId="{F853F750-F982-0E15-BA64-CD6A7657ACEA}"/>
+          </ac:spMkLst>
+        </pc:spChg>
+        <pc:spChg chg="add">
+          <ac:chgData name="張 祐銜" userId="a4795a297bc9ce74" providerId="Windows Live" clId="Web-{3B4A9DD1-23B0-45CD-891C-E35E0B24A1AA}" dt="2024-06-04T06:00:39.522" v="444"/>
+          <ac:spMkLst>
+            <pc:docMk/>
+            <pc:sldMk cId="0" sldId="260"/>
+            <ac:spMk id="9" creationId="{2FAA543E-3C2F-DF26-7566-9B8F50265B2D}"/>
+          </ac:spMkLst>
+        </pc:spChg>
+        <pc:spChg chg="mod">
+          <ac:chgData name="張 祐銜" userId="a4795a297bc9ce74" providerId="Windows Live" clId="Web-{3B4A9DD1-23B0-45CD-891C-E35E0B24A1AA}" dt="2024-06-04T05:39:10.518" v="53" actId="20577"/>
+          <ac:spMkLst>
+            <pc:docMk/>
+            <pc:sldMk cId="0" sldId="260"/>
+            <ac:spMk id="310" creationId="{00000000-0000-0000-0000-000000000000}"/>
+          </ac:spMkLst>
+        </pc:spChg>
+        <pc:picChg chg="add">
+          <ac:chgData name="張 祐銜" userId="a4795a297bc9ce74" providerId="Windows Live" clId="Web-{3B4A9DD1-23B0-45CD-891C-E35E0B24A1AA}" dt="2024-06-04T06:01:58.960" v="458"/>
+          <ac:picMkLst>
+            <pc:docMk/>
+            <pc:sldMk cId="0" sldId="260"/>
+            <ac:picMk id="11" creationId="{3189DA35-EE32-6E29-12DE-71231FF6A0BF}"/>
+          </ac:picMkLst>
+        </pc:picChg>
+        <pc:picChg chg="mod">
+          <ac:chgData name="張 祐銜" userId="a4795a297bc9ce74" providerId="Windows Live" clId="Web-{3B4A9DD1-23B0-45CD-891C-E35E0B24A1AA}" dt="2024-06-04T05:39:19.518" v="56" actId="1076"/>
+          <ac:picMkLst>
+            <pc:docMk/>
+            <pc:sldMk cId="0" sldId="260"/>
+            <ac:picMk id="15" creationId="{3C5430B3-ABB6-E236-4C57-B38913620AE4}"/>
+          </ac:picMkLst>
+        </pc:picChg>
+        <pc:picChg chg="mod">
+          <ac:chgData name="張 祐銜" userId="a4795a297bc9ce74" providerId="Windows Live" clId="Web-{3B4A9DD1-23B0-45CD-891C-E35E0B24A1AA}" dt="2024-06-04T05:58:08.316" v="422" actId="14100"/>
+          <ac:picMkLst>
+            <pc:docMk/>
+            <pc:sldMk cId="0" sldId="260"/>
+            <ac:picMk id="311" creationId="{00000000-0000-0000-0000-000000000000}"/>
+          </ac:picMkLst>
+        </pc:picChg>
+      </pc:sldChg>
+      <pc:sldChg chg="addSp delSp modSp">
+        <pc:chgData name="張 祐銜" userId="a4795a297bc9ce74" providerId="Windows Live" clId="Web-{3B4A9DD1-23B0-45CD-891C-E35E0B24A1AA}" dt="2024-06-04T06:02:24.758" v="459"/>
+        <pc:sldMkLst>
+          <pc:docMk/>
+          <pc:sldMk cId="0" sldId="261"/>
+        </pc:sldMkLst>
+        <pc:spChg chg="add del mod">
+          <ac:chgData name="張 祐銜" userId="a4795a297bc9ce74" providerId="Windows Live" clId="Web-{3B4A9DD1-23B0-45CD-891C-E35E0B24A1AA}" dt="2024-06-04T06:00:45.022" v="445"/>
+          <ac:spMkLst>
+            <pc:docMk/>
+            <pc:sldMk cId="0" sldId="261"/>
+            <ac:spMk id="3" creationId="{279FDBB2-3477-2069-A1D6-CFC436FC837A}"/>
+          </ac:spMkLst>
+        </pc:spChg>
+        <pc:spChg chg="add">
+          <ac:chgData name="張 祐銜" userId="a4795a297bc9ce74" providerId="Windows Live" clId="Web-{3B4A9DD1-23B0-45CD-891C-E35E0B24A1AA}" dt="2024-06-04T06:00:45.272" v="446"/>
+          <ac:spMkLst>
+            <pc:docMk/>
+            <pc:sldMk cId="0" sldId="261"/>
+            <ac:spMk id="5" creationId="{FBDDB75F-D7C8-ACCC-99C7-4AA116D49835}"/>
+          </ac:spMkLst>
+        </pc:spChg>
+        <pc:spChg chg="mod">
+          <ac:chgData name="張 祐銜" userId="a4795a297bc9ce74" providerId="Windows Live" clId="Web-{3B4A9DD1-23B0-45CD-891C-E35E0B24A1AA}" dt="2024-06-04T05:39:26.768" v="58" actId="20577"/>
+          <ac:spMkLst>
+            <pc:docMk/>
+            <pc:sldMk cId="0" sldId="261"/>
+            <ac:spMk id="322" creationId="{00000000-0000-0000-0000-000000000000}"/>
+          </ac:spMkLst>
+        </pc:spChg>
+        <pc:picChg chg="add">
+          <ac:chgData name="張 祐銜" userId="a4795a297bc9ce74" providerId="Windows Live" clId="Web-{3B4A9DD1-23B0-45CD-891C-E35E0B24A1AA}" dt="2024-06-04T06:02:24.758" v="459"/>
+          <ac:picMkLst>
+            <pc:docMk/>
+            <pc:sldMk cId="0" sldId="261"/>
+            <ac:picMk id="7" creationId="{A1B86012-6B21-888A-2E51-6D596EAE9D30}"/>
+          </ac:picMkLst>
+        </pc:picChg>
+      </pc:sldChg>
+      <pc:sldChg chg="addSp delSp modSp">
+        <pc:chgData name="張 祐銜" userId="a4795a297bc9ce74" providerId="Windows Live" clId="Web-{3B4A9DD1-23B0-45CD-891C-E35E0B24A1AA}" dt="2024-06-04T06:02:26.508" v="460"/>
+        <pc:sldMkLst>
+          <pc:docMk/>
+          <pc:sldMk cId="0" sldId="262"/>
+        </pc:sldMkLst>
+        <pc:spChg chg="add del mod">
+          <ac:chgData name="張 祐銜" userId="a4795a297bc9ce74" providerId="Windows Live" clId="Web-{3B4A9DD1-23B0-45CD-891C-E35E0B24A1AA}" dt="2024-06-04T06:00:51.162" v="447"/>
+          <ac:spMkLst>
+            <pc:docMk/>
+            <pc:sldMk cId="0" sldId="262"/>
+            <ac:spMk id="24" creationId="{F29A40DD-B6A0-0B0D-D8C2-0F35E15C856E}"/>
+          </ac:spMkLst>
+        </pc:spChg>
+        <pc:spChg chg="add">
+          <ac:chgData name="張 祐銜" userId="a4795a297bc9ce74" providerId="Windows Live" clId="Web-{3B4A9DD1-23B0-45CD-891C-E35E0B24A1AA}" dt="2024-06-04T06:00:51.506" v="448"/>
+          <ac:spMkLst>
+            <pc:docMk/>
+            <pc:sldMk cId="0" sldId="262"/>
+            <ac:spMk id="26" creationId="{957029D9-EF6F-AB98-BE9F-0F91CECB7723}"/>
+          </ac:spMkLst>
+        </pc:spChg>
+        <pc:spChg chg="mod">
+          <ac:chgData name="張 祐銜" userId="a4795a297bc9ce74" providerId="Windows Live" clId="Web-{3B4A9DD1-23B0-45CD-891C-E35E0B24A1AA}" dt="2024-06-04T05:39:32.284" v="60" actId="20577"/>
+          <ac:spMkLst>
+            <pc:docMk/>
+            <pc:sldMk cId="0" sldId="262"/>
+            <ac:spMk id="429" creationId="{00000000-0000-0000-0000-000000000000}"/>
+          </ac:spMkLst>
+        </pc:spChg>
+        <pc:picChg chg="add">
+          <ac:chgData name="張 祐銜" userId="a4795a297bc9ce74" providerId="Windows Live" clId="Web-{3B4A9DD1-23B0-45CD-891C-E35E0B24A1AA}" dt="2024-06-04T06:02:26.508" v="460"/>
+          <ac:picMkLst>
+            <pc:docMk/>
+            <pc:sldMk cId="0" sldId="262"/>
+            <ac:picMk id="32" creationId="{9E7F428B-4BA9-68A8-B758-E562215DE4C5}"/>
+          </ac:picMkLst>
+        </pc:picChg>
+      </pc:sldChg>
+      <pc:sldChg chg="addSp delSp modSp">
+        <pc:chgData name="張 祐銜" userId="a4795a297bc9ce74" providerId="Windows Live" clId="Web-{3B4A9DD1-23B0-45CD-891C-E35E0B24A1AA}" dt="2024-06-04T06:02:27.836" v="461"/>
+        <pc:sldMkLst>
+          <pc:docMk/>
+          <pc:sldMk cId="0" sldId="263"/>
+        </pc:sldMkLst>
+        <pc:spChg chg="add del mod">
+          <ac:chgData name="張 祐銜" userId="a4795a297bc9ce74" providerId="Windows Live" clId="Web-{3B4A9DD1-23B0-45CD-891C-E35E0B24A1AA}" dt="2024-06-04T06:00:57.569" v="449"/>
+          <ac:spMkLst>
+            <pc:docMk/>
+            <pc:sldMk cId="0" sldId="263"/>
+            <ac:spMk id="3" creationId="{C35A9636-5F71-E029-B6D3-89D0526B8D31}"/>
+          </ac:spMkLst>
+        </pc:spChg>
+        <pc:spChg chg="add mod">
+          <ac:chgData name="張 祐銜" userId="a4795a297bc9ce74" providerId="Windows Live" clId="Web-{3B4A9DD1-23B0-45CD-891C-E35E0B24A1AA}" dt="2024-06-04T05:49:05.980" v="249" actId="1076"/>
+          <ac:spMkLst>
+            <pc:docMk/>
+            <pc:sldMk cId="0" sldId="263"/>
+            <ac:spMk id="4" creationId="{E9CAEDF9-7E64-1532-B4A0-010391FB5AEF}"/>
+          </ac:spMkLst>
+        </pc:spChg>
+        <pc:spChg chg="add mod">
+          <ac:chgData name="張 祐銜" userId="a4795a297bc9ce74" providerId="Windows Live" clId="Web-{3B4A9DD1-23B0-45CD-891C-E35E0B24A1AA}" dt="2024-06-04T05:52:38.530" v="284" actId="1076"/>
+          <ac:spMkLst>
+            <pc:docMk/>
+            <pc:sldMk cId="0" sldId="263"/>
+            <ac:spMk id="5" creationId="{A50DDF1E-6E09-3088-B553-C270BE15F082}"/>
+          </ac:spMkLst>
+        </pc:spChg>
+        <pc:spChg chg="add mod">
+          <ac:chgData name="張 祐銜" userId="a4795a297bc9ce74" providerId="Windows Live" clId="Web-{3B4A9DD1-23B0-45CD-891C-E35E0B24A1AA}" dt="2024-06-04T05:54:29.188" v="306" actId="1076"/>
+          <ac:spMkLst>
+            <pc:docMk/>
+            <pc:sldMk cId="0" sldId="263"/>
+            <ac:spMk id="7" creationId="{665B77FB-1880-CBF0-AFDB-82C968AA2D69}"/>
+          </ac:spMkLst>
+        </pc:spChg>
+        <pc:spChg chg="add del mod">
+          <ac:chgData name="張 祐銜" userId="a4795a297bc9ce74" providerId="Windows Live" clId="Web-{3B4A9DD1-23B0-45CD-891C-E35E0B24A1AA}" dt="2024-06-04T05:54:26.313" v="305"/>
+          <ac:spMkLst>
+            <pc:docMk/>
+            <pc:sldMk cId="0" sldId="263"/>
+            <ac:spMk id="8" creationId="{EBC59808-279D-8E2A-3D0C-E3CDCD1C37EB}"/>
+          </ac:spMkLst>
+        </pc:spChg>
+        <pc:spChg chg="add mod">
+          <ac:chgData name="張 祐銜" userId="a4795a297bc9ce74" providerId="Windows Live" clId="Web-{3B4A9DD1-23B0-45CD-891C-E35E0B24A1AA}" dt="2024-06-04T05:57:06.737" v="413" actId="20577"/>
+          <ac:spMkLst>
+            <pc:docMk/>
+            <pc:sldMk cId="0" sldId="263"/>
+            <ac:spMk id="9" creationId="{EEDBBD17-3C1F-1370-7764-DEA686EF2D88}"/>
+          </ac:spMkLst>
+        </pc:spChg>
+        <pc:spChg chg="add">
+          <ac:chgData name="張 祐銜" userId="a4795a297bc9ce74" providerId="Windows Live" clId="Web-{3B4A9DD1-23B0-45CD-891C-E35E0B24A1AA}" dt="2024-06-04T06:00:57.975" v="450"/>
+          <ac:spMkLst>
+            <pc:docMk/>
+            <pc:sldMk cId="0" sldId="263"/>
+            <ac:spMk id="11" creationId="{13551785-86FF-38AD-BC06-F8D90EDC3B0B}"/>
+          </ac:spMkLst>
+        </pc:spChg>
+        <pc:spChg chg="mod">
+          <ac:chgData name="張 祐銜" userId="a4795a297bc9ce74" providerId="Windows Live" clId="Web-{3B4A9DD1-23B0-45CD-891C-E35E0B24A1AA}" dt="2024-06-04T05:56:53.440" v="411" actId="14100"/>
+          <ac:spMkLst>
+            <pc:docMk/>
+            <pc:sldMk cId="0" sldId="263"/>
+            <ac:spMk id="15" creationId="{87DAA395-CF08-2A6A-C159-B0D0120DC104}"/>
+          </ac:spMkLst>
+        </pc:spChg>
+        <pc:spChg chg="mod">
+          <ac:chgData name="張 祐銜" userId="a4795a297bc9ce74" providerId="Windows Live" clId="Web-{3B4A9DD1-23B0-45CD-891C-E35E0B24A1AA}" dt="2024-06-04T05:48:58.323" v="248" actId="1076"/>
+          <ac:spMkLst>
+            <pc:docMk/>
+            <pc:sldMk cId="0" sldId="263"/>
+            <ac:spMk id="533" creationId="{00000000-0000-0000-0000-000000000000}"/>
+          </ac:spMkLst>
+        </pc:spChg>
+        <pc:picChg chg="add del mod">
+          <ac:chgData name="張 祐銜" userId="a4795a297bc9ce74" providerId="Windows Live" clId="Web-{3B4A9DD1-23B0-45CD-891C-E35E0B24A1AA}" dt="2024-06-04T05:53:20.624" v="287"/>
+          <ac:picMkLst>
+            <pc:docMk/>
+            <pc:sldMk cId="0" sldId="263"/>
+            <ac:picMk id="6" creationId="{EE8E119C-24BB-F99C-DEC4-5514B2AF1231}"/>
+          </ac:picMkLst>
+        </pc:picChg>
+        <pc:picChg chg="add">
+          <ac:chgData name="張 祐銜" userId="a4795a297bc9ce74" providerId="Windows Live" clId="Web-{3B4A9DD1-23B0-45CD-891C-E35E0B24A1AA}" dt="2024-06-04T06:02:27.836" v="461"/>
+          <ac:picMkLst>
+            <pc:docMk/>
+            <pc:sldMk cId="0" sldId="263"/>
+            <ac:picMk id="13" creationId="{B2D229E7-7A96-1112-D6CF-D4C443D9E4BC}"/>
+          </ac:picMkLst>
+        </pc:picChg>
+      </pc:sldChg>
+      <pc:sldChg chg="addSp delSp modSp">
+        <pc:chgData name="張 祐銜" userId="a4795a297bc9ce74" providerId="Windows Live" clId="Web-{3B4A9DD1-23B0-45CD-891C-E35E0B24A1AA}" dt="2024-06-04T06:02:31.039" v="462"/>
+        <pc:sldMkLst>
+          <pc:docMk/>
+          <pc:sldMk cId="0" sldId="264"/>
+        </pc:sldMkLst>
+        <pc:spChg chg="add del mod">
+          <ac:chgData name="張 祐銜" userId="a4795a297bc9ce74" providerId="Windows Live" clId="Web-{3B4A9DD1-23B0-45CD-891C-E35E0B24A1AA}" dt="2024-06-04T06:01:00.850" v="451"/>
+          <ac:spMkLst>
+            <pc:docMk/>
+            <pc:sldMk cId="0" sldId="264"/>
+            <ac:spMk id="3" creationId="{245E4668-3B5D-43FC-0301-DA05A3F54462}"/>
+          </ac:spMkLst>
+        </pc:spChg>
+        <pc:spChg chg="add del">
+          <ac:chgData name="張 祐銜" userId="a4795a297bc9ce74" providerId="Windows Live" clId="Web-{3B4A9DD1-23B0-45CD-891C-E35E0B24A1AA}" dt="2024-06-04T05:41:39.582" v="80"/>
+          <ac:spMkLst>
+            <pc:docMk/>
+            <pc:sldMk cId="0" sldId="264"/>
+            <ac:spMk id="5" creationId="{F8F393F0-BFC0-9D02-FB07-5958EAE4D01D}"/>
+          </ac:spMkLst>
+        </pc:spChg>
+        <pc:spChg chg="add">
+          <ac:chgData name="張 祐銜" userId="a4795a297bc9ce74" providerId="Windows Live" clId="Web-{3B4A9DD1-23B0-45CD-891C-E35E0B24A1AA}" dt="2024-06-04T06:01:01.194" v="452"/>
+          <ac:spMkLst>
+            <pc:docMk/>
+            <pc:sldMk cId="0" sldId="264"/>
+            <ac:spMk id="8" creationId="{C281E0C0-3CE2-56AE-E41B-EC6F878C1A91}"/>
+          </ac:spMkLst>
+        </pc:spChg>
+        <pc:spChg chg="mod">
+          <ac:chgData name="張 祐銜" userId="a4795a297bc9ce74" providerId="Windows Live" clId="Web-{3B4A9DD1-23B0-45CD-891C-E35E0B24A1AA}" dt="2024-06-04T05:39:40.315" v="63" actId="20577"/>
+          <ac:spMkLst>
+            <pc:docMk/>
+            <pc:sldMk cId="0" sldId="264"/>
+            <ac:spMk id="546" creationId="{00000000-0000-0000-0000-000000000000}"/>
+          </ac:spMkLst>
+        </pc:spChg>
+        <pc:picChg chg="mod">
+          <ac:chgData name="張 祐銜" userId="a4795a297bc9ce74" providerId="Windows Live" clId="Web-{3B4A9DD1-23B0-45CD-891C-E35E0B24A1AA}" dt="2024-06-04T05:39:45.706" v="66" actId="1076"/>
+          <ac:picMkLst>
+            <pc:docMk/>
+            <pc:sldMk cId="0" sldId="264"/>
+            <ac:picMk id="9" creationId="{00711A49-A4F8-2E75-EAED-F7EFACC1D803}"/>
+          </ac:picMkLst>
+        </pc:picChg>
+        <pc:picChg chg="add">
+          <ac:chgData name="張 祐銜" userId="a4795a297bc9ce74" providerId="Windows Live" clId="Web-{3B4A9DD1-23B0-45CD-891C-E35E0B24A1AA}" dt="2024-06-04T06:02:31.039" v="462"/>
+          <ac:picMkLst>
+            <pc:docMk/>
+            <pc:sldMk cId="0" sldId="264"/>
+            <ac:picMk id="12" creationId="{312F2A3B-9C9D-3EF2-D5AA-D39F8A5B8895}"/>
+          </ac:picMkLst>
+        </pc:picChg>
+        <pc:picChg chg="mod">
+          <ac:chgData name="張 祐銜" userId="a4795a297bc9ce74" providerId="Windows Live" clId="Web-{3B4A9DD1-23B0-45CD-891C-E35E0B24A1AA}" dt="2024-06-04T05:39:44.518" v="65" actId="1076"/>
+          <ac:picMkLst>
+            <pc:docMk/>
+            <pc:sldMk cId="0" sldId="264"/>
+            <ac:picMk id="23" creationId="{933B3A5F-4909-62E6-7E6C-8D5D9D6D3F09}"/>
+          </ac:picMkLst>
+        </pc:picChg>
+      </pc:sldChg>
+      <pc:sldChg chg="addSp modSp">
+        <pc:chgData name="張 祐銜" userId="a4795a297bc9ce74" providerId="Windows Live" clId="Web-{3B4A9DD1-23B0-45CD-891C-E35E0B24A1AA}" dt="2024-06-04T06:03:58.071" v="472" actId="1076"/>
+        <pc:sldMkLst>
+          <pc:docMk/>
+          <pc:sldMk cId="1881386031" sldId="265"/>
+        </pc:sldMkLst>
+        <pc:spChg chg="add mod">
+          <ac:chgData name="張 祐銜" userId="a4795a297bc9ce74" providerId="Windows Live" clId="Web-{3B4A9DD1-23B0-45CD-891C-E35E0B24A1AA}" dt="2024-06-04T05:39:53.706" v="68" actId="14100"/>
+          <ac:spMkLst>
+            <pc:docMk/>
+            <pc:sldMk cId="1881386031" sldId="265"/>
+            <ac:spMk id="2" creationId="{4B51AF76-0736-620D-4086-DEBB5CDA6C95}"/>
+          </ac:spMkLst>
+        </pc:spChg>
+        <pc:spChg chg="add mod">
+          <ac:chgData name="張 祐銜" userId="a4795a297bc9ce74" providerId="Windows Live" clId="Web-{3B4A9DD1-23B0-45CD-891C-E35E0B24A1AA}" dt="2024-06-04T05:37:40.579" v="49" actId="20577"/>
+          <ac:spMkLst>
+            <pc:docMk/>
+            <pc:sldMk cId="1881386031" sldId="265"/>
+            <ac:spMk id="11" creationId="{D37EED96-B155-2A41-5678-C47A8D015D06}"/>
+          </ac:spMkLst>
+        </pc:spChg>
+        <pc:picChg chg="add">
+          <ac:chgData name="張 祐銜" userId="a4795a297bc9ce74" providerId="Windows Live" clId="Web-{3B4A9DD1-23B0-45CD-891C-E35E0B24A1AA}" dt="2024-06-04T05:34:41.685" v="14"/>
+          <ac:picMkLst>
+            <pc:docMk/>
+            <pc:sldMk cId="1881386031" sldId="265"/>
+            <ac:picMk id="4" creationId="{F7D0C7A7-A1FB-6681-6DAF-A53DB8964C76}"/>
+          </ac:picMkLst>
+        </pc:picChg>
+        <pc:picChg chg="add mod">
+          <ac:chgData name="張 祐銜" userId="a4795a297bc9ce74" providerId="Windows Live" clId="Web-{3B4A9DD1-23B0-45CD-891C-E35E0B24A1AA}" dt="2024-06-04T06:03:58.071" v="472" actId="1076"/>
+          <ac:picMkLst>
+            <pc:docMk/>
+            <pc:sldMk cId="1881386031" sldId="265"/>
+            <ac:picMk id="6" creationId="{2CB45729-6976-D13E-F686-6467400B29F3}"/>
+          </ac:picMkLst>
+        </pc:picChg>
+        <pc:picChg chg="add mod">
+          <ac:chgData name="張 祐銜" userId="a4795a297bc9ce74" providerId="Windows Live" clId="Web-{3B4A9DD1-23B0-45CD-891C-E35E0B24A1AA}" dt="2024-06-04T05:35:09.264" v="18" actId="1076"/>
+          <ac:picMkLst>
+            <pc:docMk/>
+            <pc:sldMk cId="1881386031" sldId="265"/>
+            <ac:picMk id="8" creationId="{3C074F52-513C-D534-E507-08A49E575C79}"/>
+          </ac:picMkLst>
+        </pc:picChg>
+        <pc:picChg chg="add mod">
+          <ac:chgData name="張 祐銜" userId="a4795a297bc9ce74" providerId="Windows Live" clId="Web-{3B4A9DD1-23B0-45CD-891C-E35E0B24A1AA}" dt="2024-06-04T06:03:33.415" v="471" actId="1076"/>
+          <ac:picMkLst>
+            <pc:docMk/>
+            <pc:sldMk cId="1881386031" sldId="265"/>
+            <ac:picMk id="10" creationId="{6E95D124-6BB5-1E56-9D1F-6976C9C16593}"/>
+          </ac:picMkLst>
+        </pc:picChg>
+      </pc:sldChg>
+    </pc:docChg>
+  </pc:docChgLst>
+  <pc:docChgLst>
+    <pc:chgData name="張 祐銜" userId="a4795a297bc9ce74" providerId="Windows Live" clId="Web-{25B37F33-7DE3-4FF5-A0DC-337DE6CD52D2}"/>
+    <pc:docChg chg="addSld modSld">
+      <pc:chgData name="張 祐銜" userId="a4795a297bc9ce74" providerId="Windows Live" clId="Web-{25B37F33-7DE3-4FF5-A0DC-337DE6CD52D2}" dt="2024-06-04T05:03:29.414" v="101" actId="1076"/>
+      <pc:docMkLst>
+        <pc:docMk/>
+      </pc:docMkLst>
+      <pc:sldChg chg="addSp delSp modSp">
+        <pc:chgData name="張 祐銜" userId="a4795a297bc9ce74" providerId="Windows Live" clId="Web-{25B37F33-7DE3-4FF5-A0DC-337DE6CD52D2}" dt="2024-06-04T05:03:29.414" v="101" actId="1076"/>
+        <pc:sldMkLst>
+          <pc:docMk/>
+          <pc:sldMk cId="0" sldId="256"/>
+        </pc:sldMkLst>
+        <pc:spChg chg="add mod">
+          <ac:chgData name="張 祐銜" userId="a4795a297bc9ce74" providerId="Windows Live" clId="Web-{25B37F33-7DE3-4FF5-A0DC-337DE6CD52D2}" dt="2024-06-04T05:03:29.414" v="101" actId="1076"/>
+          <ac:spMkLst>
+            <pc:docMk/>
+            <pc:sldMk cId="0" sldId="256"/>
+            <ac:spMk id="2" creationId="{7E34F34F-F5CF-E410-5106-CF9E472DDB2B}"/>
+          </ac:spMkLst>
+        </pc:spChg>
+        <pc:spChg chg="add mod">
+          <ac:chgData name="張 祐銜" userId="a4795a297bc9ce74" providerId="Windows Live" clId="Web-{25B37F33-7DE3-4FF5-A0DC-337DE6CD52D2}" dt="2024-06-04T05:02:33.993" v="92" actId="20577"/>
+          <ac:spMkLst>
+            <pc:docMk/>
+            <pc:sldMk cId="0" sldId="256"/>
+            <ac:spMk id="4" creationId="{E6278954-C0C3-962C-00DB-BC6F7E316FCC}"/>
+          </ac:spMkLst>
+        </pc:spChg>
+        <pc:spChg chg="mod">
+          <ac:chgData name="張 祐銜" userId="a4795a297bc9ce74" providerId="Windows Live" clId="Web-{25B37F33-7DE3-4FF5-A0DC-337DE6CD52D2}" dt="2024-06-04T05:03:02.946" v="97" actId="1076"/>
+          <ac:spMkLst>
+            <pc:docMk/>
+            <pc:sldMk cId="0" sldId="256"/>
+            <ac:spMk id="251" creationId="{00000000-0000-0000-0000-000000000000}"/>
+          </ac:spMkLst>
+        </pc:spChg>
+        <pc:spChg chg="del mod">
+          <ac:chgData name="張 祐銜" userId="a4795a297bc9ce74" providerId="Windows Live" clId="Web-{25B37F33-7DE3-4FF5-A0DC-337DE6CD52D2}" dt="2024-06-04T04:59:55.399" v="37"/>
+          <ac:spMkLst>
+            <pc:docMk/>
+            <pc:sldMk cId="0" sldId="256"/>
+            <ac:spMk id="252" creationId="{00000000-0000-0000-0000-000000000000}"/>
+          </ac:spMkLst>
+        </pc:spChg>
+        <pc:picChg chg="mod">
+          <ac:chgData name="張 祐銜" userId="a4795a297bc9ce74" providerId="Windows Live" clId="Web-{25B37F33-7DE3-4FF5-A0DC-337DE6CD52D2}" dt="2024-06-04T04:57:47.462" v="19" actId="1076"/>
+          <ac:picMkLst>
+            <pc:docMk/>
+            <pc:sldMk cId="0" sldId="256"/>
+            <ac:picMk id="5" creationId="{0F2AE51E-B8DC-0FB8-E873-BB68496F5334}"/>
+          </ac:picMkLst>
+        </pc:picChg>
+        <pc:picChg chg="mod">
+          <ac:chgData name="張 祐銜" userId="a4795a297bc9ce74" providerId="Windows Live" clId="Web-{25B37F33-7DE3-4FF5-A0DC-337DE6CD52D2}" dt="2024-06-04T04:58:08.571" v="24" actId="14100"/>
+          <ac:picMkLst>
+            <pc:docMk/>
+            <pc:sldMk cId="0" sldId="256"/>
+            <ac:picMk id="256" creationId="{00000000-0000-0000-0000-000000000000}"/>
+          </ac:picMkLst>
+        </pc:picChg>
+      </pc:sldChg>
+      <pc:sldChg chg="delSp new">
+        <pc:chgData name="張 祐銜" userId="a4795a297bc9ce74" providerId="Windows Live" clId="Web-{25B37F33-7DE3-4FF5-A0DC-337DE6CD52D2}" dt="2024-06-04T04:55:57.009" v="2"/>
+        <pc:sldMkLst>
+          <pc:docMk/>
+          <pc:sldMk cId="1881386031" sldId="265"/>
+        </pc:sldMkLst>
+        <pc:spChg chg="del">
+          <ac:chgData name="張 祐銜" userId="a4795a297bc9ce74" providerId="Windows Live" clId="Web-{25B37F33-7DE3-4FF5-A0DC-337DE6CD52D2}" dt="2024-06-04T04:55:54.180" v="1"/>
+          <ac:spMkLst>
+            <pc:docMk/>
+            <pc:sldMk cId="1881386031" sldId="265"/>
+            <ac:spMk id="2" creationId="{E6E06F05-0B09-12B9-6451-491E79C2DFAA}"/>
+          </ac:spMkLst>
+        </pc:spChg>
+        <pc:spChg chg="del">
+          <ac:chgData name="張 祐銜" userId="a4795a297bc9ce74" providerId="Windows Live" clId="Web-{25B37F33-7DE3-4FF5-A0DC-337DE6CD52D2}" dt="2024-06-04T04:55:57.009" v="2"/>
+          <ac:spMkLst>
+            <pc:docMk/>
+            <pc:sldMk cId="1881386031" sldId="265"/>
+            <ac:spMk id="3" creationId="{D7ED644B-7AF7-A961-E97C-D1B4AD495AEC}"/>
+          </ac:spMkLst>
+        </pc:spChg>
+      </pc:sldChg>
+    </pc:docChg>
+  </pc:docChgLst>
+</pc:chgInfo>
 </file>
 
 <file path=ppt/notesMasters/notesMaster1.xml><?xml version="1.0" encoding="utf-8"?>
@@ -9222,8 +9879,8 @@
         </p:nvSpPr>
         <p:spPr>
           <a:xfrm>
-            <a:off x="-440750" y="3477975"/>
-            <a:ext cx="5776800" cy="792600"/>
+            <a:off x="-559169" y="3457380"/>
+            <a:ext cx="6219583" cy="792600"/>
           </a:xfrm>
           <a:prstGeom prst="rect">
             <a:avLst/>
@@ -9256,82 +9913,6 @@
               <a:solidFill>
                 <a:schemeClr val="dk1"/>
               </a:solidFill>
-            </a:endParaRPr>
-          </a:p>
-        </p:txBody>
-      </p:sp>
-      <p:sp>
-        <p:nvSpPr>
-          <p:cNvPr id="252" name="Google Shape;252;p13"/>
-          <p:cNvSpPr txBox="1"/>
-          <p:nvPr/>
-        </p:nvSpPr>
-        <p:spPr>
-          <a:xfrm>
-            <a:off x="1279500" y="4270575"/>
-            <a:ext cx="4382700" cy="584745"/>
-          </a:xfrm>
-          <a:prstGeom prst="rect">
-            <a:avLst/>
-          </a:prstGeom>
-          <a:noFill/>
-          <a:ln>
-            <a:noFill/>
-          </a:ln>
-        </p:spPr>
-        <p:txBody>
-          <a:bodyPr spcFirstLastPara="1" wrap="square" lIns="91425" tIns="91425" rIns="91425" bIns="91425" anchor="t" anchorCtr="0">
-            <a:spAutoFit/>
-          </a:bodyPr>
-          <a:lstStyle/>
-          <a:p>
-            <a:pPr marL="0" lvl="0" indent="0" algn="l" rtl="0">
-              <a:spcBef>
-                <a:spcPts val="0"/>
-              </a:spcBef>
-              <a:spcAft>
-                <a:spcPts val="0"/>
-              </a:spcAft>
-              <a:buNone/>
-            </a:pPr>
-            <a:r>
-              <a:rPr lang="zh-TW" b="1">
-                <a:solidFill>
-                  <a:schemeClr val="dk1"/>
-                </a:solidFill>
-                <a:ea typeface="Maven Pro"/>
-                <a:cs typeface="Maven Pro"/>
-                <a:sym typeface="Maven Pro"/>
-              </a:rPr>
-              <a:t>張祐銜:RPG遊戲及介紹</a:t>
-            </a:r>
-            <a:endParaRPr b="1">
-              <a:solidFill>
-                <a:schemeClr val="dk1"/>
-              </a:solidFill>
-              <a:highlight>
-                <a:srgbClr val="FFFFFF"/>
-              </a:highlight>
-            </a:endParaRPr>
-          </a:p>
-          <a:p>
-            <a:pPr marL="0" lvl="0" indent="0" algn="l" rtl="0">
-              <a:spcBef>
-                <a:spcPts val="0"/>
-              </a:spcBef>
-              <a:spcAft>
-                <a:spcPts val="0"/>
-              </a:spcAft>
-              <a:buNone/>
-            </a:pPr>
-            <a:endParaRPr sz="1200">
-              <a:solidFill>
-                <a:schemeClr val="dk1"/>
-              </a:solidFill>
-              <a:latin typeface="Maven Pro"/>
-              <a:ea typeface="Maven Pro"/>
-              <a:cs typeface="Maven Pro"/>
-              <a:sym typeface="Maven Pro"/>
             </a:endParaRPr>
           </a:p>
         </p:txBody>
@@ -9408,8 +9989,8 @@
         </p:blipFill>
         <p:spPr>
           <a:xfrm>
-            <a:off x="6805990" y="1969870"/>
-            <a:ext cx="277407" cy="265691"/>
+            <a:off x="6677274" y="1938977"/>
+            <a:ext cx="339190" cy="327476"/>
           </a:xfrm>
           <a:prstGeom prst="rect">
             <a:avLst/>
@@ -9678,6 +10259,88 @@
           </a:prstGeom>
         </p:spPr>
       </p:pic>
+      <p:sp>
+        <p:nvSpPr>
+          <p:cNvPr id="2" name="文字方塊 1">
+            <a:extLst>
+              <a:ext uri="{FF2B5EF4-FFF2-40B4-BE49-F238E27FC236}">
+                <a16:creationId xmlns:a16="http://schemas.microsoft.com/office/drawing/2014/main" id="{7E34F34F-F5CF-E410-5106-CF9E472DDB2B}"/>
+              </a:ext>
+            </a:extLst>
+          </p:cNvPr>
+          <p:cNvSpPr txBox="1"/>
+          <p:nvPr/>
+        </p:nvSpPr>
+        <p:spPr>
+          <a:xfrm>
+            <a:off x="1394793" y="4246433"/>
+            <a:ext cx="1049294" cy="369332"/>
+          </a:xfrm>
+          <a:prstGeom prst="rect">
+            <a:avLst/>
+          </a:prstGeom>
+          <a:noFill/>
+        </p:spPr>
+        <p:txBody>
+          <a:bodyPr rot="0" spcFirstLastPara="0" vertOverflow="overflow" horzOverflow="overflow" vert="horz" wrap="square" lIns="91440" tIns="45720" rIns="91440" bIns="45720" numCol="1" spcCol="0" rtlCol="0" fromWordArt="0" anchor="t" anchorCtr="0" forceAA="0" compatLnSpc="1">
+            <a:prstTxWarp prst="textNoShape">
+              <a:avLst/>
+            </a:prstTxWarp>
+            <a:spAutoFit/>
+          </a:bodyPr>
+          <a:lstStyle/>
+          <a:p>
+            <a:pPr algn="l"/>
+            <a:r>
+              <a:rPr lang="zh-TW" altLang="en-US" sz="1800" b="1"/>
+              <a:t>張祐銜</a:t>
+            </a:r>
+          </a:p>
+        </p:txBody>
+      </p:sp>
+      <p:sp>
+        <p:nvSpPr>
+          <p:cNvPr id="4" name="文字方塊 3">
+            <a:extLst>
+              <a:ext uri="{FF2B5EF4-FFF2-40B4-BE49-F238E27FC236}">
+                <a16:creationId xmlns:a16="http://schemas.microsoft.com/office/drawing/2014/main" id="{E6278954-C0C3-962C-00DB-BC6F7E316FCC}"/>
+              </a:ext>
+            </a:extLst>
+          </p:cNvPr>
+          <p:cNvSpPr txBox="1"/>
+          <p:nvPr/>
+        </p:nvSpPr>
+        <p:spPr>
+          <a:xfrm>
+            <a:off x="2226014" y="4243815"/>
+            <a:ext cx="2743199" cy="369332"/>
+          </a:xfrm>
+          <a:prstGeom prst="rect">
+            <a:avLst/>
+          </a:prstGeom>
+          <a:noFill/>
+        </p:spPr>
+        <p:txBody>
+          <a:bodyPr rot="0" spcFirstLastPara="0" vertOverflow="overflow" horzOverflow="overflow" vert="horz" wrap="square" lIns="91440" tIns="45720" rIns="91440" bIns="45720" numCol="1" spcCol="0" rtlCol="0" fromWordArt="0" anchor="t" anchorCtr="0" forceAA="0" compatLnSpc="1">
+            <a:prstTxWarp prst="textNoShape">
+              <a:avLst/>
+            </a:prstTxWarp>
+            <a:spAutoFit/>
+          </a:bodyPr>
+          <a:lstStyle/>
+          <a:p>
+            <a:pPr algn="l"/>
+            <a:r>
+              <a:rPr lang="zh-TW" altLang="en-US" sz="1800" b="1">
+                <a:highlight>
+                  <a:srgbClr val="6198CC"/>
+                </a:highlight>
+              </a:rPr>
+              <a:t>RPG遊戲及介紹</a:t>
+            </a:r>
+          </a:p>
+        </p:txBody>
+      </p:sp>
     </p:spTree>
   </p:cSld>
   <p:clrMapOvr>
@@ -9691,6 +10354,290 @@
     </mc:Choice>
     <mc:Fallback xmlns="">
       <p:transition spd="med">
+        <p:fade/>
+      </p:transition>
+    </mc:Fallback>
+  </mc:AlternateContent>
+</p:sld>
+</file>
+
+<file path=ppt/slides/slide10.xml><?xml version="1.0" encoding="utf-8"?>
+<p:sld xmlns:a="http://schemas.openxmlformats.org/drawingml/2006/main" xmlns:r="http://schemas.openxmlformats.org/officeDocument/2006/relationships" xmlns:p="http://schemas.openxmlformats.org/presentationml/2006/main">
+  <p:cSld>
+    <p:spTree>
+      <p:nvGrpSpPr>
+        <p:cNvPr id="1" name=""/>
+        <p:cNvGrpSpPr/>
+        <p:nvPr/>
+      </p:nvGrpSpPr>
+      <p:grpSpPr>
+        <a:xfrm>
+          <a:off x="0" y="0"/>
+          <a:ext cx="0" cy="0"/>
+          <a:chOff x="0" y="0"/>
+          <a:chExt cx="0" cy="0"/>
+        </a:xfrm>
+      </p:grpSpPr>
+      <p:sp>
+        <p:nvSpPr>
+          <p:cNvPr id="2" name="文字方塊 1">
+            <a:extLst>
+              <a:ext uri="{FF2B5EF4-FFF2-40B4-BE49-F238E27FC236}">
+                <a16:creationId xmlns:a16="http://schemas.microsoft.com/office/drawing/2014/main" id="{4B51AF76-0736-620D-4086-DEBB5CDA6C95}"/>
+              </a:ext>
+            </a:extLst>
+          </p:cNvPr>
+          <p:cNvSpPr txBox="1"/>
+          <p:nvPr/>
+        </p:nvSpPr>
+        <p:spPr>
+          <a:xfrm>
+            <a:off x="3444836" y="564535"/>
+            <a:ext cx="1758702" cy="533517"/>
+          </a:xfrm>
+          <a:prstGeom prst="rect">
+            <a:avLst/>
+          </a:prstGeom>
+          <a:noFill/>
+        </p:spPr>
+        <p:txBody>
+          <a:bodyPr rot="0" spcFirstLastPara="0" vertOverflow="overflow" horzOverflow="overflow" vert="horz" wrap="square" lIns="91440" tIns="45720" rIns="91440" bIns="45720" numCol="1" spcCol="0" rtlCol="0" fromWordArt="0" anchor="t" anchorCtr="0" forceAA="0" compatLnSpc="1">
+            <a:prstTxWarp prst="textNoShape">
+              <a:avLst/>
+            </a:prstTxWarp>
+            <a:spAutoFit/>
+          </a:bodyPr>
+          <a:lstStyle/>
+          <a:p>
+            <a:pPr algn="l"/>
+            <a:r>
+              <a:rPr lang="zh-TW" altLang="en-US" sz="2800" b="1">
+                <a:solidFill>
+                  <a:schemeClr val="accent1">
+                    <a:lumMod val="50000"/>
+                  </a:schemeClr>
+                </a:solidFill>
+              </a:rPr>
+              <a:t>參考資料</a:t>
+            </a:r>
+          </a:p>
+        </p:txBody>
+      </p:sp>
+      <p:pic>
+        <p:nvPicPr>
+          <p:cNvPr id="4" name="Google Shape;325;p18" descr="一張含有 螢幕擷取畫面, 像素, 設計 的圖片&#10;&#10;自動產生的描述">
+            <a:extLst>
+              <a:ext uri="{FF2B5EF4-FFF2-40B4-BE49-F238E27FC236}">
+                <a16:creationId xmlns:a16="http://schemas.microsoft.com/office/drawing/2014/main" id="{F7D0C7A7-A1FB-6681-6DAF-A53DB8964C76}"/>
+              </a:ext>
+            </a:extLst>
+          </p:cNvPr>
+          <p:cNvPicPr preferRelativeResize="0"/>
+          <p:nvPr/>
+        </p:nvPicPr>
+        <p:blipFill>
+          <a:blip r:embed="rId2">
+            <a:alphaModFix/>
+          </a:blip>
+          <a:stretch>
+            <a:fillRect/>
+          </a:stretch>
+        </p:blipFill>
+        <p:spPr>
+          <a:xfrm>
+            <a:off x="7865050" y="274150"/>
+            <a:ext cx="769700" cy="955925"/>
+          </a:xfrm>
+          <a:prstGeom prst="rect">
+            <a:avLst/>
+          </a:prstGeom>
+          <a:noFill/>
+          <a:ln>
+            <a:noFill/>
+          </a:ln>
+        </p:spPr>
+      </p:pic>
+      <p:pic>
+        <p:nvPicPr>
+          <p:cNvPr id="6" name="Google Shape;279;p14">
+            <a:extLst>
+              <a:ext uri="{FF2B5EF4-FFF2-40B4-BE49-F238E27FC236}">
+                <a16:creationId xmlns:a16="http://schemas.microsoft.com/office/drawing/2014/main" id="{2CB45729-6976-D13E-F686-6467400B29F3}"/>
+              </a:ext>
+            </a:extLst>
+          </p:cNvPr>
+          <p:cNvPicPr preferRelativeResize="0"/>
+          <p:nvPr/>
+        </p:nvPicPr>
+        <p:blipFill>
+          <a:blip r:embed="rId3">
+            <a:alphaModFix/>
+          </a:blip>
+          <a:stretch>
+            <a:fillRect/>
+          </a:stretch>
+        </p:blipFill>
+        <p:spPr>
+          <a:xfrm>
+            <a:off x="5141803" y="492500"/>
+            <a:ext cx="238125" cy="533400"/>
+          </a:xfrm>
+          <a:prstGeom prst="rect">
+            <a:avLst/>
+          </a:prstGeom>
+          <a:noFill/>
+          <a:ln>
+            <a:noFill/>
+          </a:ln>
+        </p:spPr>
+      </p:pic>
+      <p:pic>
+        <p:nvPicPr>
+          <p:cNvPr id="8" name="圖片 7" descr="一張含有 螢幕擷取畫面, 像素 的圖片&#10;&#10;自動產生的描述">
+            <a:extLst>
+              <a:ext uri="{FF2B5EF4-FFF2-40B4-BE49-F238E27FC236}">
+                <a16:creationId xmlns:a16="http://schemas.microsoft.com/office/drawing/2014/main" id="{3C074F52-513C-D534-E507-08A49E575C79}"/>
+              </a:ext>
+            </a:extLst>
+          </p:cNvPr>
+          <p:cNvPicPr>
+            <a:picLocks noChangeAspect="1"/>
+          </p:cNvPicPr>
+          <p:nvPr/>
+        </p:nvPicPr>
+        <p:blipFill>
+          <a:blip r:embed="rId4"/>
+          <a:stretch>
+            <a:fillRect/>
+          </a:stretch>
+        </p:blipFill>
+        <p:spPr>
+          <a:xfrm>
+            <a:off x="433258" y="271719"/>
+            <a:ext cx="770752" cy="975411"/>
+          </a:xfrm>
+          <a:prstGeom prst="rect">
+            <a:avLst/>
+          </a:prstGeom>
+        </p:spPr>
+      </p:pic>
+      <p:pic>
+        <p:nvPicPr>
+          <p:cNvPr id="10" name="Google Shape;279;p14">
+            <a:extLst>
+              <a:ext uri="{FF2B5EF4-FFF2-40B4-BE49-F238E27FC236}">
+                <a16:creationId xmlns:a16="http://schemas.microsoft.com/office/drawing/2014/main" id="{6E95D124-6BB5-1E56-9D1F-6976C9C16593}"/>
+              </a:ext>
+            </a:extLst>
+          </p:cNvPr>
+          <p:cNvPicPr preferRelativeResize="0"/>
+          <p:nvPr/>
+        </p:nvPicPr>
+        <p:blipFill>
+          <a:blip r:embed="rId3">
+            <a:alphaModFix/>
+          </a:blip>
+          <a:stretch>
+            <a:fillRect/>
+          </a:stretch>
+        </p:blipFill>
+        <p:spPr>
+          <a:xfrm>
+            <a:off x="3138978" y="492500"/>
+            <a:ext cx="238125" cy="533400"/>
+          </a:xfrm>
+          <a:prstGeom prst="rect">
+            <a:avLst/>
+          </a:prstGeom>
+          <a:noFill/>
+          <a:ln>
+            <a:noFill/>
+          </a:ln>
+        </p:spPr>
+      </p:pic>
+      <p:sp>
+        <p:nvSpPr>
+          <p:cNvPr id="11" name="文字方塊 10">
+            <a:extLst>
+              <a:ext uri="{FF2B5EF4-FFF2-40B4-BE49-F238E27FC236}">
+                <a16:creationId xmlns:a16="http://schemas.microsoft.com/office/drawing/2014/main" id="{D37EED96-B155-2A41-5678-C47A8D015D06}"/>
+              </a:ext>
+            </a:extLst>
+          </p:cNvPr>
+          <p:cNvSpPr txBox="1"/>
+          <p:nvPr/>
+        </p:nvSpPr>
+        <p:spPr>
+          <a:xfrm>
+            <a:off x="815212" y="1814388"/>
+            <a:ext cx="8046304" cy="2246769"/>
+          </a:xfrm>
+          <a:prstGeom prst="rect">
+            <a:avLst/>
+          </a:prstGeom>
+          <a:noFill/>
+        </p:spPr>
+        <p:txBody>
+          <a:bodyPr rot="0" spcFirstLastPara="0" vertOverflow="overflow" horzOverflow="overflow" vert="horz" wrap="square" lIns="91440" tIns="45720" rIns="91440" bIns="45720" numCol="1" spcCol="0" rtlCol="0" fromWordArt="0" anchor="t" anchorCtr="0" forceAA="0" compatLnSpc="1">
+            <a:prstTxWarp prst="textNoShape">
+              <a:avLst/>
+            </a:prstTxWarp>
+            <a:spAutoFit/>
+          </a:bodyPr>
+          <a:lstStyle/>
+          <a:p>
+            <a:pPr algn="l"/>
+            <a:r>
+              <a:rPr lang="zh-TW" sz="2800" b="1" dirty="0">
+                <a:hlinkClick r:id="rId5"/>
+              </a:rPr>
+              <a:t>https://pixelfrog-assets.itch.io/kings-and-pigs</a:t>
+            </a:r>
+          </a:p>
+          <a:p>
+            <a:endParaRPr lang="zh-TW" altLang="en-US" sz="2800" b="1" dirty="0"/>
+          </a:p>
+          <a:p>
+            <a:r>
+              <a:rPr lang="en-US" altLang="zh-TW" sz="2800" b="1" dirty="0">
+                <a:hlinkClick r:id="rId6"/>
+              </a:rPr>
+              <a:t>https://craftpix.net/freebies/filter/tilesets/</a:t>
+            </a:r>
+            <a:endParaRPr lang="zh-TW" b="1"/>
+          </a:p>
+          <a:p>
+            <a:endParaRPr lang="zh-TW" altLang="en-US" sz="2800" b="1" dirty="0"/>
+          </a:p>
+          <a:p>
+            <a:r>
+              <a:rPr lang="en-US" altLang="zh-TW" sz="2800" b="1" dirty="0">
+                <a:hlinkClick r:id="rId7"/>
+              </a:rPr>
+              <a:t>https://tobiasahlin.com/moving-letters/</a:t>
+            </a:r>
+            <a:endParaRPr lang="zh-TW" b="1" dirty="0"/>
+          </a:p>
+        </p:txBody>
+      </p:sp>
+    </p:spTree>
+    <p:extLst>
+      <p:ext uri="{BB962C8B-B14F-4D97-AF65-F5344CB8AC3E}">
+        <p14:creationId xmlns:p14="http://schemas.microsoft.com/office/powerpoint/2010/main" val="1881386031"/>
+      </p:ext>
+    </p:extLst>
+  </p:cSld>
+  <p:clrMapOvr>
+    <a:masterClrMapping/>
+  </p:clrMapOvr>
+  <mc:AlternateContent xmlns:mc="http://schemas.openxmlformats.org/markup-compatibility/2006" xmlns:p159="http://schemas.microsoft.com/office/powerpoint/2015/09/main">
+    <mc:Choice Requires="p159">
+      <p:transition xmlns:p14="http://schemas.microsoft.com/office/powerpoint/2010/main" spd="slow" p14:dur="2000">
+        <p159:morph option="byObject"/>
+      </p:transition>
+    </mc:Choice>
+    <mc:Fallback xmlns="">
+      <p:transition spd="slow">
         <p:fade/>
       </p:transition>
     </mc:Fallback>
@@ -11906,6 +12853,40 @@
           </a:prstGeom>
         </p:spPr>
       </p:pic>
+      <p:pic>
+        <p:nvPicPr>
+          <p:cNvPr id="2" name="Google Shape;279;p14">
+            <a:extLst>
+              <a:ext uri="{FF2B5EF4-FFF2-40B4-BE49-F238E27FC236}">
+                <a16:creationId xmlns:a16="http://schemas.microsoft.com/office/drawing/2014/main" id="{9EA03465-37CF-6687-B7D0-D07167460E93}"/>
+              </a:ext>
+            </a:extLst>
+          </p:cNvPr>
+          <p:cNvPicPr preferRelativeResize="0"/>
+          <p:nvPr/>
+        </p:nvPicPr>
+        <p:blipFill>
+          <a:blip r:embed="rId5">
+            <a:alphaModFix/>
+          </a:blip>
+          <a:stretch>
+            <a:fillRect/>
+          </a:stretch>
+        </p:blipFill>
+        <p:spPr>
+          <a:xfrm>
+            <a:off x="3767113" y="317446"/>
+            <a:ext cx="238125" cy="533400"/>
+          </a:xfrm>
+          <a:prstGeom prst="rect">
+            <a:avLst/>
+          </a:prstGeom>
+          <a:noFill/>
+          <a:ln>
+            <a:noFill/>
+          </a:ln>
+        </p:spPr>
+      </p:pic>
     </p:spTree>
   </p:cSld>
   <p:clrMapOvr>
@@ -11986,43 +12967,25 @@
               <a:buNone/>
             </a:pPr>
             <a:r>
-              <a:rPr lang="zh-TW" b="1"/>
+              <a:rPr lang="zh-TW" b="1">
+                <a:solidFill>
+                  <a:schemeClr val="accent1">
+                    <a:lumMod val="50000"/>
+                  </a:schemeClr>
+                </a:solidFill>
+              </a:rPr>
               <a:t>製作動機</a:t>
             </a:r>
-            <a:endParaRPr b="1"/>
+            <a:endParaRPr b="1">
+              <a:solidFill>
+                <a:schemeClr val="accent1">
+                  <a:lumMod val="50000"/>
+                </a:schemeClr>
+              </a:solidFill>
+            </a:endParaRPr>
           </a:p>
         </p:txBody>
       </p:sp>
-      <p:pic>
-        <p:nvPicPr>
-          <p:cNvPr id="2" name="圖片 1" descr="一張含有 螢幕擷取畫面, 像素 的圖片&#10;&#10;自動產生的描述">
-            <a:extLst>
-              <a:ext uri="{FF2B5EF4-FFF2-40B4-BE49-F238E27FC236}">
-                <a16:creationId xmlns:a16="http://schemas.microsoft.com/office/drawing/2014/main" id="{486918E9-A00E-7AA9-B5F3-BFE450E8D354}"/>
-              </a:ext>
-            </a:extLst>
-          </p:cNvPr>
-          <p:cNvPicPr>
-            <a:picLocks noChangeAspect="1"/>
-          </p:cNvPicPr>
-          <p:nvPr/>
-        </p:nvPicPr>
-        <p:blipFill>
-          <a:blip r:embed="rId3"/>
-          <a:stretch>
-            <a:fillRect/>
-          </a:stretch>
-        </p:blipFill>
-        <p:spPr>
-          <a:xfrm>
-            <a:off x="459002" y="122408"/>
-            <a:ext cx="770752" cy="975411"/>
-          </a:xfrm>
-          <a:prstGeom prst="rect">
-            <a:avLst/>
-          </a:prstGeom>
-        </p:spPr>
-      </p:pic>
       <p:pic>
         <p:nvPicPr>
           <p:cNvPr id="13" name="圖片 12" descr="一張含有 像素, 鮮豔, 螢幕擷取畫面 的圖片&#10;&#10;自動產生的描述">
@@ -12038,7 +13001,7 @@
           <p:nvPr/>
         </p:nvPicPr>
         <p:blipFill>
-          <a:blip r:embed="rId4"/>
+          <a:blip r:embed="rId3"/>
           <a:stretch>
             <a:fillRect/>
           </a:stretch>
@@ -13818,7 +14781,7 @@
           <p:nvPr/>
         </p:nvPicPr>
         <p:blipFill>
-          <a:blip r:embed="rId5"/>
+          <a:blip r:embed="rId4"/>
           <a:stretch>
             <a:fillRect/>
           </a:stretch>
@@ -13831,40 +14794,6 @@
           <a:prstGeom prst="rect">
             <a:avLst/>
           </a:prstGeom>
-        </p:spPr>
-      </p:pic>
-      <p:pic>
-        <p:nvPicPr>
-          <p:cNvPr id="33" name="Google Shape;279;p14">
-            <a:extLst>
-              <a:ext uri="{FF2B5EF4-FFF2-40B4-BE49-F238E27FC236}">
-                <a16:creationId xmlns:a16="http://schemas.microsoft.com/office/drawing/2014/main" id="{E2C7997F-86BD-09E4-C0E7-0F7E14BD1A0C}"/>
-              </a:ext>
-            </a:extLst>
-          </p:cNvPr>
-          <p:cNvPicPr preferRelativeResize="0"/>
-          <p:nvPr/>
-        </p:nvPicPr>
-        <p:blipFill>
-          <a:blip r:embed="rId6">
-            <a:alphaModFix/>
-          </a:blip>
-          <a:stretch>
-            <a:fillRect/>
-          </a:stretch>
-        </p:blipFill>
-        <p:spPr>
-          <a:xfrm>
-            <a:off x="1429627" y="425568"/>
-            <a:ext cx="238125" cy="533400"/>
-          </a:xfrm>
-          <a:prstGeom prst="rect">
-            <a:avLst/>
-          </a:prstGeom>
-          <a:noFill/>
-          <a:ln>
-            <a:noFill/>
-          </a:ln>
         </p:spPr>
       </p:pic>
       <p:pic>
@@ -13882,7 +14811,7 @@
           <p:nvPr/>
         </p:nvPicPr>
         <p:blipFill>
-          <a:blip r:embed="rId7"/>
+          <a:blip r:embed="rId5"/>
           <a:stretch>
             <a:fillRect/>
           </a:stretch>
@@ -13895,6 +14824,394 @@
           <a:prstGeom prst="rect">
             <a:avLst/>
           </a:prstGeom>
+        </p:spPr>
+      </p:pic>
+      <p:pic>
+        <p:nvPicPr>
+          <p:cNvPr id="8" name="Google Shape;325;p18" descr="一張含有 螢幕擷取畫面, 像素, 設計 的圖片&#10;&#10;自動產生的描述">
+            <a:extLst>
+              <a:ext uri="{FF2B5EF4-FFF2-40B4-BE49-F238E27FC236}">
+                <a16:creationId xmlns:a16="http://schemas.microsoft.com/office/drawing/2014/main" id="{41FCAF22-4C29-D9B3-1247-3BC803986A8C}"/>
+              </a:ext>
+            </a:extLst>
+          </p:cNvPr>
+          <p:cNvPicPr preferRelativeResize="0"/>
+          <p:nvPr/>
+        </p:nvPicPr>
+        <p:blipFill>
+          <a:blip r:embed="rId6">
+            <a:alphaModFix/>
+          </a:blip>
+          <a:stretch>
+            <a:fillRect/>
+          </a:stretch>
+        </p:blipFill>
+        <p:spPr>
+          <a:xfrm>
+            <a:off x="7865050" y="274150"/>
+            <a:ext cx="769700" cy="955925"/>
+          </a:xfrm>
+          <a:prstGeom prst="rect">
+            <a:avLst/>
+          </a:prstGeom>
+          <a:noFill/>
+          <a:ln>
+            <a:noFill/>
+          </a:ln>
+        </p:spPr>
+      </p:pic>
+      <p:pic>
+        <p:nvPicPr>
+          <p:cNvPr id="10" name="Google Shape;279;p14">
+            <a:extLst>
+              <a:ext uri="{FF2B5EF4-FFF2-40B4-BE49-F238E27FC236}">
+                <a16:creationId xmlns:a16="http://schemas.microsoft.com/office/drawing/2014/main" id="{672DEDD8-5F43-C206-4D62-DF722A7065B6}"/>
+              </a:ext>
+            </a:extLst>
+          </p:cNvPr>
+          <p:cNvPicPr preferRelativeResize="0"/>
+          <p:nvPr/>
+        </p:nvPicPr>
+        <p:blipFill>
+          <a:blip r:embed="rId7">
+            <a:alphaModFix/>
+          </a:blip>
+          <a:stretch>
+            <a:fillRect/>
+          </a:stretch>
+        </p:blipFill>
+        <p:spPr>
+          <a:xfrm>
+            <a:off x="8745857" y="559432"/>
+            <a:ext cx="238125" cy="533400"/>
+          </a:xfrm>
+          <a:prstGeom prst="rect">
+            <a:avLst/>
+          </a:prstGeom>
+          <a:noFill/>
+          <a:ln>
+            <a:noFill/>
+          </a:ln>
+        </p:spPr>
+      </p:pic>
+      <p:sp>
+        <p:nvSpPr>
+          <p:cNvPr id="15" name="Google Shape;267;p14">
+            <a:extLst>
+              <a:ext uri="{FF2B5EF4-FFF2-40B4-BE49-F238E27FC236}">
+                <a16:creationId xmlns:a16="http://schemas.microsoft.com/office/drawing/2014/main" id="{ED8137C4-4F8B-71C5-AE02-932149A46731}"/>
+              </a:ext>
+            </a:extLst>
+          </p:cNvPr>
+          <p:cNvSpPr txBox="1">
+            <a:spLocks/>
+          </p:cNvSpPr>
+          <p:nvPr/>
+        </p:nvSpPr>
+        <p:spPr>
+          <a:xfrm>
+            <a:off x="565953" y="453525"/>
+            <a:ext cx="1252743" cy="665374"/>
+          </a:xfrm>
+          <a:prstGeom prst="rect">
+            <a:avLst/>
+          </a:prstGeom>
+          <a:noFill/>
+          <a:ln>
+            <a:noFill/>
+          </a:ln>
+        </p:spPr>
+        <p:txBody>
+          <a:bodyPr spcFirstLastPara="1" wrap="square" lIns="91425" tIns="91425" rIns="91425" bIns="91425" anchor="t" anchorCtr="0">
+            <a:normAutofit/>
+          </a:bodyPr>
+          <a:lstStyle>
+            <a:defPPr marR="0" lvl="0" algn="l" rtl="0">
+              <a:lnSpc>
+                <a:spcPct val="100000"/>
+              </a:lnSpc>
+              <a:spcBef>
+                <a:spcPts val="0"/>
+              </a:spcBef>
+              <a:spcAft>
+                <a:spcPts val="0"/>
+              </a:spcAft>
+            </a:defPPr>
+            <a:lvl1pPr marR="0" lvl="0" algn="l" rtl="0">
+              <a:lnSpc>
+                <a:spcPct val="100000"/>
+              </a:lnSpc>
+              <a:spcBef>
+                <a:spcPts val="0"/>
+              </a:spcBef>
+              <a:spcAft>
+                <a:spcPts val="0"/>
+              </a:spcAft>
+              <a:buClr>
+                <a:schemeClr val="dk1"/>
+              </a:buClr>
+              <a:buSzPts val="2800"/>
+              <a:buFont typeface="Arial"/>
+              <a:buNone/>
+              <a:defRPr sz="2800" b="0" i="0" u="none" strike="noStrike" cap="none">
+                <a:solidFill>
+                  <a:schemeClr val="dk1"/>
+                </a:solidFill>
+                <a:latin typeface="Arial"/>
+                <a:ea typeface="Arial"/>
+                <a:cs typeface="Arial"/>
+                <a:sym typeface="Arial"/>
+              </a:defRPr>
+            </a:lvl1pPr>
+            <a:lvl2pPr marR="0" lvl="1" algn="l" rtl="0">
+              <a:lnSpc>
+                <a:spcPct val="100000"/>
+              </a:lnSpc>
+              <a:spcBef>
+                <a:spcPts val="0"/>
+              </a:spcBef>
+              <a:spcAft>
+                <a:spcPts val="0"/>
+              </a:spcAft>
+              <a:buClr>
+                <a:schemeClr val="dk1"/>
+              </a:buClr>
+              <a:buSzPts val="2800"/>
+              <a:buFont typeface="Arial"/>
+              <a:buNone/>
+              <a:defRPr sz="2800" b="0" i="0" u="none" strike="noStrike" cap="none">
+                <a:solidFill>
+                  <a:schemeClr val="dk1"/>
+                </a:solidFill>
+                <a:latin typeface="Arial"/>
+                <a:ea typeface="Arial"/>
+                <a:cs typeface="Arial"/>
+                <a:sym typeface="Arial"/>
+              </a:defRPr>
+            </a:lvl2pPr>
+            <a:lvl3pPr marR="0" lvl="2" algn="l" rtl="0">
+              <a:lnSpc>
+                <a:spcPct val="100000"/>
+              </a:lnSpc>
+              <a:spcBef>
+                <a:spcPts val="0"/>
+              </a:spcBef>
+              <a:spcAft>
+                <a:spcPts val="0"/>
+              </a:spcAft>
+              <a:buClr>
+                <a:schemeClr val="dk1"/>
+              </a:buClr>
+              <a:buSzPts val="2800"/>
+              <a:buFont typeface="Arial"/>
+              <a:buNone/>
+              <a:defRPr sz="2800" b="0" i="0" u="none" strike="noStrike" cap="none">
+                <a:solidFill>
+                  <a:schemeClr val="dk1"/>
+                </a:solidFill>
+                <a:latin typeface="Arial"/>
+                <a:ea typeface="Arial"/>
+                <a:cs typeface="Arial"/>
+                <a:sym typeface="Arial"/>
+              </a:defRPr>
+            </a:lvl3pPr>
+            <a:lvl4pPr marR="0" lvl="3" algn="l" rtl="0">
+              <a:lnSpc>
+                <a:spcPct val="100000"/>
+              </a:lnSpc>
+              <a:spcBef>
+                <a:spcPts val="0"/>
+              </a:spcBef>
+              <a:spcAft>
+                <a:spcPts val="0"/>
+              </a:spcAft>
+              <a:buClr>
+                <a:schemeClr val="dk1"/>
+              </a:buClr>
+              <a:buSzPts val="2800"/>
+              <a:buFont typeface="Arial"/>
+              <a:buNone/>
+              <a:defRPr sz="2800" b="0" i="0" u="none" strike="noStrike" cap="none">
+                <a:solidFill>
+                  <a:schemeClr val="dk1"/>
+                </a:solidFill>
+                <a:latin typeface="Arial"/>
+                <a:ea typeface="Arial"/>
+                <a:cs typeface="Arial"/>
+                <a:sym typeface="Arial"/>
+              </a:defRPr>
+            </a:lvl4pPr>
+            <a:lvl5pPr marR="0" lvl="4" algn="l" rtl="0">
+              <a:lnSpc>
+                <a:spcPct val="100000"/>
+              </a:lnSpc>
+              <a:spcBef>
+                <a:spcPts val="0"/>
+              </a:spcBef>
+              <a:spcAft>
+                <a:spcPts val="0"/>
+              </a:spcAft>
+              <a:buClr>
+                <a:schemeClr val="dk1"/>
+              </a:buClr>
+              <a:buSzPts val="2800"/>
+              <a:buFont typeface="Arial"/>
+              <a:buNone/>
+              <a:defRPr sz="2800" b="0" i="0" u="none" strike="noStrike" cap="none">
+                <a:solidFill>
+                  <a:schemeClr val="dk1"/>
+                </a:solidFill>
+                <a:latin typeface="Arial"/>
+                <a:ea typeface="Arial"/>
+                <a:cs typeface="Arial"/>
+                <a:sym typeface="Arial"/>
+              </a:defRPr>
+            </a:lvl5pPr>
+            <a:lvl6pPr marR="0" lvl="5" algn="l" rtl="0">
+              <a:lnSpc>
+                <a:spcPct val="100000"/>
+              </a:lnSpc>
+              <a:spcBef>
+                <a:spcPts val="0"/>
+              </a:spcBef>
+              <a:spcAft>
+                <a:spcPts val="0"/>
+              </a:spcAft>
+              <a:buClr>
+                <a:schemeClr val="dk1"/>
+              </a:buClr>
+              <a:buSzPts val="2800"/>
+              <a:buFont typeface="Arial"/>
+              <a:buNone/>
+              <a:defRPr sz="2800" b="0" i="0" u="none" strike="noStrike" cap="none">
+                <a:solidFill>
+                  <a:schemeClr val="dk1"/>
+                </a:solidFill>
+                <a:latin typeface="Arial"/>
+                <a:ea typeface="Arial"/>
+                <a:cs typeface="Arial"/>
+                <a:sym typeface="Arial"/>
+              </a:defRPr>
+            </a:lvl6pPr>
+            <a:lvl7pPr marR="0" lvl="6" algn="l" rtl="0">
+              <a:lnSpc>
+                <a:spcPct val="100000"/>
+              </a:lnSpc>
+              <a:spcBef>
+                <a:spcPts val="0"/>
+              </a:spcBef>
+              <a:spcAft>
+                <a:spcPts val="0"/>
+              </a:spcAft>
+              <a:buClr>
+                <a:schemeClr val="dk1"/>
+              </a:buClr>
+              <a:buSzPts val="2800"/>
+              <a:buFont typeface="Arial"/>
+              <a:buNone/>
+              <a:defRPr sz="2800" b="0" i="0" u="none" strike="noStrike" cap="none">
+                <a:solidFill>
+                  <a:schemeClr val="dk1"/>
+                </a:solidFill>
+                <a:latin typeface="Arial"/>
+                <a:ea typeface="Arial"/>
+                <a:cs typeface="Arial"/>
+                <a:sym typeface="Arial"/>
+              </a:defRPr>
+            </a:lvl7pPr>
+            <a:lvl8pPr marR="0" lvl="7" algn="l" rtl="0">
+              <a:lnSpc>
+                <a:spcPct val="100000"/>
+              </a:lnSpc>
+              <a:spcBef>
+                <a:spcPts val="0"/>
+              </a:spcBef>
+              <a:spcAft>
+                <a:spcPts val="0"/>
+              </a:spcAft>
+              <a:buClr>
+                <a:schemeClr val="dk1"/>
+              </a:buClr>
+              <a:buSzPts val="2800"/>
+              <a:buFont typeface="Arial"/>
+              <a:buNone/>
+              <a:defRPr sz="2800" b="0" i="0" u="none" strike="noStrike" cap="none">
+                <a:solidFill>
+                  <a:schemeClr val="dk1"/>
+                </a:solidFill>
+                <a:latin typeface="Arial"/>
+                <a:ea typeface="Arial"/>
+                <a:cs typeface="Arial"/>
+                <a:sym typeface="Arial"/>
+              </a:defRPr>
+            </a:lvl8pPr>
+            <a:lvl9pPr marR="0" lvl="8" algn="l" rtl="0">
+              <a:lnSpc>
+                <a:spcPct val="100000"/>
+              </a:lnSpc>
+              <a:spcBef>
+                <a:spcPts val="0"/>
+              </a:spcBef>
+              <a:spcAft>
+                <a:spcPts val="0"/>
+              </a:spcAft>
+              <a:buClr>
+                <a:schemeClr val="dk1"/>
+              </a:buClr>
+              <a:buSzPts val="2800"/>
+              <a:buFont typeface="Arial"/>
+              <a:buNone/>
+              <a:defRPr sz="2800" b="0" i="0" u="none" strike="noStrike" cap="none">
+                <a:solidFill>
+                  <a:schemeClr val="dk1"/>
+                </a:solidFill>
+                <a:latin typeface="Arial"/>
+                <a:ea typeface="Arial"/>
+                <a:cs typeface="Arial"/>
+                <a:sym typeface="Arial"/>
+              </a:defRPr>
+            </a:lvl9pPr>
+          </a:lstStyle>
+          <a:p>
+            <a:r>
+              <a:rPr lang="zh-TW" altLang="en-US" b="1"/>
+              <a:t>目錄</a:t>
+            </a:r>
+          </a:p>
+        </p:txBody>
+      </p:sp>
+      <p:pic>
+        <p:nvPicPr>
+          <p:cNvPr id="17" name="Google Shape;279;p14">
+            <a:extLst>
+              <a:ext uri="{FF2B5EF4-FFF2-40B4-BE49-F238E27FC236}">
+                <a16:creationId xmlns:a16="http://schemas.microsoft.com/office/drawing/2014/main" id="{0C91A33C-A080-DF2D-3584-17E720470F6F}"/>
+              </a:ext>
+            </a:extLst>
+          </p:cNvPr>
+          <p:cNvPicPr preferRelativeResize="0"/>
+          <p:nvPr/>
+        </p:nvPicPr>
+        <p:blipFill>
+          <a:blip r:embed="rId7">
+            <a:alphaModFix/>
+          </a:blip>
+          <a:stretch>
+            <a:fillRect/>
+          </a:stretch>
+        </p:blipFill>
+        <p:spPr>
+          <a:xfrm>
+            <a:off x="338114" y="420419"/>
+            <a:ext cx="238125" cy="533400"/>
+          </a:xfrm>
+          <a:prstGeom prst="rect">
+            <a:avLst/>
+          </a:prstGeom>
+          <a:noFill/>
+          <a:ln>
+            <a:noFill/>
+          </a:ln>
         </p:spPr>
       </p:pic>
     </p:spTree>
@@ -13967,20 +15284,27 @@
           </a:bodyPr>
           <a:lstStyle/>
           <a:p>
-            <a:pPr marL="0" lvl="0" indent="0" algn="l" rtl="0">
-              <a:spcBef>
-                <a:spcPts val="0"/>
-              </a:spcBef>
-              <a:spcAft>
-                <a:spcPts val="0"/>
-              </a:spcAft>
-              <a:buNone/>
-            </a:pPr>
             <a:r>
-              <a:rPr lang="zh-TW" b="1"/>
-              <a:t> 使用技術</a:t>
+              <a:rPr lang="zh-TW" altLang="en-US" b="1" dirty="0"/>
+              <a:t> </a:t>
             </a:r>
-            <a:endParaRPr b="1"/>
+            <a:r>
+              <a:rPr lang="zh-TW" b="1">
+                <a:solidFill>
+                  <a:schemeClr val="accent1">
+                    <a:lumMod val="50000"/>
+                  </a:schemeClr>
+                </a:solidFill>
+              </a:rPr>
+              <a:t>使用技術</a:t>
+            </a:r>
+            <a:endParaRPr b="1">
+              <a:solidFill>
+                <a:schemeClr val="accent1">
+                  <a:lumMod val="50000"/>
+                </a:schemeClr>
+              </a:solidFill>
+            </a:endParaRPr>
           </a:p>
         </p:txBody>
       </p:sp>
@@ -15635,10 +16959,10 @@
       </p:pic>
       <p:pic>
         <p:nvPicPr>
-          <p:cNvPr id="37" name="圖片 36" descr="一張含有 螢幕擷取畫面, 像素 的圖片&#10;&#10;自動產生的描述">
+          <p:cNvPr id="41" name="圖片 40" descr="一張含有 螢幕擷取畫面, 對稱, 鮮豔 的圖片&#10;&#10;自動產生的描述">
             <a:extLst>
               <a:ext uri="{FF2B5EF4-FFF2-40B4-BE49-F238E27FC236}">
-                <a16:creationId xmlns:a16="http://schemas.microsoft.com/office/drawing/2014/main" id="{C1591F9F-1B8D-7AA2-8029-F79A1E6E9B89}"/>
+                <a16:creationId xmlns:a16="http://schemas.microsoft.com/office/drawing/2014/main" id="{03B7D30D-0721-D2EA-B487-1A2DF8A331EE}"/>
               </a:ext>
             </a:extLst>
           </p:cNvPr>
@@ -15655,8 +16979,8 @@
         </p:blipFill>
         <p:spPr>
           <a:xfrm>
-            <a:off x="459002" y="122408"/>
-            <a:ext cx="770752" cy="975411"/>
+            <a:off x="8082606" y="4322033"/>
+            <a:ext cx="552450" cy="819150"/>
           </a:xfrm>
           <a:prstGeom prst="rect">
             <a:avLst/>
@@ -15665,10 +16989,10 @@
       </p:pic>
       <p:pic>
         <p:nvPicPr>
-          <p:cNvPr id="39" name="Google Shape;279;p14">
+          <p:cNvPr id="3" name="Google Shape;325;p18" descr="一張含有 螢幕擷取畫面, 像素, 設計 的圖片&#10;&#10;自動產生的描述">
             <a:extLst>
               <a:ext uri="{FF2B5EF4-FFF2-40B4-BE49-F238E27FC236}">
-                <a16:creationId xmlns:a16="http://schemas.microsoft.com/office/drawing/2014/main" id="{F4A0AB37-9D14-8086-519A-15A724A361AB}"/>
+                <a16:creationId xmlns:a16="http://schemas.microsoft.com/office/drawing/2014/main" id="{F15FBED6-B1AE-64DC-5B90-AC43EBC8D2FA}"/>
               </a:ext>
             </a:extLst>
           </p:cNvPr>
@@ -15685,8 +17009,8 @@
         </p:blipFill>
         <p:spPr>
           <a:xfrm>
-            <a:off x="1429627" y="425568"/>
-            <a:ext cx="238125" cy="533400"/>
+            <a:off x="7865050" y="274150"/>
+            <a:ext cx="769700" cy="955925"/>
           </a:xfrm>
           <a:prstGeom prst="rect">
             <a:avLst/>
@@ -15699,32 +17023,356 @@
       </p:pic>
       <p:pic>
         <p:nvPicPr>
-          <p:cNvPr id="41" name="圖片 40" descr="一張含有 螢幕擷取畫面, 對稱, 鮮豔 的圖片&#10;&#10;自動產生的描述">
+          <p:cNvPr id="5" name="Google Shape;279;p14">
             <a:extLst>
               <a:ext uri="{FF2B5EF4-FFF2-40B4-BE49-F238E27FC236}">
-                <a16:creationId xmlns:a16="http://schemas.microsoft.com/office/drawing/2014/main" id="{03B7D30D-0721-D2EA-B487-1A2DF8A331EE}"/>
+                <a16:creationId xmlns:a16="http://schemas.microsoft.com/office/drawing/2014/main" id="{EB73A066-B8D1-9F82-69C3-7BC1B91171AD}"/>
               </a:ext>
             </a:extLst>
           </p:cNvPr>
-          <p:cNvPicPr>
-            <a:picLocks noChangeAspect="1"/>
-          </p:cNvPicPr>
+          <p:cNvPicPr preferRelativeResize="0"/>
           <p:nvPr/>
         </p:nvPicPr>
         <p:blipFill>
-          <a:blip r:embed="rId10"/>
+          <a:blip r:embed="rId10">
+            <a:alphaModFix/>
+          </a:blip>
           <a:stretch>
             <a:fillRect/>
           </a:stretch>
         </p:blipFill>
         <p:spPr>
           <a:xfrm>
-            <a:off x="8082606" y="4322033"/>
-            <a:ext cx="552450" cy="819150"/>
+            <a:off x="8745857" y="559432"/>
+            <a:ext cx="238125" cy="533400"/>
           </a:xfrm>
           <a:prstGeom prst="rect">
             <a:avLst/>
           </a:prstGeom>
+          <a:noFill/>
+          <a:ln>
+            <a:noFill/>
+          </a:ln>
+        </p:spPr>
+      </p:pic>
+      <p:sp>
+        <p:nvSpPr>
+          <p:cNvPr id="11" name="Google Shape;267;p14">
+            <a:extLst>
+              <a:ext uri="{FF2B5EF4-FFF2-40B4-BE49-F238E27FC236}">
+                <a16:creationId xmlns:a16="http://schemas.microsoft.com/office/drawing/2014/main" id="{1935F6E0-3E7A-8F73-FF64-E2A0EA0BD8BA}"/>
+              </a:ext>
+            </a:extLst>
+          </p:cNvPr>
+          <p:cNvSpPr txBox="1">
+            <a:spLocks/>
+          </p:cNvSpPr>
+          <p:nvPr/>
+        </p:nvSpPr>
+        <p:spPr>
+          <a:xfrm>
+            <a:off x="565953" y="453525"/>
+            <a:ext cx="1252743" cy="665374"/>
+          </a:xfrm>
+          <a:prstGeom prst="rect">
+            <a:avLst/>
+          </a:prstGeom>
+          <a:noFill/>
+          <a:ln>
+            <a:noFill/>
+          </a:ln>
+        </p:spPr>
+        <p:txBody>
+          <a:bodyPr spcFirstLastPara="1" wrap="square" lIns="91425" tIns="91425" rIns="91425" bIns="91425" anchor="t" anchorCtr="0">
+            <a:normAutofit/>
+          </a:bodyPr>
+          <a:lstStyle>
+            <a:defPPr marR="0" lvl="0" algn="l" rtl="0">
+              <a:lnSpc>
+                <a:spcPct val="100000"/>
+              </a:lnSpc>
+              <a:spcBef>
+                <a:spcPts val="0"/>
+              </a:spcBef>
+              <a:spcAft>
+                <a:spcPts val="0"/>
+              </a:spcAft>
+            </a:defPPr>
+            <a:lvl1pPr marR="0" lvl="0" algn="l" rtl="0">
+              <a:lnSpc>
+                <a:spcPct val="100000"/>
+              </a:lnSpc>
+              <a:spcBef>
+                <a:spcPts val="0"/>
+              </a:spcBef>
+              <a:spcAft>
+                <a:spcPts val="0"/>
+              </a:spcAft>
+              <a:buClr>
+                <a:schemeClr val="dk1"/>
+              </a:buClr>
+              <a:buSzPts val="2800"/>
+              <a:buFont typeface="Arial"/>
+              <a:buNone/>
+              <a:defRPr sz="2800" b="0" i="0" u="none" strike="noStrike" cap="none">
+                <a:solidFill>
+                  <a:schemeClr val="dk1"/>
+                </a:solidFill>
+                <a:latin typeface="Arial"/>
+                <a:ea typeface="Arial"/>
+                <a:cs typeface="Arial"/>
+                <a:sym typeface="Arial"/>
+              </a:defRPr>
+            </a:lvl1pPr>
+            <a:lvl2pPr marR="0" lvl="1" algn="l" rtl="0">
+              <a:lnSpc>
+                <a:spcPct val="100000"/>
+              </a:lnSpc>
+              <a:spcBef>
+                <a:spcPts val="0"/>
+              </a:spcBef>
+              <a:spcAft>
+                <a:spcPts val="0"/>
+              </a:spcAft>
+              <a:buClr>
+                <a:schemeClr val="dk1"/>
+              </a:buClr>
+              <a:buSzPts val="2800"/>
+              <a:buFont typeface="Arial"/>
+              <a:buNone/>
+              <a:defRPr sz="2800" b="0" i="0" u="none" strike="noStrike" cap="none">
+                <a:solidFill>
+                  <a:schemeClr val="dk1"/>
+                </a:solidFill>
+                <a:latin typeface="Arial"/>
+                <a:ea typeface="Arial"/>
+                <a:cs typeface="Arial"/>
+                <a:sym typeface="Arial"/>
+              </a:defRPr>
+            </a:lvl2pPr>
+            <a:lvl3pPr marR="0" lvl="2" algn="l" rtl="0">
+              <a:lnSpc>
+                <a:spcPct val="100000"/>
+              </a:lnSpc>
+              <a:spcBef>
+                <a:spcPts val="0"/>
+              </a:spcBef>
+              <a:spcAft>
+                <a:spcPts val="0"/>
+              </a:spcAft>
+              <a:buClr>
+                <a:schemeClr val="dk1"/>
+              </a:buClr>
+              <a:buSzPts val="2800"/>
+              <a:buFont typeface="Arial"/>
+              <a:buNone/>
+              <a:defRPr sz="2800" b="0" i="0" u="none" strike="noStrike" cap="none">
+                <a:solidFill>
+                  <a:schemeClr val="dk1"/>
+                </a:solidFill>
+                <a:latin typeface="Arial"/>
+                <a:ea typeface="Arial"/>
+                <a:cs typeface="Arial"/>
+                <a:sym typeface="Arial"/>
+              </a:defRPr>
+            </a:lvl3pPr>
+            <a:lvl4pPr marR="0" lvl="3" algn="l" rtl="0">
+              <a:lnSpc>
+                <a:spcPct val="100000"/>
+              </a:lnSpc>
+              <a:spcBef>
+                <a:spcPts val="0"/>
+              </a:spcBef>
+              <a:spcAft>
+                <a:spcPts val="0"/>
+              </a:spcAft>
+              <a:buClr>
+                <a:schemeClr val="dk1"/>
+              </a:buClr>
+              <a:buSzPts val="2800"/>
+              <a:buFont typeface="Arial"/>
+              <a:buNone/>
+              <a:defRPr sz="2800" b="0" i="0" u="none" strike="noStrike" cap="none">
+                <a:solidFill>
+                  <a:schemeClr val="dk1"/>
+                </a:solidFill>
+                <a:latin typeface="Arial"/>
+                <a:ea typeface="Arial"/>
+                <a:cs typeface="Arial"/>
+                <a:sym typeface="Arial"/>
+              </a:defRPr>
+            </a:lvl4pPr>
+            <a:lvl5pPr marR="0" lvl="4" algn="l" rtl="0">
+              <a:lnSpc>
+                <a:spcPct val="100000"/>
+              </a:lnSpc>
+              <a:spcBef>
+                <a:spcPts val="0"/>
+              </a:spcBef>
+              <a:spcAft>
+                <a:spcPts val="0"/>
+              </a:spcAft>
+              <a:buClr>
+                <a:schemeClr val="dk1"/>
+              </a:buClr>
+              <a:buSzPts val="2800"/>
+              <a:buFont typeface="Arial"/>
+              <a:buNone/>
+              <a:defRPr sz="2800" b="0" i="0" u="none" strike="noStrike" cap="none">
+                <a:solidFill>
+                  <a:schemeClr val="dk1"/>
+                </a:solidFill>
+                <a:latin typeface="Arial"/>
+                <a:ea typeface="Arial"/>
+                <a:cs typeface="Arial"/>
+                <a:sym typeface="Arial"/>
+              </a:defRPr>
+            </a:lvl5pPr>
+            <a:lvl6pPr marR="0" lvl="5" algn="l" rtl="0">
+              <a:lnSpc>
+                <a:spcPct val="100000"/>
+              </a:lnSpc>
+              <a:spcBef>
+                <a:spcPts val="0"/>
+              </a:spcBef>
+              <a:spcAft>
+                <a:spcPts val="0"/>
+              </a:spcAft>
+              <a:buClr>
+                <a:schemeClr val="dk1"/>
+              </a:buClr>
+              <a:buSzPts val="2800"/>
+              <a:buFont typeface="Arial"/>
+              <a:buNone/>
+              <a:defRPr sz="2800" b="0" i="0" u="none" strike="noStrike" cap="none">
+                <a:solidFill>
+                  <a:schemeClr val="dk1"/>
+                </a:solidFill>
+                <a:latin typeface="Arial"/>
+                <a:ea typeface="Arial"/>
+                <a:cs typeface="Arial"/>
+                <a:sym typeface="Arial"/>
+              </a:defRPr>
+            </a:lvl6pPr>
+            <a:lvl7pPr marR="0" lvl="6" algn="l" rtl="0">
+              <a:lnSpc>
+                <a:spcPct val="100000"/>
+              </a:lnSpc>
+              <a:spcBef>
+                <a:spcPts val="0"/>
+              </a:spcBef>
+              <a:spcAft>
+                <a:spcPts val="0"/>
+              </a:spcAft>
+              <a:buClr>
+                <a:schemeClr val="dk1"/>
+              </a:buClr>
+              <a:buSzPts val="2800"/>
+              <a:buFont typeface="Arial"/>
+              <a:buNone/>
+              <a:defRPr sz="2800" b="0" i="0" u="none" strike="noStrike" cap="none">
+                <a:solidFill>
+                  <a:schemeClr val="dk1"/>
+                </a:solidFill>
+                <a:latin typeface="Arial"/>
+                <a:ea typeface="Arial"/>
+                <a:cs typeface="Arial"/>
+                <a:sym typeface="Arial"/>
+              </a:defRPr>
+            </a:lvl7pPr>
+            <a:lvl8pPr marR="0" lvl="7" algn="l" rtl="0">
+              <a:lnSpc>
+                <a:spcPct val="100000"/>
+              </a:lnSpc>
+              <a:spcBef>
+                <a:spcPts val="0"/>
+              </a:spcBef>
+              <a:spcAft>
+                <a:spcPts val="0"/>
+              </a:spcAft>
+              <a:buClr>
+                <a:schemeClr val="dk1"/>
+              </a:buClr>
+              <a:buSzPts val="2800"/>
+              <a:buFont typeface="Arial"/>
+              <a:buNone/>
+              <a:defRPr sz="2800" b="0" i="0" u="none" strike="noStrike" cap="none">
+                <a:solidFill>
+                  <a:schemeClr val="dk1"/>
+                </a:solidFill>
+                <a:latin typeface="Arial"/>
+                <a:ea typeface="Arial"/>
+                <a:cs typeface="Arial"/>
+                <a:sym typeface="Arial"/>
+              </a:defRPr>
+            </a:lvl8pPr>
+            <a:lvl9pPr marR="0" lvl="8" algn="l" rtl="0">
+              <a:lnSpc>
+                <a:spcPct val="100000"/>
+              </a:lnSpc>
+              <a:spcBef>
+                <a:spcPts val="0"/>
+              </a:spcBef>
+              <a:spcAft>
+                <a:spcPts val="0"/>
+              </a:spcAft>
+              <a:buClr>
+                <a:schemeClr val="dk1"/>
+              </a:buClr>
+              <a:buSzPts val="2800"/>
+              <a:buFont typeface="Arial"/>
+              <a:buNone/>
+              <a:defRPr sz="2800" b="0" i="0" u="none" strike="noStrike" cap="none">
+                <a:solidFill>
+                  <a:schemeClr val="dk1"/>
+                </a:solidFill>
+                <a:latin typeface="Arial"/>
+                <a:ea typeface="Arial"/>
+                <a:cs typeface="Arial"/>
+                <a:sym typeface="Arial"/>
+              </a:defRPr>
+            </a:lvl9pPr>
+          </a:lstStyle>
+          <a:p>
+            <a:r>
+              <a:rPr lang="zh-TW" altLang="en-US" b="1"/>
+              <a:t>目錄</a:t>
+            </a:r>
+          </a:p>
+        </p:txBody>
+      </p:sp>
+      <p:pic>
+        <p:nvPicPr>
+          <p:cNvPr id="14" name="Google Shape;279;p14">
+            <a:extLst>
+              <a:ext uri="{FF2B5EF4-FFF2-40B4-BE49-F238E27FC236}">
+                <a16:creationId xmlns:a16="http://schemas.microsoft.com/office/drawing/2014/main" id="{290028B2-56B9-2A12-BB80-C56D8118A48D}"/>
+              </a:ext>
+            </a:extLst>
+          </p:cNvPr>
+          <p:cNvPicPr preferRelativeResize="0"/>
+          <p:nvPr/>
+        </p:nvPicPr>
+        <p:blipFill>
+          <a:blip r:embed="rId10">
+            <a:alphaModFix/>
+          </a:blip>
+          <a:stretch>
+            <a:fillRect/>
+          </a:stretch>
+        </p:blipFill>
+        <p:spPr>
+          <a:xfrm>
+            <a:off x="338114" y="420419"/>
+            <a:ext cx="238125" cy="533400"/>
+          </a:xfrm>
+          <a:prstGeom prst="rect">
+            <a:avLst/>
+          </a:prstGeom>
+          <a:noFill/>
+          <a:ln>
+            <a:noFill/>
+          </a:ln>
         </p:spPr>
       </p:pic>
     </p:spTree>
@@ -15785,7 +17433,7 @@
         <p:spPr>
           <a:xfrm>
             <a:off x="3829207" y="630506"/>
-            <a:ext cx="2136276" cy="598442"/>
+            <a:ext cx="2476086" cy="850725"/>
           </a:xfrm>
           <a:prstGeom prst="rect">
             <a:avLst/>
@@ -15793,7 +17441,7 @@
         </p:spPr>
         <p:txBody>
           <a:bodyPr spcFirstLastPara="1" wrap="square" lIns="91425" tIns="91425" rIns="91425" bIns="91425" anchor="t" anchorCtr="0">
-            <a:normAutofit fontScale="90000"/>
+            <a:normAutofit/>
           </a:bodyPr>
           <a:lstStyle/>
           <a:p>
@@ -15807,10 +17455,22 @@
               <a:buNone/>
             </a:pPr>
             <a:r>
-              <a:rPr lang="zh-TW" b="1"/>
+              <a:rPr lang="zh-TW" b="1">
+                <a:solidFill>
+                  <a:schemeClr val="accent1">
+                    <a:lumMod val="50000"/>
+                  </a:schemeClr>
+                </a:solidFill>
+              </a:rPr>
               <a:t>開發環境</a:t>
             </a:r>
-            <a:endParaRPr b="1"/>
+            <a:endParaRPr b="1">
+              <a:solidFill>
+                <a:schemeClr val="accent1">
+                  <a:lumMod val="50000"/>
+                </a:schemeClr>
+              </a:solidFill>
+            </a:endParaRPr>
           </a:p>
         </p:txBody>
       </p:sp>
@@ -15831,7 +17491,7 @@
         <p:spPr>
           <a:xfrm>
             <a:off x="3988816" y="3167705"/>
-            <a:ext cx="1452950" cy="1210800"/>
+            <a:ext cx="1555922" cy="1329218"/>
           </a:xfrm>
           <a:prstGeom prst="rect">
             <a:avLst/>
@@ -15939,7 +17599,7 @@
         </p:blipFill>
         <p:spPr>
           <a:xfrm>
-            <a:off x="3560162" y="753763"/>
+            <a:off x="3477783" y="825844"/>
             <a:ext cx="262839" cy="253314"/>
           </a:xfrm>
           <a:prstGeom prst="rect">
@@ -17535,6 +19195,326 @@
           </a:prstGeom>
         </p:spPr>
       </p:pic>
+      <p:sp>
+        <p:nvSpPr>
+          <p:cNvPr id="9" name="Google Shape;267;p14">
+            <a:extLst>
+              <a:ext uri="{FF2B5EF4-FFF2-40B4-BE49-F238E27FC236}">
+                <a16:creationId xmlns:a16="http://schemas.microsoft.com/office/drawing/2014/main" id="{2FAA543E-3C2F-DF26-7566-9B8F50265B2D}"/>
+              </a:ext>
+            </a:extLst>
+          </p:cNvPr>
+          <p:cNvSpPr txBox="1">
+            <a:spLocks/>
+          </p:cNvSpPr>
+          <p:nvPr/>
+        </p:nvSpPr>
+        <p:spPr>
+          <a:xfrm>
+            <a:off x="565953" y="453525"/>
+            <a:ext cx="1252743" cy="665374"/>
+          </a:xfrm>
+          <a:prstGeom prst="rect">
+            <a:avLst/>
+          </a:prstGeom>
+          <a:noFill/>
+          <a:ln>
+            <a:noFill/>
+          </a:ln>
+        </p:spPr>
+        <p:txBody>
+          <a:bodyPr spcFirstLastPara="1" wrap="square" lIns="91425" tIns="91425" rIns="91425" bIns="91425" anchor="t" anchorCtr="0">
+            <a:normAutofit/>
+          </a:bodyPr>
+          <a:lstStyle>
+            <a:defPPr marR="0" lvl="0" algn="l" rtl="0">
+              <a:lnSpc>
+                <a:spcPct val="100000"/>
+              </a:lnSpc>
+              <a:spcBef>
+                <a:spcPts val="0"/>
+              </a:spcBef>
+              <a:spcAft>
+                <a:spcPts val="0"/>
+              </a:spcAft>
+            </a:defPPr>
+            <a:lvl1pPr marR="0" lvl="0" algn="l" rtl="0">
+              <a:lnSpc>
+                <a:spcPct val="100000"/>
+              </a:lnSpc>
+              <a:spcBef>
+                <a:spcPts val="0"/>
+              </a:spcBef>
+              <a:spcAft>
+                <a:spcPts val="0"/>
+              </a:spcAft>
+              <a:buClr>
+                <a:schemeClr val="dk1"/>
+              </a:buClr>
+              <a:buSzPts val="2800"/>
+              <a:buFont typeface="Arial"/>
+              <a:buNone/>
+              <a:defRPr sz="2800" b="0" i="0" u="none" strike="noStrike" cap="none">
+                <a:solidFill>
+                  <a:schemeClr val="dk1"/>
+                </a:solidFill>
+                <a:latin typeface="Arial"/>
+                <a:ea typeface="Arial"/>
+                <a:cs typeface="Arial"/>
+                <a:sym typeface="Arial"/>
+              </a:defRPr>
+            </a:lvl1pPr>
+            <a:lvl2pPr marR="0" lvl="1" algn="l" rtl="0">
+              <a:lnSpc>
+                <a:spcPct val="100000"/>
+              </a:lnSpc>
+              <a:spcBef>
+                <a:spcPts val="0"/>
+              </a:spcBef>
+              <a:spcAft>
+                <a:spcPts val="0"/>
+              </a:spcAft>
+              <a:buClr>
+                <a:schemeClr val="dk1"/>
+              </a:buClr>
+              <a:buSzPts val="2800"/>
+              <a:buFont typeface="Arial"/>
+              <a:buNone/>
+              <a:defRPr sz="2800" b="0" i="0" u="none" strike="noStrike" cap="none">
+                <a:solidFill>
+                  <a:schemeClr val="dk1"/>
+                </a:solidFill>
+                <a:latin typeface="Arial"/>
+                <a:ea typeface="Arial"/>
+                <a:cs typeface="Arial"/>
+                <a:sym typeface="Arial"/>
+              </a:defRPr>
+            </a:lvl2pPr>
+            <a:lvl3pPr marR="0" lvl="2" algn="l" rtl="0">
+              <a:lnSpc>
+                <a:spcPct val="100000"/>
+              </a:lnSpc>
+              <a:spcBef>
+                <a:spcPts val="0"/>
+              </a:spcBef>
+              <a:spcAft>
+                <a:spcPts val="0"/>
+              </a:spcAft>
+              <a:buClr>
+                <a:schemeClr val="dk1"/>
+              </a:buClr>
+              <a:buSzPts val="2800"/>
+              <a:buFont typeface="Arial"/>
+              <a:buNone/>
+              <a:defRPr sz="2800" b="0" i="0" u="none" strike="noStrike" cap="none">
+                <a:solidFill>
+                  <a:schemeClr val="dk1"/>
+                </a:solidFill>
+                <a:latin typeface="Arial"/>
+                <a:ea typeface="Arial"/>
+                <a:cs typeface="Arial"/>
+                <a:sym typeface="Arial"/>
+              </a:defRPr>
+            </a:lvl3pPr>
+            <a:lvl4pPr marR="0" lvl="3" algn="l" rtl="0">
+              <a:lnSpc>
+                <a:spcPct val="100000"/>
+              </a:lnSpc>
+              <a:spcBef>
+                <a:spcPts val="0"/>
+              </a:spcBef>
+              <a:spcAft>
+                <a:spcPts val="0"/>
+              </a:spcAft>
+              <a:buClr>
+                <a:schemeClr val="dk1"/>
+              </a:buClr>
+              <a:buSzPts val="2800"/>
+              <a:buFont typeface="Arial"/>
+              <a:buNone/>
+              <a:defRPr sz="2800" b="0" i="0" u="none" strike="noStrike" cap="none">
+                <a:solidFill>
+                  <a:schemeClr val="dk1"/>
+                </a:solidFill>
+                <a:latin typeface="Arial"/>
+                <a:ea typeface="Arial"/>
+                <a:cs typeface="Arial"/>
+                <a:sym typeface="Arial"/>
+              </a:defRPr>
+            </a:lvl4pPr>
+            <a:lvl5pPr marR="0" lvl="4" algn="l" rtl="0">
+              <a:lnSpc>
+                <a:spcPct val="100000"/>
+              </a:lnSpc>
+              <a:spcBef>
+                <a:spcPts val="0"/>
+              </a:spcBef>
+              <a:spcAft>
+                <a:spcPts val="0"/>
+              </a:spcAft>
+              <a:buClr>
+                <a:schemeClr val="dk1"/>
+              </a:buClr>
+              <a:buSzPts val="2800"/>
+              <a:buFont typeface="Arial"/>
+              <a:buNone/>
+              <a:defRPr sz="2800" b="0" i="0" u="none" strike="noStrike" cap="none">
+                <a:solidFill>
+                  <a:schemeClr val="dk1"/>
+                </a:solidFill>
+                <a:latin typeface="Arial"/>
+                <a:ea typeface="Arial"/>
+                <a:cs typeface="Arial"/>
+                <a:sym typeface="Arial"/>
+              </a:defRPr>
+            </a:lvl5pPr>
+            <a:lvl6pPr marR="0" lvl="5" algn="l" rtl="0">
+              <a:lnSpc>
+                <a:spcPct val="100000"/>
+              </a:lnSpc>
+              <a:spcBef>
+                <a:spcPts val="0"/>
+              </a:spcBef>
+              <a:spcAft>
+                <a:spcPts val="0"/>
+              </a:spcAft>
+              <a:buClr>
+                <a:schemeClr val="dk1"/>
+              </a:buClr>
+              <a:buSzPts val="2800"/>
+              <a:buFont typeface="Arial"/>
+              <a:buNone/>
+              <a:defRPr sz="2800" b="0" i="0" u="none" strike="noStrike" cap="none">
+                <a:solidFill>
+                  <a:schemeClr val="dk1"/>
+                </a:solidFill>
+                <a:latin typeface="Arial"/>
+                <a:ea typeface="Arial"/>
+                <a:cs typeface="Arial"/>
+                <a:sym typeface="Arial"/>
+              </a:defRPr>
+            </a:lvl6pPr>
+            <a:lvl7pPr marR="0" lvl="6" algn="l" rtl="0">
+              <a:lnSpc>
+                <a:spcPct val="100000"/>
+              </a:lnSpc>
+              <a:spcBef>
+                <a:spcPts val="0"/>
+              </a:spcBef>
+              <a:spcAft>
+                <a:spcPts val="0"/>
+              </a:spcAft>
+              <a:buClr>
+                <a:schemeClr val="dk1"/>
+              </a:buClr>
+              <a:buSzPts val="2800"/>
+              <a:buFont typeface="Arial"/>
+              <a:buNone/>
+              <a:defRPr sz="2800" b="0" i="0" u="none" strike="noStrike" cap="none">
+                <a:solidFill>
+                  <a:schemeClr val="dk1"/>
+                </a:solidFill>
+                <a:latin typeface="Arial"/>
+                <a:ea typeface="Arial"/>
+                <a:cs typeface="Arial"/>
+                <a:sym typeface="Arial"/>
+              </a:defRPr>
+            </a:lvl7pPr>
+            <a:lvl8pPr marR="0" lvl="7" algn="l" rtl="0">
+              <a:lnSpc>
+                <a:spcPct val="100000"/>
+              </a:lnSpc>
+              <a:spcBef>
+                <a:spcPts val="0"/>
+              </a:spcBef>
+              <a:spcAft>
+                <a:spcPts val="0"/>
+              </a:spcAft>
+              <a:buClr>
+                <a:schemeClr val="dk1"/>
+              </a:buClr>
+              <a:buSzPts val="2800"/>
+              <a:buFont typeface="Arial"/>
+              <a:buNone/>
+              <a:defRPr sz="2800" b="0" i="0" u="none" strike="noStrike" cap="none">
+                <a:solidFill>
+                  <a:schemeClr val="dk1"/>
+                </a:solidFill>
+                <a:latin typeface="Arial"/>
+                <a:ea typeface="Arial"/>
+                <a:cs typeface="Arial"/>
+                <a:sym typeface="Arial"/>
+              </a:defRPr>
+            </a:lvl8pPr>
+            <a:lvl9pPr marR="0" lvl="8" algn="l" rtl="0">
+              <a:lnSpc>
+                <a:spcPct val="100000"/>
+              </a:lnSpc>
+              <a:spcBef>
+                <a:spcPts val="0"/>
+              </a:spcBef>
+              <a:spcAft>
+                <a:spcPts val="0"/>
+              </a:spcAft>
+              <a:buClr>
+                <a:schemeClr val="dk1"/>
+              </a:buClr>
+              <a:buSzPts val="2800"/>
+              <a:buFont typeface="Arial"/>
+              <a:buNone/>
+              <a:defRPr sz="2800" b="0" i="0" u="none" strike="noStrike" cap="none">
+                <a:solidFill>
+                  <a:schemeClr val="dk1"/>
+                </a:solidFill>
+                <a:latin typeface="Arial"/>
+                <a:ea typeface="Arial"/>
+                <a:cs typeface="Arial"/>
+                <a:sym typeface="Arial"/>
+              </a:defRPr>
+            </a:lvl9pPr>
+          </a:lstStyle>
+          <a:p>
+            <a:r>
+              <a:rPr lang="zh-TW" altLang="en-US" b="1"/>
+              <a:t>目錄</a:t>
+            </a:r>
+          </a:p>
+        </p:txBody>
+      </p:sp>
+      <p:pic>
+        <p:nvPicPr>
+          <p:cNvPr id="11" name="Google Shape;279;p14">
+            <a:extLst>
+              <a:ext uri="{FF2B5EF4-FFF2-40B4-BE49-F238E27FC236}">
+                <a16:creationId xmlns:a16="http://schemas.microsoft.com/office/drawing/2014/main" id="{3189DA35-EE32-6E29-12DE-71231FF6A0BF}"/>
+              </a:ext>
+            </a:extLst>
+          </p:cNvPr>
+          <p:cNvPicPr preferRelativeResize="0"/>
+          <p:nvPr/>
+        </p:nvPicPr>
+        <p:blipFill>
+          <a:blip r:embed="rId8">
+            <a:alphaModFix/>
+          </a:blip>
+          <a:stretch>
+            <a:fillRect/>
+          </a:stretch>
+        </p:blipFill>
+        <p:spPr>
+          <a:xfrm>
+            <a:off x="338114" y="420419"/>
+            <a:ext cx="238125" cy="533400"/>
+          </a:xfrm>
+          <a:prstGeom prst="rect">
+            <a:avLst/>
+          </a:prstGeom>
+          <a:noFill/>
+          <a:ln>
+            <a:noFill/>
+          </a:ln>
+        </p:spPr>
+      </p:pic>
     </p:spTree>
   </p:cSld>
   <p:clrMapOvr>
@@ -17605,24 +19585,37 @@
           </a:bodyPr>
           <a:lstStyle/>
           <a:p>
-            <a:pPr marL="0" lvl="0" indent="0" algn="l" rtl="0">
-              <a:spcBef>
-                <a:spcPts val="0"/>
-              </a:spcBef>
-              <a:spcAft>
-                <a:spcPts val="0"/>
-              </a:spcAft>
-              <a:buNone/>
-            </a:pPr>
             <a:r>
-              <a:rPr lang="zh-TW"/>
-              <a:t>  </a:t>
+              <a:rPr lang="zh-TW" altLang="en-US" dirty="0"/>
+              <a:t> </a:t>
             </a:r>
             <a:r>
-              <a:rPr lang="zh-TW" b="1"/>
+              <a:rPr lang="zh-TW">
+                <a:solidFill>
+                  <a:schemeClr val="accent1">
+                    <a:lumMod val="50000"/>
+                  </a:schemeClr>
+                </a:solidFill>
+              </a:rPr>
+              <a:t> </a:t>
+            </a:r>
+            <a:r>
+              <a:rPr lang="zh-TW" b="1">
+                <a:solidFill>
+                  <a:schemeClr val="accent1">
+                    <a:lumMod val="50000"/>
+                  </a:schemeClr>
+                </a:solidFill>
+              </a:rPr>
               <a:t>使用工具</a:t>
             </a:r>
-            <a:endParaRPr b="1"/>
+            <a:endParaRPr b="1">
+              <a:solidFill>
+                <a:schemeClr val="accent1">
+                  <a:lumMod val="50000"/>
+                </a:schemeClr>
+              </a:solidFill>
+            </a:endParaRPr>
           </a:p>
         </p:txBody>
       </p:sp>
@@ -19333,6 +21326,326 @@
           </a:prstGeom>
         </p:spPr>
       </p:pic>
+      <p:sp>
+        <p:nvSpPr>
+          <p:cNvPr id="5" name="Google Shape;267;p14">
+            <a:extLst>
+              <a:ext uri="{FF2B5EF4-FFF2-40B4-BE49-F238E27FC236}">
+                <a16:creationId xmlns:a16="http://schemas.microsoft.com/office/drawing/2014/main" id="{FBDDB75F-D7C8-ACCC-99C7-4AA116D49835}"/>
+              </a:ext>
+            </a:extLst>
+          </p:cNvPr>
+          <p:cNvSpPr txBox="1">
+            <a:spLocks/>
+          </p:cNvSpPr>
+          <p:nvPr/>
+        </p:nvSpPr>
+        <p:spPr>
+          <a:xfrm>
+            <a:off x="565953" y="453525"/>
+            <a:ext cx="1252743" cy="665374"/>
+          </a:xfrm>
+          <a:prstGeom prst="rect">
+            <a:avLst/>
+          </a:prstGeom>
+          <a:noFill/>
+          <a:ln>
+            <a:noFill/>
+          </a:ln>
+        </p:spPr>
+        <p:txBody>
+          <a:bodyPr spcFirstLastPara="1" wrap="square" lIns="91425" tIns="91425" rIns="91425" bIns="91425" anchor="t" anchorCtr="0">
+            <a:normAutofit/>
+          </a:bodyPr>
+          <a:lstStyle>
+            <a:defPPr marR="0" lvl="0" algn="l" rtl="0">
+              <a:lnSpc>
+                <a:spcPct val="100000"/>
+              </a:lnSpc>
+              <a:spcBef>
+                <a:spcPts val="0"/>
+              </a:spcBef>
+              <a:spcAft>
+                <a:spcPts val="0"/>
+              </a:spcAft>
+            </a:defPPr>
+            <a:lvl1pPr marR="0" lvl="0" algn="l" rtl="0">
+              <a:lnSpc>
+                <a:spcPct val="100000"/>
+              </a:lnSpc>
+              <a:spcBef>
+                <a:spcPts val="0"/>
+              </a:spcBef>
+              <a:spcAft>
+                <a:spcPts val="0"/>
+              </a:spcAft>
+              <a:buClr>
+                <a:schemeClr val="dk1"/>
+              </a:buClr>
+              <a:buSzPts val="2800"/>
+              <a:buFont typeface="Arial"/>
+              <a:buNone/>
+              <a:defRPr sz="2800" b="0" i="0" u="none" strike="noStrike" cap="none">
+                <a:solidFill>
+                  <a:schemeClr val="dk1"/>
+                </a:solidFill>
+                <a:latin typeface="Arial"/>
+                <a:ea typeface="Arial"/>
+                <a:cs typeface="Arial"/>
+                <a:sym typeface="Arial"/>
+              </a:defRPr>
+            </a:lvl1pPr>
+            <a:lvl2pPr marR="0" lvl="1" algn="l" rtl="0">
+              <a:lnSpc>
+                <a:spcPct val="100000"/>
+              </a:lnSpc>
+              <a:spcBef>
+                <a:spcPts val="0"/>
+              </a:spcBef>
+              <a:spcAft>
+                <a:spcPts val="0"/>
+              </a:spcAft>
+              <a:buClr>
+                <a:schemeClr val="dk1"/>
+              </a:buClr>
+              <a:buSzPts val="2800"/>
+              <a:buFont typeface="Arial"/>
+              <a:buNone/>
+              <a:defRPr sz="2800" b="0" i="0" u="none" strike="noStrike" cap="none">
+                <a:solidFill>
+                  <a:schemeClr val="dk1"/>
+                </a:solidFill>
+                <a:latin typeface="Arial"/>
+                <a:ea typeface="Arial"/>
+                <a:cs typeface="Arial"/>
+                <a:sym typeface="Arial"/>
+              </a:defRPr>
+            </a:lvl2pPr>
+            <a:lvl3pPr marR="0" lvl="2" algn="l" rtl="0">
+              <a:lnSpc>
+                <a:spcPct val="100000"/>
+              </a:lnSpc>
+              <a:spcBef>
+                <a:spcPts val="0"/>
+              </a:spcBef>
+              <a:spcAft>
+                <a:spcPts val="0"/>
+              </a:spcAft>
+              <a:buClr>
+                <a:schemeClr val="dk1"/>
+              </a:buClr>
+              <a:buSzPts val="2800"/>
+              <a:buFont typeface="Arial"/>
+              <a:buNone/>
+              <a:defRPr sz="2800" b="0" i="0" u="none" strike="noStrike" cap="none">
+                <a:solidFill>
+                  <a:schemeClr val="dk1"/>
+                </a:solidFill>
+                <a:latin typeface="Arial"/>
+                <a:ea typeface="Arial"/>
+                <a:cs typeface="Arial"/>
+                <a:sym typeface="Arial"/>
+              </a:defRPr>
+            </a:lvl3pPr>
+            <a:lvl4pPr marR="0" lvl="3" algn="l" rtl="0">
+              <a:lnSpc>
+                <a:spcPct val="100000"/>
+              </a:lnSpc>
+              <a:spcBef>
+                <a:spcPts val="0"/>
+              </a:spcBef>
+              <a:spcAft>
+                <a:spcPts val="0"/>
+              </a:spcAft>
+              <a:buClr>
+                <a:schemeClr val="dk1"/>
+              </a:buClr>
+              <a:buSzPts val="2800"/>
+              <a:buFont typeface="Arial"/>
+              <a:buNone/>
+              <a:defRPr sz="2800" b="0" i="0" u="none" strike="noStrike" cap="none">
+                <a:solidFill>
+                  <a:schemeClr val="dk1"/>
+                </a:solidFill>
+                <a:latin typeface="Arial"/>
+                <a:ea typeface="Arial"/>
+                <a:cs typeface="Arial"/>
+                <a:sym typeface="Arial"/>
+              </a:defRPr>
+            </a:lvl4pPr>
+            <a:lvl5pPr marR="0" lvl="4" algn="l" rtl="0">
+              <a:lnSpc>
+                <a:spcPct val="100000"/>
+              </a:lnSpc>
+              <a:spcBef>
+                <a:spcPts val="0"/>
+              </a:spcBef>
+              <a:spcAft>
+                <a:spcPts val="0"/>
+              </a:spcAft>
+              <a:buClr>
+                <a:schemeClr val="dk1"/>
+              </a:buClr>
+              <a:buSzPts val="2800"/>
+              <a:buFont typeface="Arial"/>
+              <a:buNone/>
+              <a:defRPr sz="2800" b="0" i="0" u="none" strike="noStrike" cap="none">
+                <a:solidFill>
+                  <a:schemeClr val="dk1"/>
+                </a:solidFill>
+                <a:latin typeface="Arial"/>
+                <a:ea typeface="Arial"/>
+                <a:cs typeface="Arial"/>
+                <a:sym typeface="Arial"/>
+              </a:defRPr>
+            </a:lvl5pPr>
+            <a:lvl6pPr marR="0" lvl="5" algn="l" rtl="0">
+              <a:lnSpc>
+                <a:spcPct val="100000"/>
+              </a:lnSpc>
+              <a:spcBef>
+                <a:spcPts val="0"/>
+              </a:spcBef>
+              <a:spcAft>
+                <a:spcPts val="0"/>
+              </a:spcAft>
+              <a:buClr>
+                <a:schemeClr val="dk1"/>
+              </a:buClr>
+              <a:buSzPts val="2800"/>
+              <a:buFont typeface="Arial"/>
+              <a:buNone/>
+              <a:defRPr sz="2800" b="0" i="0" u="none" strike="noStrike" cap="none">
+                <a:solidFill>
+                  <a:schemeClr val="dk1"/>
+                </a:solidFill>
+                <a:latin typeface="Arial"/>
+                <a:ea typeface="Arial"/>
+                <a:cs typeface="Arial"/>
+                <a:sym typeface="Arial"/>
+              </a:defRPr>
+            </a:lvl6pPr>
+            <a:lvl7pPr marR="0" lvl="6" algn="l" rtl="0">
+              <a:lnSpc>
+                <a:spcPct val="100000"/>
+              </a:lnSpc>
+              <a:spcBef>
+                <a:spcPts val="0"/>
+              </a:spcBef>
+              <a:spcAft>
+                <a:spcPts val="0"/>
+              </a:spcAft>
+              <a:buClr>
+                <a:schemeClr val="dk1"/>
+              </a:buClr>
+              <a:buSzPts val="2800"/>
+              <a:buFont typeface="Arial"/>
+              <a:buNone/>
+              <a:defRPr sz="2800" b="0" i="0" u="none" strike="noStrike" cap="none">
+                <a:solidFill>
+                  <a:schemeClr val="dk1"/>
+                </a:solidFill>
+                <a:latin typeface="Arial"/>
+                <a:ea typeface="Arial"/>
+                <a:cs typeface="Arial"/>
+                <a:sym typeface="Arial"/>
+              </a:defRPr>
+            </a:lvl7pPr>
+            <a:lvl8pPr marR="0" lvl="7" algn="l" rtl="0">
+              <a:lnSpc>
+                <a:spcPct val="100000"/>
+              </a:lnSpc>
+              <a:spcBef>
+                <a:spcPts val="0"/>
+              </a:spcBef>
+              <a:spcAft>
+                <a:spcPts val="0"/>
+              </a:spcAft>
+              <a:buClr>
+                <a:schemeClr val="dk1"/>
+              </a:buClr>
+              <a:buSzPts val="2800"/>
+              <a:buFont typeface="Arial"/>
+              <a:buNone/>
+              <a:defRPr sz="2800" b="0" i="0" u="none" strike="noStrike" cap="none">
+                <a:solidFill>
+                  <a:schemeClr val="dk1"/>
+                </a:solidFill>
+                <a:latin typeface="Arial"/>
+                <a:ea typeface="Arial"/>
+                <a:cs typeface="Arial"/>
+                <a:sym typeface="Arial"/>
+              </a:defRPr>
+            </a:lvl8pPr>
+            <a:lvl9pPr marR="0" lvl="8" algn="l" rtl="0">
+              <a:lnSpc>
+                <a:spcPct val="100000"/>
+              </a:lnSpc>
+              <a:spcBef>
+                <a:spcPts val="0"/>
+              </a:spcBef>
+              <a:spcAft>
+                <a:spcPts val="0"/>
+              </a:spcAft>
+              <a:buClr>
+                <a:schemeClr val="dk1"/>
+              </a:buClr>
+              <a:buSzPts val="2800"/>
+              <a:buFont typeface="Arial"/>
+              <a:buNone/>
+              <a:defRPr sz="2800" b="0" i="0" u="none" strike="noStrike" cap="none">
+                <a:solidFill>
+                  <a:schemeClr val="dk1"/>
+                </a:solidFill>
+                <a:latin typeface="Arial"/>
+                <a:ea typeface="Arial"/>
+                <a:cs typeface="Arial"/>
+                <a:sym typeface="Arial"/>
+              </a:defRPr>
+            </a:lvl9pPr>
+          </a:lstStyle>
+          <a:p>
+            <a:r>
+              <a:rPr lang="zh-TW" altLang="en-US" b="1"/>
+              <a:t>目錄</a:t>
+            </a:r>
+          </a:p>
+        </p:txBody>
+      </p:sp>
+      <p:pic>
+        <p:nvPicPr>
+          <p:cNvPr id="7" name="Google Shape;279;p14">
+            <a:extLst>
+              <a:ext uri="{FF2B5EF4-FFF2-40B4-BE49-F238E27FC236}">
+                <a16:creationId xmlns:a16="http://schemas.microsoft.com/office/drawing/2014/main" id="{A1B86012-6B21-888A-2E51-6D596EAE9D30}"/>
+              </a:ext>
+            </a:extLst>
+          </p:cNvPr>
+          <p:cNvPicPr preferRelativeResize="0"/>
+          <p:nvPr/>
+        </p:nvPicPr>
+        <p:blipFill>
+          <a:blip r:embed="rId8">
+            <a:alphaModFix/>
+          </a:blip>
+          <a:stretch>
+            <a:fillRect/>
+          </a:stretch>
+        </p:blipFill>
+        <p:spPr>
+          <a:xfrm>
+            <a:off x="338114" y="420419"/>
+            <a:ext cx="238125" cy="533400"/>
+          </a:xfrm>
+          <a:prstGeom prst="rect">
+            <a:avLst/>
+          </a:prstGeom>
+          <a:noFill/>
+          <a:ln>
+            <a:noFill/>
+          </a:ln>
+        </p:spPr>
+      </p:pic>
     </p:spTree>
   </p:cSld>
   <p:clrMapOvr>
@@ -19438,10 +21751,22 @@
               <a:t> </a:t>
             </a:r>
             <a:r>
-              <a:rPr lang="zh-TW" b="1"/>
+              <a:rPr lang="zh-TW" b="1">
+                <a:solidFill>
+                  <a:schemeClr val="accent1">
+                    <a:lumMod val="50000"/>
+                  </a:schemeClr>
+                </a:solidFill>
+              </a:rPr>
               <a:t>時程規劃</a:t>
             </a:r>
-            <a:endParaRPr b="1"/>
+            <a:endParaRPr lang="zh-TW" altLang="en-US" b="1">
+              <a:solidFill>
+                <a:schemeClr val="accent1">
+                  <a:lumMod val="50000"/>
+                </a:schemeClr>
+              </a:solidFill>
+            </a:endParaRPr>
           </a:p>
         </p:txBody>
       </p:sp>
@@ -21245,14 +23570,6 @@
               </a:rPr>
               <a:t>phaser學習</a:t>
             </a:r>
-            <a:endParaRPr lang="zh-TW" altLang="en-US" sz="1200" b="1" dirty="0">
-              <a:solidFill>
-                <a:schemeClr val="accent4">
-                  <a:lumMod val="20000"/>
-                  <a:lumOff val="80000"/>
-                </a:schemeClr>
-              </a:solidFill>
-            </a:endParaRPr>
           </a:p>
         </p:txBody>
       </p:sp>
@@ -21299,14 +23616,6 @@
               </a:rPr>
               <a:t>地圖製作</a:t>
             </a:r>
-            <a:endParaRPr lang="zh-TW" altLang="en-US" sz="1200" b="1" dirty="0">
-              <a:solidFill>
-                <a:schemeClr val="accent4">
-                  <a:lumMod val="40000"/>
-                  <a:lumOff val="60000"/>
-                </a:schemeClr>
-              </a:solidFill>
-            </a:endParaRPr>
           </a:p>
         </p:txBody>
       </p:sp>
@@ -21353,14 +23662,6 @@
               </a:rPr>
               <a:t>人物製作</a:t>
             </a:r>
-            <a:endParaRPr lang="zh-TW" altLang="en-US" sz="1200" b="1" dirty="0">
-              <a:solidFill>
-                <a:schemeClr val="accent4">
-                  <a:lumMod val="20000"/>
-                  <a:lumOff val="80000"/>
-                </a:schemeClr>
-              </a:solidFill>
-            </a:endParaRPr>
           </a:p>
         </p:txBody>
       </p:sp>
@@ -21407,14 +23708,6 @@
               </a:rPr>
               <a:t>優化程式</a:t>
             </a:r>
-            <a:endParaRPr lang="zh-TW" altLang="en-US" sz="1200" b="1" dirty="0">
-              <a:solidFill>
-                <a:schemeClr val="accent4">
-                  <a:lumMod val="40000"/>
-                  <a:lumOff val="60000"/>
-                </a:schemeClr>
-              </a:solidFill>
-            </a:endParaRPr>
           </a:p>
         </p:txBody>
       </p:sp>
@@ -21461,14 +23754,6 @@
               </a:rPr>
               <a:t>PPT製作</a:t>
             </a:r>
-            <a:endParaRPr lang="zh-TW" altLang="en-US" sz="1200" b="1" dirty="0">
-              <a:solidFill>
-                <a:schemeClr val="accent4">
-                  <a:lumMod val="40000"/>
-                  <a:lumOff val="60000"/>
-                </a:schemeClr>
-              </a:solidFill>
-            </a:endParaRPr>
           </a:p>
         </p:txBody>
       </p:sp>
@@ -21729,14 +24014,6 @@
               </a:rPr>
               <a:t>phaser學習</a:t>
             </a:r>
-            <a:endParaRPr lang="zh-TW" altLang="en-US" sz="1200" b="1" dirty="0">
-              <a:solidFill>
-                <a:schemeClr val="accent4">
-                  <a:lumMod val="20000"/>
-                  <a:lumOff val="80000"/>
-                </a:schemeClr>
-              </a:solidFill>
-            </a:endParaRPr>
           </a:p>
         </p:txBody>
       </p:sp>
@@ -21783,14 +24060,6 @@
               </a:rPr>
               <a:t>Aseprite學習</a:t>
             </a:r>
-            <a:endParaRPr lang="zh-TW" altLang="en-US" sz="1200" b="1" dirty="0">
-              <a:solidFill>
-                <a:schemeClr val="accent4">
-                  <a:lumMod val="20000"/>
-                  <a:lumOff val="80000"/>
-                </a:schemeClr>
-              </a:solidFill>
-            </a:endParaRPr>
           </a:p>
         </p:txBody>
       </p:sp>
@@ -21837,14 +24106,6 @@
               </a:rPr>
               <a:t>Tiled學習</a:t>
             </a:r>
-            <a:endParaRPr lang="zh-TW" altLang="en-US" sz="1200" b="1" dirty="0">
-              <a:solidFill>
-                <a:schemeClr val="accent4">
-                  <a:lumMod val="20000"/>
-                  <a:lumOff val="80000"/>
-                </a:schemeClr>
-              </a:solidFill>
-            </a:endParaRPr>
           </a:p>
         </p:txBody>
       </p:sp>
@@ -21891,14 +24152,6 @@
               </a:rPr>
               <a:t>地圖製作</a:t>
             </a:r>
-            <a:endParaRPr lang="zh-TW" altLang="en-US" sz="1200" b="1" dirty="0">
-              <a:solidFill>
-                <a:schemeClr val="accent4">
-                  <a:lumMod val="40000"/>
-                  <a:lumOff val="60000"/>
-                </a:schemeClr>
-              </a:solidFill>
-            </a:endParaRPr>
           </a:p>
         </p:txBody>
       </p:sp>
@@ -21945,14 +24198,6 @@
               </a:rPr>
               <a:t>人物製作</a:t>
             </a:r>
-            <a:endParaRPr lang="zh-TW" altLang="en-US" sz="1200" b="1" dirty="0">
-              <a:solidFill>
-                <a:schemeClr val="accent4">
-                  <a:lumMod val="20000"/>
-                  <a:lumOff val="80000"/>
-                </a:schemeClr>
-              </a:solidFill>
-            </a:endParaRPr>
           </a:p>
         </p:txBody>
       </p:sp>
@@ -21999,14 +24244,6 @@
               </a:rPr>
               <a:t>重構整理程式碼</a:t>
             </a:r>
-            <a:endParaRPr lang="zh-TW" altLang="en-US" sz="1200" b="1" dirty="0">
-              <a:solidFill>
-                <a:schemeClr val="accent4">
-                  <a:lumMod val="40000"/>
-                  <a:lumOff val="60000"/>
-                </a:schemeClr>
-              </a:solidFill>
-            </a:endParaRPr>
           </a:p>
         </p:txBody>
       </p:sp>
@@ -22053,14 +24290,6 @@
               </a:rPr>
               <a:t>重構整理程式碼</a:t>
             </a:r>
-            <a:endParaRPr lang="zh-TW" altLang="en-US" sz="1200" b="1" dirty="0">
-              <a:solidFill>
-                <a:schemeClr val="accent4">
-                  <a:lumMod val="20000"/>
-                  <a:lumOff val="80000"/>
-                </a:schemeClr>
-              </a:solidFill>
-            </a:endParaRPr>
           </a:p>
         </p:txBody>
       </p:sp>
@@ -22107,14 +24336,6 @@
               </a:rPr>
               <a:t>PPT製作</a:t>
             </a:r>
-            <a:endParaRPr lang="zh-TW" altLang="en-US" sz="1200" b="1" dirty="0">
-              <a:solidFill>
-                <a:schemeClr val="accent4">
-                  <a:lumMod val="40000"/>
-                  <a:lumOff val="60000"/>
-                </a:schemeClr>
-              </a:solidFill>
-            </a:endParaRPr>
           </a:p>
         </p:txBody>
       </p:sp>
@@ -22161,17 +24382,329 @@
               </a:rPr>
               <a:t>優化程式製作首頁</a:t>
             </a:r>
-            <a:endParaRPr lang="zh-TW" altLang="en-US" sz="1200" b="1" dirty="0">
-              <a:solidFill>
-                <a:schemeClr val="accent4">
-                  <a:lumMod val="40000"/>
-                  <a:lumOff val="60000"/>
-                </a:schemeClr>
-              </a:solidFill>
-            </a:endParaRPr>
           </a:p>
         </p:txBody>
       </p:sp>
+      <p:sp>
+        <p:nvSpPr>
+          <p:cNvPr id="26" name="Google Shape;267;p14">
+            <a:extLst>
+              <a:ext uri="{FF2B5EF4-FFF2-40B4-BE49-F238E27FC236}">
+                <a16:creationId xmlns:a16="http://schemas.microsoft.com/office/drawing/2014/main" id="{957029D9-EF6F-AB98-BE9F-0F91CECB7723}"/>
+              </a:ext>
+            </a:extLst>
+          </p:cNvPr>
+          <p:cNvSpPr txBox="1">
+            <a:spLocks/>
+          </p:cNvSpPr>
+          <p:nvPr/>
+        </p:nvSpPr>
+        <p:spPr>
+          <a:xfrm>
+            <a:off x="565953" y="453525"/>
+            <a:ext cx="1252743" cy="665374"/>
+          </a:xfrm>
+          <a:prstGeom prst="rect">
+            <a:avLst/>
+          </a:prstGeom>
+          <a:noFill/>
+          <a:ln>
+            <a:noFill/>
+          </a:ln>
+        </p:spPr>
+        <p:txBody>
+          <a:bodyPr spcFirstLastPara="1" wrap="square" lIns="91425" tIns="91425" rIns="91425" bIns="91425" anchor="t" anchorCtr="0">
+            <a:normAutofit/>
+          </a:bodyPr>
+          <a:lstStyle>
+            <a:defPPr marR="0" lvl="0" algn="l" rtl="0">
+              <a:lnSpc>
+                <a:spcPct val="100000"/>
+              </a:lnSpc>
+              <a:spcBef>
+                <a:spcPts val="0"/>
+              </a:spcBef>
+              <a:spcAft>
+                <a:spcPts val="0"/>
+              </a:spcAft>
+            </a:defPPr>
+            <a:lvl1pPr marR="0" lvl="0" algn="l" rtl="0">
+              <a:lnSpc>
+                <a:spcPct val="100000"/>
+              </a:lnSpc>
+              <a:spcBef>
+                <a:spcPts val="0"/>
+              </a:spcBef>
+              <a:spcAft>
+                <a:spcPts val="0"/>
+              </a:spcAft>
+              <a:buClr>
+                <a:schemeClr val="dk1"/>
+              </a:buClr>
+              <a:buSzPts val="2800"/>
+              <a:buFont typeface="Arial"/>
+              <a:buNone/>
+              <a:defRPr sz="2800" b="0" i="0" u="none" strike="noStrike" cap="none">
+                <a:solidFill>
+                  <a:schemeClr val="dk1"/>
+                </a:solidFill>
+                <a:latin typeface="Arial"/>
+                <a:ea typeface="Arial"/>
+                <a:cs typeface="Arial"/>
+                <a:sym typeface="Arial"/>
+              </a:defRPr>
+            </a:lvl1pPr>
+            <a:lvl2pPr marR="0" lvl="1" algn="l" rtl="0">
+              <a:lnSpc>
+                <a:spcPct val="100000"/>
+              </a:lnSpc>
+              <a:spcBef>
+                <a:spcPts val="0"/>
+              </a:spcBef>
+              <a:spcAft>
+                <a:spcPts val="0"/>
+              </a:spcAft>
+              <a:buClr>
+                <a:schemeClr val="dk1"/>
+              </a:buClr>
+              <a:buSzPts val="2800"/>
+              <a:buFont typeface="Arial"/>
+              <a:buNone/>
+              <a:defRPr sz="2800" b="0" i="0" u="none" strike="noStrike" cap="none">
+                <a:solidFill>
+                  <a:schemeClr val="dk1"/>
+                </a:solidFill>
+                <a:latin typeface="Arial"/>
+                <a:ea typeface="Arial"/>
+                <a:cs typeface="Arial"/>
+                <a:sym typeface="Arial"/>
+              </a:defRPr>
+            </a:lvl2pPr>
+            <a:lvl3pPr marR="0" lvl="2" algn="l" rtl="0">
+              <a:lnSpc>
+                <a:spcPct val="100000"/>
+              </a:lnSpc>
+              <a:spcBef>
+                <a:spcPts val="0"/>
+              </a:spcBef>
+              <a:spcAft>
+                <a:spcPts val="0"/>
+              </a:spcAft>
+              <a:buClr>
+                <a:schemeClr val="dk1"/>
+              </a:buClr>
+              <a:buSzPts val="2800"/>
+              <a:buFont typeface="Arial"/>
+              <a:buNone/>
+              <a:defRPr sz="2800" b="0" i="0" u="none" strike="noStrike" cap="none">
+                <a:solidFill>
+                  <a:schemeClr val="dk1"/>
+                </a:solidFill>
+                <a:latin typeface="Arial"/>
+                <a:ea typeface="Arial"/>
+                <a:cs typeface="Arial"/>
+                <a:sym typeface="Arial"/>
+              </a:defRPr>
+            </a:lvl3pPr>
+            <a:lvl4pPr marR="0" lvl="3" algn="l" rtl="0">
+              <a:lnSpc>
+                <a:spcPct val="100000"/>
+              </a:lnSpc>
+              <a:spcBef>
+                <a:spcPts val="0"/>
+              </a:spcBef>
+              <a:spcAft>
+                <a:spcPts val="0"/>
+              </a:spcAft>
+              <a:buClr>
+                <a:schemeClr val="dk1"/>
+              </a:buClr>
+              <a:buSzPts val="2800"/>
+              <a:buFont typeface="Arial"/>
+              <a:buNone/>
+              <a:defRPr sz="2800" b="0" i="0" u="none" strike="noStrike" cap="none">
+                <a:solidFill>
+                  <a:schemeClr val="dk1"/>
+                </a:solidFill>
+                <a:latin typeface="Arial"/>
+                <a:ea typeface="Arial"/>
+                <a:cs typeface="Arial"/>
+                <a:sym typeface="Arial"/>
+              </a:defRPr>
+            </a:lvl4pPr>
+            <a:lvl5pPr marR="0" lvl="4" algn="l" rtl="0">
+              <a:lnSpc>
+                <a:spcPct val="100000"/>
+              </a:lnSpc>
+              <a:spcBef>
+                <a:spcPts val="0"/>
+              </a:spcBef>
+              <a:spcAft>
+                <a:spcPts val="0"/>
+              </a:spcAft>
+              <a:buClr>
+                <a:schemeClr val="dk1"/>
+              </a:buClr>
+              <a:buSzPts val="2800"/>
+              <a:buFont typeface="Arial"/>
+              <a:buNone/>
+              <a:defRPr sz="2800" b="0" i="0" u="none" strike="noStrike" cap="none">
+                <a:solidFill>
+                  <a:schemeClr val="dk1"/>
+                </a:solidFill>
+                <a:latin typeface="Arial"/>
+                <a:ea typeface="Arial"/>
+                <a:cs typeface="Arial"/>
+                <a:sym typeface="Arial"/>
+              </a:defRPr>
+            </a:lvl5pPr>
+            <a:lvl6pPr marR="0" lvl="5" algn="l" rtl="0">
+              <a:lnSpc>
+                <a:spcPct val="100000"/>
+              </a:lnSpc>
+              <a:spcBef>
+                <a:spcPts val="0"/>
+              </a:spcBef>
+              <a:spcAft>
+                <a:spcPts val="0"/>
+              </a:spcAft>
+              <a:buClr>
+                <a:schemeClr val="dk1"/>
+              </a:buClr>
+              <a:buSzPts val="2800"/>
+              <a:buFont typeface="Arial"/>
+              <a:buNone/>
+              <a:defRPr sz="2800" b="0" i="0" u="none" strike="noStrike" cap="none">
+                <a:solidFill>
+                  <a:schemeClr val="dk1"/>
+                </a:solidFill>
+                <a:latin typeface="Arial"/>
+                <a:ea typeface="Arial"/>
+                <a:cs typeface="Arial"/>
+                <a:sym typeface="Arial"/>
+              </a:defRPr>
+            </a:lvl6pPr>
+            <a:lvl7pPr marR="0" lvl="6" algn="l" rtl="0">
+              <a:lnSpc>
+                <a:spcPct val="100000"/>
+              </a:lnSpc>
+              <a:spcBef>
+                <a:spcPts val="0"/>
+              </a:spcBef>
+              <a:spcAft>
+                <a:spcPts val="0"/>
+              </a:spcAft>
+              <a:buClr>
+                <a:schemeClr val="dk1"/>
+              </a:buClr>
+              <a:buSzPts val="2800"/>
+              <a:buFont typeface="Arial"/>
+              <a:buNone/>
+              <a:defRPr sz="2800" b="0" i="0" u="none" strike="noStrike" cap="none">
+                <a:solidFill>
+                  <a:schemeClr val="dk1"/>
+                </a:solidFill>
+                <a:latin typeface="Arial"/>
+                <a:ea typeface="Arial"/>
+                <a:cs typeface="Arial"/>
+                <a:sym typeface="Arial"/>
+              </a:defRPr>
+            </a:lvl7pPr>
+            <a:lvl8pPr marR="0" lvl="7" algn="l" rtl="0">
+              <a:lnSpc>
+                <a:spcPct val="100000"/>
+              </a:lnSpc>
+              <a:spcBef>
+                <a:spcPts val="0"/>
+              </a:spcBef>
+              <a:spcAft>
+                <a:spcPts val="0"/>
+              </a:spcAft>
+              <a:buClr>
+                <a:schemeClr val="dk1"/>
+              </a:buClr>
+              <a:buSzPts val="2800"/>
+              <a:buFont typeface="Arial"/>
+              <a:buNone/>
+              <a:defRPr sz="2800" b="0" i="0" u="none" strike="noStrike" cap="none">
+                <a:solidFill>
+                  <a:schemeClr val="dk1"/>
+                </a:solidFill>
+                <a:latin typeface="Arial"/>
+                <a:ea typeface="Arial"/>
+                <a:cs typeface="Arial"/>
+                <a:sym typeface="Arial"/>
+              </a:defRPr>
+            </a:lvl8pPr>
+            <a:lvl9pPr marR="0" lvl="8" algn="l" rtl="0">
+              <a:lnSpc>
+                <a:spcPct val="100000"/>
+              </a:lnSpc>
+              <a:spcBef>
+                <a:spcPts val="0"/>
+              </a:spcBef>
+              <a:spcAft>
+                <a:spcPts val="0"/>
+              </a:spcAft>
+              <a:buClr>
+                <a:schemeClr val="dk1"/>
+              </a:buClr>
+              <a:buSzPts val="2800"/>
+              <a:buFont typeface="Arial"/>
+              <a:buNone/>
+              <a:defRPr sz="2800" b="0" i="0" u="none" strike="noStrike" cap="none">
+                <a:solidFill>
+                  <a:schemeClr val="dk1"/>
+                </a:solidFill>
+                <a:latin typeface="Arial"/>
+                <a:ea typeface="Arial"/>
+                <a:cs typeface="Arial"/>
+                <a:sym typeface="Arial"/>
+              </a:defRPr>
+            </a:lvl9pPr>
+          </a:lstStyle>
+          <a:p>
+            <a:r>
+              <a:rPr lang="zh-TW" altLang="en-US" b="1"/>
+              <a:t>目錄</a:t>
+            </a:r>
+          </a:p>
+        </p:txBody>
+      </p:sp>
+      <p:pic>
+        <p:nvPicPr>
+          <p:cNvPr id="32" name="Google Shape;279;p14">
+            <a:extLst>
+              <a:ext uri="{FF2B5EF4-FFF2-40B4-BE49-F238E27FC236}">
+                <a16:creationId xmlns:a16="http://schemas.microsoft.com/office/drawing/2014/main" id="{9E7F428B-4BA9-68A8-B758-E562215DE4C5}"/>
+              </a:ext>
+            </a:extLst>
+          </p:cNvPr>
+          <p:cNvPicPr preferRelativeResize="0"/>
+          <p:nvPr/>
+        </p:nvPicPr>
+        <p:blipFill>
+          <a:blip r:embed="rId7">
+            <a:alphaModFix/>
+          </a:blip>
+          <a:stretch>
+            <a:fillRect/>
+          </a:stretch>
+        </p:blipFill>
+        <p:spPr>
+          <a:xfrm>
+            <a:off x="338114" y="420419"/>
+            <a:ext cx="238125" cy="533400"/>
+          </a:xfrm>
+          <a:prstGeom prst="rect">
+            <a:avLst/>
+          </a:prstGeom>
+          <a:noFill/>
+          <a:ln>
+            <a:noFill/>
+          </a:ln>
+        </p:spPr>
+      </p:pic>
     </p:spTree>
   </p:cSld>
   <p:clrMapOvr>
@@ -22242,20 +24775,31 @@
           </a:bodyPr>
           <a:lstStyle/>
           <a:p>
-            <a:pPr marL="0" lvl="0" indent="0" algn="l" rtl="0">
-              <a:spcBef>
-                <a:spcPts val="0"/>
-              </a:spcBef>
-              <a:spcAft>
-                <a:spcPts val="0"/>
-              </a:spcAft>
-              <a:buNone/>
-            </a:pPr>
+            <a:r>
+              <a:rPr lang="zh-TW" altLang="en-US" b="1" dirty="0"/>
+              <a:t> </a:t>
+            </a:r>
             <a:r>
               <a:rPr lang="zh-TW" b="1"/>
-              <a:t>  遇到困難</a:t>
+              <a:t> </a:t>
             </a:r>
-            <a:endParaRPr b="1"/>
+            <a:r>
+              <a:rPr lang="zh-TW" b="1">
+                <a:solidFill>
+                  <a:schemeClr val="accent1">
+                    <a:lumMod val="50000"/>
+                  </a:schemeClr>
+                </a:solidFill>
+              </a:rPr>
+              <a:t>遇到困難</a:t>
+            </a:r>
+            <a:endParaRPr b="1">
+              <a:solidFill>
+                <a:schemeClr val="accent1">
+                  <a:lumMod val="50000"/>
+                </a:schemeClr>
+              </a:solidFill>
+            </a:endParaRPr>
           </a:p>
         </p:txBody>
       </p:sp>
@@ -23924,6 +26468,571 @@
           </a:prstGeom>
         </p:spPr>
       </p:pic>
+      <p:sp>
+        <p:nvSpPr>
+          <p:cNvPr id="4" name="文字方塊 3">
+            <a:extLst>
+              <a:ext uri="{FF2B5EF4-FFF2-40B4-BE49-F238E27FC236}">
+                <a16:creationId xmlns:a16="http://schemas.microsoft.com/office/drawing/2014/main" id="{E9CAEDF9-7E64-1532-B4A0-010391FB5AEF}"/>
+              </a:ext>
+            </a:extLst>
+          </p:cNvPr>
+          <p:cNvSpPr txBox="1"/>
+          <p:nvPr/>
+        </p:nvSpPr>
+        <p:spPr>
+          <a:xfrm>
+            <a:off x="2601701" y="1212085"/>
+            <a:ext cx="1718618" cy="400110"/>
+          </a:xfrm>
+          <a:prstGeom prst="rect">
+            <a:avLst/>
+          </a:prstGeom>
+          <a:noFill/>
+        </p:spPr>
+        <p:txBody>
+          <a:bodyPr rot="0" spcFirstLastPara="0" vertOverflow="overflow" horzOverflow="overflow" vert="horz" wrap="square" lIns="91440" tIns="45720" rIns="91440" bIns="45720" numCol="1" spcCol="0" rtlCol="0" fromWordArt="0" anchor="t" anchorCtr="0" forceAA="0" compatLnSpc="1">
+            <a:prstTxWarp prst="textNoShape">
+              <a:avLst/>
+            </a:prstTxWarp>
+            <a:spAutoFit/>
+          </a:bodyPr>
+          <a:lstStyle/>
+          <a:p>
+            <a:pPr algn="l"/>
+            <a:r>
+              <a:rPr lang="zh-TW" altLang="en-US" sz="2000" b="1">
+                <a:solidFill>
+                  <a:schemeClr val="accent2"/>
+                </a:solidFill>
+                <a:highlight>
+                  <a:srgbClr val="7F7FB2"/>
+                </a:highlight>
+              </a:rPr>
+              <a:t>重構程式碼</a:t>
+            </a:r>
+            <a:endParaRPr lang="zh-TW" altLang="en-US" sz="2000" b="1" dirty="0">
+              <a:solidFill>
+                <a:schemeClr val="accent2"/>
+              </a:solidFill>
+              <a:highlight>
+                <a:srgbClr val="7F7FB2"/>
+              </a:highlight>
+            </a:endParaRPr>
+          </a:p>
+        </p:txBody>
+      </p:sp>
+      <p:sp>
+        <p:nvSpPr>
+          <p:cNvPr id="5" name="文字方塊 4">
+            <a:extLst>
+              <a:ext uri="{FF2B5EF4-FFF2-40B4-BE49-F238E27FC236}">
+                <a16:creationId xmlns:a16="http://schemas.microsoft.com/office/drawing/2014/main" id="{A50DDF1E-6E09-3088-B553-C270BE15F082}"/>
+              </a:ext>
+            </a:extLst>
+          </p:cNvPr>
+          <p:cNvSpPr txBox="1"/>
+          <p:nvPr/>
+        </p:nvSpPr>
+        <p:spPr>
+          <a:xfrm>
+            <a:off x="2599246" y="1701025"/>
+            <a:ext cx="5168210" cy="1021883"/>
+          </a:xfrm>
+          <a:prstGeom prst="rect">
+            <a:avLst/>
+          </a:prstGeom>
+          <a:noFill/>
+        </p:spPr>
+        <p:txBody>
+          <a:bodyPr rot="0" spcFirstLastPara="0" vertOverflow="overflow" horzOverflow="overflow" vert="horz" wrap="square" lIns="91440" tIns="45720" rIns="91440" bIns="45720" numCol="1" spcCol="0" rtlCol="0" fromWordArt="0" anchor="t" anchorCtr="0" forceAA="0" compatLnSpc="1">
+            <a:prstTxWarp prst="textNoShape">
+              <a:avLst/>
+            </a:prstTxWarp>
+            <a:spAutoFit/>
+          </a:bodyPr>
+          <a:lstStyle/>
+          <a:p>
+            <a:pPr algn="l">
+              <a:lnSpc>
+                <a:spcPct val="150000"/>
+              </a:lnSpc>
+            </a:pPr>
+            <a:r>
+              <a:rPr lang="zh-TW" altLang="en-US" b="1">
+                <a:highlight>
+                  <a:srgbClr val="C0C0C0"/>
+                </a:highlight>
+              </a:rPr>
+              <a:t>為了之後方便維護也只好忍痛打掉重構，導致原本能正常運作的程式也不斷跑出錯誤訊息，花了快一個禮拜的時間才完成</a:t>
+            </a:r>
+            <a:r>
+              <a:rPr lang="zh-TW">
+                <a:highlight>
+                  <a:srgbClr val="C0C0C0"/>
+                </a:highlight>
+              </a:rPr>
+              <a:t>。</a:t>
+            </a:r>
+          </a:p>
+          <a:p>
+            <a:pPr>
+              <a:lnSpc>
+                <a:spcPct val="150000"/>
+              </a:lnSpc>
+            </a:pPr>
+            <a:r>
+              <a:rPr lang="zh-TW" altLang="en-US" b="1">
+                <a:highlight>
+                  <a:srgbClr val="C0C0C0"/>
+                </a:highlight>
+              </a:rPr>
+              <a:t>但是之後覺得這樣做是值得的，也好在在程式碼300行就重構</a:t>
+            </a:r>
+            <a:r>
+              <a:rPr lang="zh-TW">
+                <a:highlight>
+                  <a:srgbClr val="C0C0C0"/>
+                </a:highlight>
+              </a:rPr>
+              <a:t>。</a:t>
+            </a:r>
+            <a:endParaRPr lang="zh-TW" altLang="en-US" b="1" dirty="0">
+              <a:highlight>
+                <a:srgbClr val="C0C0C0"/>
+              </a:highlight>
+            </a:endParaRPr>
+          </a:p>
+        </p:txBody>
+      </p:sp>
+      <p:sp>
+        <p:nvSpPr>
+          <p:cNvPr id="7" name="文字方塊 6">
+            <a:extLst>
+              <a:ext uri="{FF2B5EF4-FFF2-40B4-BE49-F238E27FC236}">
+                <a16:creationId xmlns:a16="http://schemas.microsoft.com/office/drawing/2014/main" id="{665B77FB-1880-CBF0-AFDB-82C968AA2D69}"/>
+              </a:ext>
+            </a:extLst>
+          </p:cNvPr>
+          <p:cNvSpPr txBox="1"/>
+          <p:nvPr/>
+        </p:nvSpPr>
+        <p:spPr>
+          <a:xfrm>
+            <a:off x="2601701" y="3101639"/>
+            <a:ext cx="1718618" cy="400110"/>
+          </a:xfrm>
+          <a:prstGeom prst="rect">
+            <a:avLst/>
+          </a:prstGeom>
+          <a:noFill/>
+        </p:spPr>
+        <p:txBody>
+          <a:bodyPr rot="0" spcFirstLastPara="0" vertOverflow="overflow" horzOverflow="overflow" vert="horz" wrap="square" lIns="91440" tIns="45720" rIns="91440" bIns="45720" numCol="1" spcCol="0" rtlCol="0" fromWordArt="0" anchor="t" anchorCtr="0" forceAA="0" compatLnSpc="1">
+            <a:prstTxWarp prst="textNoShape">
+              <a:avLst/>
+            </a:prstTxWarp>
+            <a:spAutoFit/>
+          </a:bodyPr>
+          <a:lstStyle/>
+          <a:p>
+            <a:pPr algn="l"/>
+            <a:r>
+              <a:rPr lang="zh-TW" altLang="en-US" sz="2000" b="1">
+                <a:solidFill>
+                  <a:schemeClr val="accent2"/>
+                </a:solidFill>
+                <a:highlight>
+                  <a:srgbClr val="7F7FB2"/>
+                </a:highlight>
+              </a:rPr>
+              <a:t>場景的切換</a:t>
+            </a:r>
+            <a:endParaRPr lang="zh-TW" altLang="en-US" sz="2000" b="1" dirty="0">
+              <a:solidFill>
+                <a:schemeClr val="accent2"/>
+              </a:solidFill>
+              <a:highlight>
+                <a:srgbClr val="7F7FB2"/>
+              </a:highlight>
+            </a:endParaRPr>
+          </a:p>
+        </p:txBody>
+      </p:sp>
+      <p:sp>
+        <p:nvSpPr>
+          <p:cNvPr id="9" name="文字方塊 8">
+            <a:extLst>
+              <a:ext uri="{FF2B5EF4-FFF2-40B4-BE49-F238E27FC236}">
+                <a16:creationId xmlns:a16="http://schemas.microsoft.com/office/drawing/2014/main" id="{EEDBBD17-3C1F-1370-7764-DEA686EF2D88}"/>
+              </a:ext>
+            </a:extLst>
+          </p:cNvPr>
+          <p:cNvSpPr txBox="1"/>
+          <p:nvPr/>
+        </p:nvSpPr>
+        <p:spPr>
+          <a:xfrm>
+            <a:off x="2598008" y="3589123"/>
+            <a:ext cx="5168212" cy="719568"/>
+          </a:xfrm>
+          <a:prstGeom prst="rect">
+            <a:avLst/>
+          </a:prstGeom>
+          <a:noFill/>
+        </p:spPr>
+        <p:txBody>
+          <a:bodyPr rot="0" spcFirstLastPara="0" vertOverflow="overflow" horzOverflow="overflow" vert="horz" wrap="square" lIns="91440" tIns="45720" rIns="91440" bIns="45720" numCol="1" spcCol="0" rtlCol="0" fromWordArt="0" anchor="t" anchorCtr="0" forceAA="0" compatLnSpc="1">
+            <a:prstTxWarp prst="textNoShape">
+              <a:avLst/>
+            </a:prstTxWarp>
+            <a:spAutoFit/>
+          </a:bodyPr>
+          <a:lstStyle/>
+          <a:p>
+            <a:pPr>
+              <a:lnSpc>
+                <a:spcPct val="150000"/>
+              </a:lnSpc>
+            </a:pPr>
+            <a:r>
+              <a:rPr lang="en-US" altLang="zh-TW" b="1" err="1">
+                <a:highlight>
+                  <a:srgbClr val="C0C0C0"/>
+                </a:highlight>
+                <a:cs typeface="Segoe UI"/>
+              </a:rPr>
+              <a:t>第一次接觸到這種有場景切換的遊戲，跟我預想的製作方法完全不同，也是翻找了大量資料才解決</a:t>
+            </a:r>
+            <a:endParaRPr lang="en-US" altLang="zh-TW" b="1">
+              <a:highlight>
+                <a:srgbClr val="C0C0C0"/>
+              </a:highlight>
+              <a:cs typeface="Segoe UI"/>
+            </a:endParaRPr>
+          </a:p>
+        </p:txBody>
+      </p:sp>
+      <p:sp>
+        <p:nvSpPr>
+          <p:cNvPr id="11" name="Google Shape;267;p14">
+            <a:extLst>
+              <a:ext uri="{FF2B5EF4-FFF2-40B4-BE49-F238E27FC236}">
+                <a16:creationId xmlns:a16="http://schemas.microsoft.com/office/drawing/2014/main" id="{13551785-86FF-38AD-BC06-F8D90EDC3B0B}"/>
+              </a:ext>
+            </a:extLst>
+          </p:cNvPr>
+          <p:cNvSpPr txBox="1">
+            <a:spLocks/>
+          </p:cNvSpPr>
+          <p:nvPr/>
+        </p:nvSpPr>
+        <p:spPr>
+          <a:xfrm>
+            <a:off x="565953" y="453525"/>
+            <a:ext cx="1252743" cy="665374"/>
+          </a:xfrm>
+          <a:prstGeom prst="rect">
+            <a:avLst/>
+          </a:prstGeom>
+          <a:noFill/>
+          <a:ln>
+            <a:noFill/>
+          </a:ln>
+        </p:spPr>
+        <p:txBody>
+          <a:bodyPr spcFirstLastPara="1" wrap="square" lIns="91425" tIns="91425" rIns="91425" bIns="91425" anchor="t" anchorCtr="0">
+            <a:normAutofit/>
+          </a:bodyPr>
+          <a:lstStyle>
+            <a:defPPr marR="0" lvl="0" algn="l" rtl="0">
+              <a:lnSpc>
+                <a:spcPct val="100000"/>
+              </a:lnSpc>
+              <a:spcBef>
+                <a:spcPts val="0"/>
+              </a:spcBef>
+              <a:spcAft>
+                <a:spcPts val="0"/>
+              </a:spcAft>
+            </a:defPPr>
+            <a:lvl1pPr marR="0" lvl="0" algn="l" rtl="0">
+              <a:lnSpc>
+                <a:spcPct val="100000"/>
+              </a:lnSpc>
+              <a:spcBef>
+                <a:spcPts val="0"/>
+              </a:spcBef>
+              <a:spcAft>
+                <a:spcPts val="0"/>
+              </a:spcAft>
+              <a:buClr>
+                <a:schemeClr val="dk1"/>
+              </a:buClr>
+              <a:buSzPts val="2800"/>
+              <a:buFont typeface="Arial"/>
+              <a:buNone/>
+              <a:defRPr sz="2800" b="0" i="0" u="none" strike="noStrike" cap="none">
+                <a:solidFill>
+                  <a:schemeClr val="dk1"/>
+                </a:solidFill>
+                <a:latin typeface="Arial"/>
+                <a:ea typeface="Arial"/>
+                <a:cs typeface="Arial"/>
+                <a:sym typeface="Arial"/>
+              </a:defRPr>
+            </a:lvl1pPr>
+            <a:lvl2pPr marR="0" lvl="1" algn="l" rtl="0">
+              <a:lnSpc>
+                <a:spcPct val="100000"/>
+              </a:lnSpc>
+              <a:spcBef>
+                <a:spcPts val="0"/>
+              </a:spcBef>
+              <a:spcAft>
+                <a:spcPts val="0"/>
+              </a:spcAft>
+              <a:buClr>
+                <a:schemeClr val="dk1"/>
+              </a:buClr>
+              <a:buSzPts val="2800"/>
+              <a:buFont typeface="Arial"/>
+              <a:buNone/>
+              <a:defRPr sz="2800" b="0" i="0" u="none" strike="noStrike" cap="none">
+                <a:solidFill>
+                  <a:schemeClr val="dk1"/>
+                </a:solidFill>
+                <a:latin typeface="Arial"/>
+                <a:ea typeface="Arial"/>
+                <a:cs typeface="Arial"/>
+                <a:sym typeface="Arial"/>
+              </a:defRPr>
+            </a:lvl2pPr>
+            <a:lvl3pPr marR="0" lvl="2" algn="l" rtl="0">
+              <a:lnSpc>
+                <a:spcPct val="100000"/>
+              </a:lnSpc>
+              <a:spcBef>
+                <a:spcPts val="0"/>
+              </a:spcBef>
+              <a:spcAft>
+                <a:spcPts val="0"/>
+              </a:spcAft>
+              <a:buClr>
+                <a:schemeClr val="dk1"/>
+              </a:buClr>
+              <a:buSzPts val="2800"/>
+              <a:buFont typeface="Arial"/>
+              <a:buNone/>
+              <a:defRPr sz="2800" b="0" i="0" u="none" strike="noStrike" cap="none">
+                <a:solidFill>
+                  <a:schemeClr val="dk1"/>
+                </a:solidFill>
+                <a:latin typeface="Arial"/>
+                <a:ea typeface="Arial"/>
+                <a:cs typeface="Arial"/>
+                <a:sym typeface="Arial"/>
+              </a:defRPr>
+            </a:lvl3pPr>
+            <a:lvl4pPr marR="0" lvl="3" algn="l" rtl="0">
+              <a:lnSpc>
+                <a:spcPct val="100000"/>
+              </a:lnSpc>
+              <a:spcBef>
+                <a:spcPts val="0"/>
+              </a:spcBef>
+              <a:spcAft>
+                <a:spcPts val="0"/>
+              </a:spcAft>
+              <a:buClr>
+                <a:schemeClr val="dk1"/>
+              </a:buClr>
+              <a:buSzPts val="2800"/>
+              <a:buFont typeface="Arial"/>
+              <a:buNone/>
+              <a:defRPr sz="2800" b="0" i="0" u="none" strike="noStrike" cap="none">
+                <a:solidFill>
+                  <a:schemeClr val="dk1"/>
+                </a:solidFill>
+                <a:latin typeface="Arial"/>
+                <a:ea typeface="Arial"/>
+                <a:cs typeface="Arial"/>
+                <a:sym typeface="Arial"/>
+              </a:defRPr>
+            </a:lvl4pPr>
+            <a:lvl5pPr marR="0" lvl="4" algn="l" rtl="0">
+              <a:lnSpc>
+                <a:spcPct val="100000"/>
+              </a:lnSpc>
+              <a:spcBef>
+                <a:spcPts val="0"/>
+              </a:spcBef>
+              <a:spcAft>
+                <a:spcPts val="0"/>
+              </a:spcAft>
+              <a:buClr>
+                <a:schemeClr val="dk1"/>
+              </a:buClr>
+              <a:buSzPts val="2800"/>
+              <a:buFont typeface="Arial"/>
+              <a:buNone/>
+              <a:defRPr sz="2800" b="0" i="0" u="none" strike="noStrike" cap="none">
+                <a:solidFill>
+                  <a:schemeClr val="dk1"/>
+                </a:solidFill>
+                <a:latin typeface="Arial"/>
+                <a:ea typeface="Arial"/>
+                <a:cs typeface="Arial"/>
+                <a:sym typeface="Arial"/>
+              </a:defRPr>
+            </a:lvl5pPr>
+            <a:lvl6pPr marR="0" lvl="5" algn="l" rtl="0">
+              <a:lnSpc>
+                <a:spcPct val="100000"/>
+              </a:lnSpc>
+              <a:spcBef>
+                <a:spcPts val="0"/>
+              </a:spcBef>
+              <a:spcAft>
+                <a:spcPts val="0"/>
+              </a:spcAft>
+              <a:buClr>
+                <a:schemeClr val="dk1"/>
+              </a:buClr>
+              <a:buSzPts val="2800"/>
+              <a:buFont typeface="Arial"/>
+              <a:buNone/>
+              <a:defRPr sz="2800" b="0" i="0" u="none" strike="noStrike" cap="none">
+                <a:solidFill>
+                  <a:schemeClr val="dk1"/>
+                </a:solidFill>
+                <a:latin typeface="Arial"/>
+                <a:ea typeface="Arial"/>
+                <a:cs typeface="Arial"/>
+                <a:sym typeface="Arial"/>
+              </a:defRPr>
+            </a:lvl6pPr>
+            <a:lvl7pPr marR="0" lvl="6" algn="l" rtl="0">
+              <a:lnSpc>
+                <a:spcPct val="100000"/>
+              </a:lnSpc>
+              <a:spcBef>
+                <a:spcPts val="0"/>
+              </a:spcBef>
+              <a:spcAft>
+                <a:spcPts val="0"/>
+              </a:spcAft>
+              <a:buClr>
+                <a:schemeClr val="dk1"/>
+              </a:buClr>
+              <a:buSzPts val="2800"/>
+              <a:buFont typeface="Arial"/>
+              <a:buNone/>
+              <a:defRPr sz="2800" b="0" i="0" u="none" strike="noStrike" cap="none">
+                <a:solidFill>
+                  <a:schemeClr val="dk1"/>
+                </a:solidFill>
+                <a:latin typeface="Arial"/>
+                <a:ea typeface="Arial"/>
+                <a:cs typeface="Arial"/>
+                <a:sym typeface="Arial"/>
+              </a:defRPr>
+            </a:lvl7pPr>
+            <a:lvl8pPr marR="0" lvl="7" algn="l" rtl="0">
+              <a:lnSpc>
+                <a:spcPct val="100000"/>
+              </a:lnSpc>
+              <a:spcBef>
+                <a:spcPts val="0"/>
+              </a:spcBef>
+              <a:spcAft>
+                <a:spcPts val="0"/>
+              </a:spcAft>
+              <a:buClr>
+                <a:schemeClr val="dk1"/>
+              </a:buClr>
+              <a:buSzPts val="2800"/>
+              <a:buFont typeface="Arial"/>
+              <a:buNone/>
+              <a:defRPr sz="2800" b="0" i="0" u="none" strike="noStrike" cap="none">
+                <a:solidFill>
+                  <a:schemeClr val="dk1"/>
+                </a:solidFill>
+                <a:latin typeface="Arial"/>
+                <a:ea typeface="Arial"/>
+                <a:cs typeface="Arial"/>
+                <a:sym typeface="Arial"/>
+              </a:defRPr>
+            </a:lvl8pPr>
+            <a:lvl9pPr marR="0" lvl="8" algn="l" rtl="0">
+              <a:lnSpc>
+                <a:spcPct val="100000"/>
+              </a:lnSpc>
+              <a:spcBef>
+                <a:spcPts val="0"/>
+              </a:spcBef>
+              <a:spcAft>
+                <a:spcPts val="0"/>
+              </a:spcAft>
+              <a:buClr>
+                <a:schemeClr val="dk1"/>
+              </a:buClr>
+              <a:buSzPts val="2800"/>
+              <a:buFont typeface="Arial"/>
+              <a:buNone/>
+              <a:defRPr sz="2800" b="0" i="0" u="none" strike="noStrike" cap="none">
+                <a:solidFill>
+                  <a:schemeClr val="dk1"/>
+                </a:solidFill>
+                <a:latin typeface="Arial"/>
+                <a:ea typeface="Arial"/>
+                <a:cs typeface="Arial"/>
+                <a:sym typeface="Arial"/>
+              </a:defRPr>
+            </a:lvl9pPr>
+          </a:lstStyle>
+          <a:p>
+            <a:r>
+              <a:rPr lang="zh-TW" altLang="en-US" b="1"/>
+              <a:t>目錄</a:t>
+            </a:r>
+          </a:p>
+        </p:txBody>
+      </p:sp>
+      <p:pic>
+        <p:nvPicPr>
+          <p:cNvPr id="13" name="Google Shape;279;p14">
+            <a:extLst>
+              <a:ext uri="{FF2B5EF4-FFF2-40B4-BE49-F238E27FC236}">
+                <a16:creationId xmlns:a16="http://schemas.microsoft.com/office/drawing/2014/main" id="{B2D229E7-7A96-1112-D6CF-D4C443D9E4BC}"/>
+              </a:ext>
+            </a:extLst>
+          </p:cNvPr>
+          <p:cNvPicPr preferRelativeResize="0"/>
+          <p:nvPr/>
+        </p:nvPicPr>
+        <p:blipFill>
+          <a:blip r:embed="rId6">
+            <a:alphaModFix/>
+          </a:blip>
+          <a:stretch>
+            <a:fillRect/>
+          </a:stretch>
+        </p:blipFill>
+        <p:spPr>
+          <a:xfrm>
+            <a:off x="338114" y="420419"/>
+            <a:ext cx="238125" cy="533400"/>
+          </a:xfrm>
+          <a:prstGeom prst="rect">
+            <a:avLst/>
+          </a:prstGeom>
+          <a:noFill/>
+          <a:ln>
+            <a:noFill/>
+          </a:ln>
+        </p:spPr>
+      </p:pic>
     </p:spTree>
   </p:cSld>
   <p:clrMapOvr>
@@ -23986,20 +27095,27 @@
           </a:bodyPr>
           <a:lstStyle/>
           <a:p>
-            <a:pPr marL="0" lvl="0" indent="0" algn="l" rtl="0">
-              <a:spcBef>
-                <a:spcPts val="0"/>
-              </a:spcBef>
-              <a:spcAft>
-                <a:spcPts val="0"/>
-              </a:spcAft>
-              <a:buNone/>
-            </a:pPr>
             <a:r>
-              <a:rPr lang="zh-TW" b="1"/>
-              <a:t> 網頁展示</a:t>
+              <a:rPr lang="zh-TW" altLang="en-US" b="1" dirty="0"/>
+              <a:t> </a:t>
             </a:r>
-            <a:endParaRPr b="1"/>
+            <a:r>
+              <a:rPr lang="zh-TW" b="1">
+                <a:solidFill>
+                  <a:schemeClr val="accent1">
+                    <a:lumMod val="50000"/>
+                  </a:schemeClr>
+                </a:solidFill>
+              </a:rPr>
+              <a:t>網頁展示</a:t>
+            </a:r>
+            <a:endParaRPr b="1">
+              <a:solidFill>
+                <a:schemeClr val="accent1">
+                  <a:lumMod val="50000"/>
+                </a:schemeClr>
+              </a:solidFill>
+            </a:endParaRPr>
           </a:p>
         </p:txBody>
       </p:sp>
@@ -24072,7 +27188,7 @@
         </p:blipFill>
         <p:spPr>
           <a:xfrm>
-            <a:off x="3395405" y="650791"/>
+            <a:off x="3457189" y="650791"/>
             <a:ext cx="262839" cy="253314"/>
           </a:xfrm>
           <a:prstGeom prst="rect">
@@ -25562,7 +28678,7 @@
         </p:blipFill>
         <p:spPr>
           <a:xfrm>
-            <a:off x="5386131" y="625045"/>
+            <a:off x="5391280" y="625045"/>
             <a:ext cx="333375" cy="304800"/>
           </a:xfrm>
           <a:prstGeom prst="rect">
@@ -25696,6 +28812,326 @@
           <a:prstGeom prst="rect">
             <a:avLst/>
           </a:prstGeom>
+        </p:spPr>
+      </p:pic>
+      <p:sp>
+        <p:nvSpPr>
+          <p:cNvPr id="8" name="Google Shape;267;p14">
+            <a:extLst>
+              <a:ext uri="{FF2B5EF4-FFF2-40B4-BE49-F238E27FC236}">
+                <a16:creationId xmlns:a16="http://schemas.microsoft.com/office/drawing/2014/main" id="{C281E0C0-3CE2-56AE-E41B-EC6F878C1A91}"/>
+              </a:ext>
+            </a:extLst>
+          </p:cNvPr>
+          <p:cNvSpPr txBox="1">
+            <a:spLocks/>
+          </p:cNvSpPr>
+          <p:nvPr/>
+        </p:nvSpPr>
+        <p:spPr>
+          <a:xfrm>
+            <a:off x="565953" y="453525"/>
+            <a:ext cx="1252743" cy="665374"/>
+          </a:xfrm>
+          <a:prstGeom prst="rect">
+            <a:avLst/>
+          </a:prstGeom>
+          <a:noFill/>
+          <a:ln>
+            <a:noFill/>
+          </a:ln>
+        </p:spPr>
+        <p:txBody>
+          <a:bodyPr spcFirstLastPara="1" wrap="square" lIns="91425" tIns="91425" rIns="91425" bIns="91425" anchor="t" anchorCtr="0">
+            <a:normAutofit/>
+          </a:bodyPr>
+          <a:lstStyle>
+            <a:defPPr marR="0" lvl="0" algn="l" rtl="0">
+              <a:lnSpc>
+                <a:spcPct val="100000"/>
+              </a:lnSpc>
+              <a:spcBef>
+                <a:spcPts val="0"/>
+              </a:spcBef>
+              <a:spcAft>
+                <a:spcPts val="0"/>
+              </a:spcAft>
+            </a:defPPr>
+            <a:lvl1pPr marR="0" lvl="0" algn="l" rtl="0">
+              <a:lnSpc>
+                <a:spcPct val="100000"/>
+              </a:lnSpc>
+              <a:spcBef>
+                <a:spcPts val="0"/>
+              </a:spcBef>
+              <a:spcAft>
+                <a:spcPts val="0"/>
+              </a:spcAft>
+              <a:buClr>
+                <a:schemeClr val="dk1"/>
+              </a:buClr>
+              <a:buSzPts val="2800"/>
+              <a:buFont typeface="Arial"/>
+              <a:buNone/>
+              <a:defRPr sz="2800" b="0" i="0" u="none" strike="noStrike" cap="none">
+                <a:solidFill>
+                  <a:schemeClr val="dk1"/>
+                </a:solidFill>
+                <a:latin typeface="Arial"/>
+                <a:ea typeface="Arial"/>
+                <a:cs typeface="Arial"/>
+                <a:sym typeface="Arial"/>
+              </a:defRPr>
+            </a:lvl1pPr>
+            <a:lvl2pPr marR="0" lvl="1" algn="l" rtl="0">
+              <a:lnSpc>
+                <a:spcPct val="100000"/>
+              </a:lnSpc>
+              <a:spcBef>
+                <a:spcPts val="0"/>
+              </a:spcBef>
+              <a:spcAft>
+                <a:spcPts val="0"/>
+              </a:spcAft>
+              <a:buClr>
+                <a:schemeClr val="dk1"/>
+              </a:buClr>
+              <a:buSzPts val="2800"/>
+              <a:buFont typeface="Arial"/>
+              <a:buNone/>
+              <a:defRPr sz="2800" b="0" i="0" u="none" strike="noStrike" cap="none">
+                <a:solidFill>
+                  <a:schemeClr val="dk1"/>
+                </a:solidFill>
+                <a:latin typeface="Arial"/>
+                <a:ea typeface="Arial"/>
+                <a:cs typeface="Arial"/>
+                <a:sym typeface="Arial"/>
+              </a:defRPr>
+            </a:lvl2pPr>
+            <a:lvl3pPr marR="0" lvl="2" algn="l" rtl="0">
+              <a:lnSpc>
+                <a:spcPct val="100000"/>
+              </a:lnSpc>
+              <a:spcBef>
+                <a:spcPts val="0"/>
+              </a:spcBef>
+              <a:spcAft>
+                <a:spcPts val="0"/>
+              </a:spcAft>
+              <a:buClr>
+                <a:schemeClr val="dk1"/>
+              </a:buClr>
+              <a:buSzPts val="2800"/>
+              <a:buFont typeface="Arial"/>
+              <a:buNone/>
+              <a:defRPr sz="2800" b="0" i="0" u="none" strike="noStrike" cap="none">
+                <a:solidFill>
+                  <a:schemeClr val="dk1"/>
+                </a:solidFill>
+                <a:latin typeface="Arial"/>
+                <a:ea typeface="Arial"/>
+                <a:cs typeface="Arial"/>
+                <a:sym typeface="Arial"/>
+              </a:defRPr>
+            </a:lvl3pPr>
+            <a:lvl4pPr marR="0" lvl="3" algn="l" rtl="0">
+              <a:lnSpc>
+                <a:spcPct val="100000"/>
+              </a:lnSpc>
+              <a:spcBef>
+                <a:spcPts val="0"/>
+              </a:spcBef>
+              <a:spcAft>
+                <a:spcPts val="0"/>
+              </a:spcAft>
+              <a:buClr>
+                <a:schemeClr val="dk1"/>
+              </a:buClr>
+              <a:buSzPts val="2800"/>
+              <a:buFont typeface="Arial"/>
+              <a:buNone/>
+              <a:defRPr sz="2800" b="0" i="0" u="none" strike="noStrike" cap="none">
+                <a:solidFill>
+                  <a:schemeClr val="dk1"/>
+                </a:solidFill>
+                <a:latin typeface="Arial"/>
+                <a:ea typeface="Arial"/>
+                <a:cs typeface="Arial"/>
+                <a:sym typeface="Arial"/>
+              </a:defRPr>
+            </a:lvl4pPr>
+            <a:lvl5pPr marR="0" lvl="4" algn="l" rtl="0">
+              <a:lnSpc>
+                <a:spcPct val="100000"/>
+              </a:lnSpc>
+              <a:spcBef>
+                <a:spcPts val="0"/>
+              </a:spcBef>
+              <a:spcAft>
+                <a:spcPts val="0"/>
+              </a:spcAft>
+              <a:buClr>
+                <a:schemeClr val="dk1"/>
+              </a:buClr>
+              <a:buSzPts val="2800"/>
+              <a:buFont typeface="Arial"/>
+              <a:buNone/>
+              <a:defRPr sz="2800" b="0" i="0" u="none" strike="noStrike" cap="none">
+                <a:solidFill>
+                  <a:schemeClr val="dk1"/>
+                </a:solidFill>
+                <a:latin typeface="Arial"/>
+                <a:ea typeface="Arial"/>
+                <a:cs typeface="Arial"/>
+                <a:sym typeface="Arial"/>
+              </a:defRPr>
+            </a:lvl5pPr>
+            <a:lvl6pPr marR="0" lvl="5" algn="l" rtl="0">
+              <a:lnSpc>
+                <a:spcPct val="100000"/>
+              </a:lnSpc>
+              <a:spcBef>
+                <a:spcPts val="0"/>
+              </a:spcBef>
+              <a:spcAft>
+                <a:spcPts val="0"/>
+              </a:spcAft>
+              <a:buClr>
+                <a:schemeClr val="dk1"/>
+              </a:buClr>
+              <a:buSzPts val="2800"/>
+              <a:buFont typeface="Arial"/>
+              <a:buNone/>
+              <a:defRPr sz="2800" b="0" i="0" u="none" strike="noStrike" cap="none">
+                <a:solidFill>
+                  <a:schemeClr val="dk1"/>
+                </a:solidFill>
+                <a:latin typeface="Arial"/>
+                <a:ea typeface="Arial"/>
+                <a:cs typeface="Arial"/>
+                <a:sym typeface="Arial"/>
+              </a:defRPr>
+            </a:lvl6pPr>
+            <a:lvl7pPr marR="0" lvl="6" algn="l" rtl="0">
+              <a:lnSpc>
+                <a:spcPct val="100000"/>
+              </a:lnSpc>
+              <a:spcBef>
+                <a:spcPts val="0"/>
+              </a:spcBef>
+              <a:spcAft>
+                <a:spcPts val="0"/>
+              </a:spcAft>
+              <a:buClr>
+                <a:schemeClr val="dk1"/>
+              </a:buClr>
+              <a:buSzPts val="2800"/>
+              <a:buFont typeface="Arial"/>
+              <a:buNone/>
+              <a:defRPr sz="2800" b="0" i="0" u="none" strike="noStrike" cap="none">
+                <a:solidFill>
+                  <a:schemeClr val="dk1"/>
+                </a:solidFill>
+                <a:latin typeface="Arial"/>
+                <a:ea typeface="Arial"/>
+                <a:cs typeface="Arial"/>
+                <a:sym typeface="Arial"/>
+              </a:defRPr>
+            </a:lvl7pPr>
+            <a:lvl8pPr marR="0" lvl="7" algn="l" rtl="0">
+              <a:lnSpc>
+                <a:spcPct val="100000"/>
+              </a:lnSpc>
+              <a:spcBef>
+                <a:spcPts val="0"/>
+              </a:spcBef>
+              <a:spcAft>
+                <a:spcPts val="0"/>
+              </a:spcAft>
+              <a:buClr>
+                <a:schemeClr val="dk1"/>
+              </a:buClr>
+              <a:buSzPts val="2800"/>
+              <a:buFont typeface="Arial"/>
+              <a:buNone/>
+              <a:defRPr sz="2800" b="0" i="0" u="none" strike="noStrike" cap="none">
+                <a:solidFill>
+                  <a:schemeClr val="dk1"/>
+                </a:solidFill>
+                <a:latin typeface="Arial"/>
+                <a:ea typeface="Arial"/>
+                <a:cs typeface="Arial"/>
+                <a:sym typeface="Arial"/>
+              </a:defRPr>
+            </a:lvl8pPr>
+            <a:lvl9pPr marR="0" lvl="8" algn="l" rtl="0">
+              <a:lnSpc>
+                <a:spcPct val="100000"/>
+              </a:lnSpc>
+              <a:spcBef>
+                <a:spcPts val="0"/>
+              </a:spcBef>
+              <a:spcAft>
+                <a:spcPts val="0"/>
+              </a:spcAft>
+              <a:buClr>
+                <a:schemeClr val="dk1"/>
+              </a:buClr>
+              <a:buSzPts val="2800"/>
+              <a:buFont typeface="Arial"/>
+              <a:buNone/>
+              <a:defRPr sz="2800" b="0" i="0" u="none" strike="noStrike" cap="none">
+                <a:solidFill>
+                  <a:schemeClr val="dk1"/>
+                </a:solidFill>
+                <a:latin typeface="Arial"/>
+                <a:ea typeface="Arial"/>
+                <a:cs typeface="Arial"/>
+                <a:sym typeface="Arial"/>
+              </a:defRPr>
+            </a:lvl9pPr>
+          </a:lstStyle>
+          <a:p>
+            <a:r>
+              <a:rPr lang="zh-TW" altLang="en-US" b="1"/>
+              <a:t>目錄</a:t>
+            </a:r>
+          </a:p>
+        </p:txBody>
+      </p:sp>
+      <p:pic>
+        <p:nvPicPr>
+          <p:cNvPr id="12" name="Google Shape;279;p14">
+            <a:extLst>
+              <a:ext uri="{FF2B5EF4-FFF2-40B4-BE49-F238E27FC236}">
+                <a16:creationId xmlns:a16="http://schemas.microsoft.com/office/drawing/2014/main" id="{312F2A3B-9C9D-3EF2-D5AA-D39F8A5B8895}"/>
+              </a:ext>
+            </a:extLst>
+          </p:cNvPr>
+          <p:cNvPicPr preferRelativeResize="0"/>
+          <p:nvPr/>
+        </p:nvPicPr>
+        <p:blipFill>
+          <a:blip r:embed="rId6">
+            <a:alphaModFix/>
+          </a:blip>
+          <a:stretch>
+            <a:fillRect/>
+          </a:stretch>
+        </p:blipFill>
+        <p:spPr>
+          <a:xfrm>
+            <a:off x="338114" y="420419"/>
+            <a:ext cx="238125" cy="533400"/>
+          </a:xfrm>
+          <a:prstGeom prst="rect">
+            <a:avLst/>
+          </a:prstGeom>
+          <a:noFill/>
+          <a:ln>
+            <a:noFill/>
+          </a:ln>
         </p:spPr>
       </p:pic>
     </p:spTree>

--- a/資展國際 小專.pptx
+++ b/資展國際 小專.pptx
@@ -282,7 +282,7 @@
 <p1510:revInfo xmlns:a="http://schemas.openxmlformats.org/drawingml/2006/main" xmlns:r="http://schemas.openxmlformats.org/officeDocument/2006/relationships" xmlns:p1510="http://schemas.microsoft.com/office/powerpoint/2015/10/main">
   <p1510:revLst>
     <p1510:client id="{25B37F33-7DE3-4FF5-A0DC-337DE6CD52D2}" v="184" dt="2024-06-04T05:03:29.414"/>
-    <p1510:client id="{3B4A9DD1-23B0-45CD-891C-E35E0B24A1AA}" v="781" dt="2024-06-04T06:03:58.071"/>
+    <p1510:client id="{3B4A9DD1-23B0-45CD-891C-E35E0B24A1AA}" v="1048" dt="2024-06-04T06:10:02.843"/>
     <p1510:client id="{3C84A9F6-4BF5-4074-A293-B1363F357F78}" v="1044" dt="2024-06-04T03:53:15.041"/>
   </p1510:revLst>
 </p1510:revInfo>
@@ -293,7 +293,7 @@
   <pc:docChgLst>
     <pc:chgData name="張 祐銜" userId="a4795a297bc9ce74" providerId="Windows Live" clId="Web-{3B4A9DD1-23B0-45CD-891C-E35E0B24A1AA}"/>
     <pc:docChg chg="modSld">
-      <pc:chgData name="張 祐銜" userId="a4795a297bc9ce74" providerId="Windows Live" clId="Web-{3B4A9DD1-23B0-45CD-891C-E35E0B24A1AA}" dt="2024-06-04T06:03:58.071" v="472" actId="1076"/>
+      <pc:chgData name="張 祐銜" userId="a4795a297bc9ce74" providerId="Windows Live" clId="Web-{3B4A9DD1-23B0-45CD-891C-E35E0B24A1AA}" dt="2024-06-04T06:10:02.468" v="612" actId="20577"/>
       <pc:docMkLst>
         <pc:docMk/>
       </pc:docMkLst>
@@ -321,7 +321,7 @@
         </pc:picChg>
       </pc:sldChg>
       <pc:sldChg chg="addSp delSp modSp">
-        <pc:chgData name="張 祐銜" userId="a4795a297bc9ce74" providerId="Windows Live" clId="Web-{3B4A9DD1-23B0-45CD-891C-E35E0B24A1AA}" dt="2024-06-04T06:01:31.694" v="454" actId="1076"/>
+        <pc:chgData name="張 祐銜" userId="a4795a297bc9ce74" providerId="Windows Live" clId="Web-{3B4A9DD1-23B0-45CD-891C-E35E0B24A1AA}" dt="2024-06-04T06:10:02.468" v="612" actId="20577"/>
         <pc:sldMkLst>
           <pc:docMk/>
           <pc:sldMk cId="0" sldId="258"/>
@@ -356,6 +356,14 @@
             <pc:docMk/>
             <pc:sldMk cId="0" sldId="258"/>
             <ac:spMk id="15" creationId="{ED8137C4-4F8B-71C5-AE02-932149A46731}"/>
+          </ac:spMkLst>
+        </pc:spChg>
+        <pc:spChg chg="add mod">
+          <ac:chgData name="張 祐銜" userId="a4795a297bc9ce74" providerId="Windows Live" clId="Web-{3B4A9DD1-23B0-45CD-891C-E35E0B24A1AA}" dt="2024-06-04T06:10:02.468" v="612" actId="20577"/>
+          <ac:spMkLst>
+            <pc:docMk/>
+            <pc:sldMk cId="0" sldId="258"/>
+            <ac:spMk id="18" creationId="{6EE1B58C-651B-1306-DC1A-FF3E922E0C5D}"/>
           </ac:spMkLst>
         </pc:spChg>
         <pc:spChg chg="mod">
@@ -636,7 +644,7 @@
         </pc:picChg>
       </pc:sldChg>
       <pc:sldChg chg="addSp delSp modSp">
-        <pc:chgData name="張 祐銜" userId="a4795a297bc9ce74" providerId="Windows Live" clId="Web-{3B4A9DD1-23B0-45CD-891C-E35E0B24A1AA}" dt="2024-06-04T06:02:27.836" v="461"/>
+        <pc:chgData name="張 祐銜" userId="a4795a297bc9ce74" providerId="Windows Live" clId="Web-{3B4A9DD1-23B0-45CD-891C-E35E0B24A1AA}" dt="2024-06-04T06:09:34.936" v="610" actId="20577"/>
         <pc:sldMkLst>
           <pc:docMk/>
           <pc:sldMk cId="0" sldId="263"/>
@@ -658,7 +666,7 @@
           </ac:spMkLst>
         </pc:spChg>
         <pc:spChg chg="add mod">
-          <ac:chgData name="張 祐銜" userId="a4795a297bc9ce74" providerId="Windows Live" clId="Web-{3B4A9DD1-23B0-45CD-891C-E35E0B24A1AA}" dt="2024-06-04T05:52:38.530" v="284" actId="1076"/>
+          <ac:chgData name="張 祐銜" userId="a4795a297bc9ce74" providerId="Windows Live" clId="Web-{3B4A9DD1-23B0-45CD-891C-E35E0B24A1AA}" dt="2024-06-04T06:09:34.936" v="610" actId="20577"/>
           <ac:spMkLst>
             <pc:docMk/>
             <pc:sldMk cId="0" sldId="263"/>
@@ -682,7 +690,7 @@
           </ac:spMkLst>
         </pc:spChg>
         <pc:spChg chg="add mod">
-          <ac:chgData name="張 祐銜" userId="a4795a297bc9ce74" providerId="Windows Live" clId="Web-{3B4A9DD1-23B0-45CD-891C-E35E0B24A1AA}" dt="2024-06-04T05:57:06.737" v="413" actId="20577"/>
+          <ac:chgData name="張 祐銜" userId="a4795a297bc9ce74" providerId="Windows Live" clId="Web-{3B4A9DD1-23B0-45CD-891C-E35E0B24A1AA}" dt="2024-06-04T06:04:18.525" v="473" actId="20577"/>
           <ac:spMkLst>
             <pc:docMk/>
             <pc:sldMk cId="0" sldId="263"/>
@@ -2691,7 +2699,7 @@
               <a:buNone/>
             </a:pPr>
             <a:fld id="{00000000-1234-1234-1234-123412341234}" type="slidenum">
-              <a:rPr lang="zh-TW"/>
+              <a:rPr lang="en-US" altLang="zh-TW"/>
               <a:t>‹#›</a:t>
             </a:fld>
             <a:endParaRPr/>
@@ -2703,13 +2711,13 @@
   <p:clrMapOvr>
     <a:masterClrMapping/>
   </p:clrMapOvr>
-  <mc:AlternateContent xmlns:mc="http://schemas.openxmlformats.org/markup-compatibility/2006" xmlns:p159="http://schemas.microsoft.com/office/powerpoint/2015/09/main">
-    <mc:Choice Requires="p159">
+  <mc:AlternateContent xmlns:mc="http://schemas.openxmlformats.org/markup-compatibility/2006">
+    <mc:Choice xmlns:p159="http://schemas.microsoft.com/office/powerpoint/2015/09/main" Requires="p159">
       <p:transition xmlns:p14="http://schemas.microsoft.com/office/powerpoint/2010/main" spd="slow" p14:dur="2000">
         <p159:morph option="byObject"/>
       </p:transition>
     </mc:Choice>
-    <mc:Fallback xmlns="">
+    <mc:Fallback>
       <p:transition spd="slow">
         <p:fade/>
       </p:transition>
@@ -3067,7 +3075,7 @@
               <a:buNone/>
             </a:pPr>
             <a:fld id="{00000000-1234-1234-1234-123412341234}" type="slidenum">
-              <a:rPr lang="zh-TW"/>
+              <a:rPr lang="en-US" altLang="zh-TW"/>
               <a:t>‹#›</a:t>
             </a:fld>
             <a:endParaRPr/>
@@ -3079,13 +3087,13 @@
   <p:clrMapOvr>
     <a:masterClrMapping/>
   </p:clrMapOvr>
-  <mc:AlternateContent xmlns:mc="http://schemas.openxmlformats.org/markup-compatibility/2006" xmlns:p159="http://schemas.microsoft.com/office/powerpoint/2015/09/main">
-    <mc:Choice Requires="p159">
+  <mc:AlternateContent xmlns:mc="http://schemas.openxmlformats.org/markup-compatibility/2006">
+    <mc:Choice xmlns:p159="http://schemas.microsoft.com/office/powerpoint/2015/09/main" Requires="p159">
       <p:transition xmlns:p14="http://schemas.microsoft.com/office/powerpoint/2010/main" spd="slow" p14:dur="2000">
         <p159:morph option="byObject"/>
       </p:transition>
     </mc:Choice>
-    <mc:Fallback xmlns="">
+    <mc:Fallback>
       <p:transition spd="slow">
         <p:fade/>
       </p:transition>
@@ -3183,7 +3191,7 @@
               <a:buNone/>
             </a:pPr>
             <a:fld id="{00000000-1234-1234-1234-123412341234}" type="slidenum">
-              <a:rPr lang="zh-TW"/>
+              <a:rPr lang="en-US" altLang="zh-TW"/>
               <a:t>‹#›</a:t>
             </a:fld>
             <a:endParaRPr/>
@@ -3195,13 +3203,13 @@
   <p:clrMapOvr>
     <a:masterClrMapping/>
   </p:clrMapOvr>
-  <mc:AlternateContent xmlns:mc="http://schemas.openxmlformats.org/markup-compatibility/2006" xmlns:p159="http://schemas.microsoft.com/office/powerpoint/2015/09/main">
-    <mc:Choice Requires="p159">
+  <mc:AlternateContent xmlns:mc="http://schemas.openxmlformats.org/markup-compatibility/2006">
+    <mc:Choice xmlns:p159="http://schemas.microsoft.com/office/powerpoint/2015/09/main" Requires="p159">
       <p:transition xmlns:p14="http://schemas.microsoft.com/office/powerpoint/2010/main" spd="slow" p14:dur="2000">
         <p159:morph option="byObject"/>
       </p:transition>
     </mc:Choice>
-    <mc:Fallback xmlns="">
+    <mc:Fallback>
       <p:transition spd="slow">
         <p:fade/>
       </p:transition>
@@ -3428,7 +3436,7 @@
               <a:buNone/>
             </a:pPr>
             <a:fld id="{00000000-1234-1234-1234-123412341234}" type="slidenum">
-              <a:rPr lang="zh-TW"/>
+              <a:rPr lang="en-US" altLang="zh-TW"/>
               <a:t>‹#›</a:t>
             </a:fld>
             <a:endParaRPr/>
@@ -3440,13 +3448,13 @@
   <p:clrMapOvr>
     <a:masterClrMapping/>
   </p:clrMapOvr>
-  <mc:AlternateContent xmlns:mc="http://schemas.openxmlformats.org/markup-compatibility/2006" xmlns:p159="http://schemas.microsoft.com/office/powerpoint/2015/09/main">
-    <mc:Choice Requires="p159">
+  <mc:AlternateContent xmlns:mc="http://schemas.openxmlformats.org/markup-compatibility/2006">
+    <mc:Choice xmlns:p159="http://schemas.microsoft.com/office/powerpoint/2015/09/main" Requires="p159">
       <p:transition xmlns:p14="http://schemas.microsoft.com/office/powerpoint/2010/main" spd="slow" p14:dur="2000">
         <p159:morph option="byObject"/>
       </p:transition>
     </mc:Choice>
-    <mc:Fallback xmlns="">
+    <mc:Fallback>
       <p:transition spd="slow">
         <p:fade/>
       </p:transition>
@@ -3802,7 +3810,7 @@
               <a:buNone/>
             </a:pPr>
             <a:fld id="{00000000-1234-1234-1234-123412341234}" type="slidenum">
-              <a:rPr lang="zh-TW"/>
+              <a:rPr lang="en-US" altLang="zh-TW"/>
               <a:t>‹#›</a:t>
             </a:fld>
             <a:endParaRPr/>
@@ -3814,13 +3822,13 @@
   <p:clrMapOvr>
     <a:masterClrMapping/>
   </p:clrMapOvr>
-  <mc:AlternateContent xmlns:mc="http://schemas.openxmlformats.org/markup-compatibility/2006" xmlns:p159="http://schemas.microsoft.com/office/powerpoint/2015/09/main">
-    <mc:Choice Requires="p159">
+  <mc:AlternateContent xmlns:mc="http://schemas.openxmlformats.org/markup-compatibility/2006">
+    <mc:Choice xmlns:p159="http://schemas.microsoft.com/office/powerpoint/2015/09/main" Requires="p159">
       <p:transition xmlns:p14="http://schemas.microsoft.com/office/powerpoint/2010/main" spd="slow" p14:dur="2000">
         <p159:morph option="byObject"/>
       </p:transition>
     </mc:Choice>
-    <mc:Fallback xmlns="">
+    <mc:Fallback>
       <p:transition spd="slow">
         <p:fade/>
       </p:transition>
@@ -4305,7 +4313,7 @@
               <a:buNone/>
             </a:pPr>
             <a:fld id="{00000000-1234-1234-1234-123412341234}" type="slidenum">
-              <a:rPr lang="zh-TW"/>
+              <a:rPr lang="en-US" altLang="zh-TW"/>
               <a:t>‹#›</a:t>
             </a:fld>
             <a:endParaRPr/>
@@ -4317,13 +4325,13 @@
   <p:clrMapOvr>
     <a:masterClrMapping/>
   </p:clrMapOvr>
-  <mc:AlternateContent xmlns:mc="http://schemas.openxmlformats.org/markup-compatibility/2006" xmlns:p159="http://schemas.microsoft.com/office/powerpoint/2015/09/main">
-    <mc:Choice Requires="p159">
+  <mc:AlternateContent xmlns:mc="http://schemas.openxmlformats.org/markup-compatibility/2006">
+    <mc:Choice xmlns:p159="http://schemas.microsoft.com/office/powerpoint/2015/09/main" Requires="p159">
       <p:transition xmlns:p14="http://schemas.microsoft.com/office/powerpoint/2010/main" spd="slow" p14:dur="2000">
         <p159:morph option="byObject"/>
       </p:transition>
     </mc:Choice>
-    <mc:Fallback xmlns="">
+    <mc:Fallback>
       <p:transition spd="slow">
         <p:fade/>
       </p:transition>
@@ -4550,7 +4558,7 @@
               <a:buNone/>
             </a:pPr>
             <a:fld id="{00000000-1234-1234-1234-123412341234}" type="slidenum">
-              <a:rPr lang="zh-TW"/>
+              <a:rPr lang="en-US" altLang="zh-TW"/>
               <a:t>‹#›</a:t>
             </a:fld>
             <a:endParaRPr/>
@@ -4562,13 +4570,13 @@
   <p:clrMapOvr>
     <a:masterClrMapping/>
   </p:clrMapOvr>
-  <mc:AlternateContent xmlns:mc="http://schemas.openxmlformats.org/markup-compatibility/2006" xmlns:p159="http://schemas.microsoft.com/office/powerpoint/2015/09/main">
-    <mc:Choice Requires="p159">
+  <mc:AlternateContent xmlns:mc="http://schemas.openxmlformats.org/markup-compatibility/2006">
+    <mc:Choice xmlns:p159="http://schemas.microsoft.com/office/powerpoint/2015/09/main" Requires="p159">
       <p:transition xmlns:p14="http://schemas.microsoft.com/office/powerpoint/2010/main" spd="slow" p14:dur="2000">
         <p159:morph option="byObject"/>
       </p:transition>
     </mc:Choice>
-    <mc:Fallback xmlns="">
+    <mc:Fallback>
       <p:transition spd="slow">
         <p:fade/>
       </p:transition>
@@ -4924,7 +4932,7 @@
               <a:buNone/>
             </a:pPr>
             <a:fld id="{00000000-1234-1234-1234-123412341234}" type="slidenum">
-              <a:rPr lang="zh-TW"/>
+              <a:rPr lang="en-US" altLang="zh-TW"/>
               <a:t>‹#›</a:t>
             </a:fld>
             <a:endParaRPr/>
@@ -4936,13 +4944,13 @@
   <p:clrMapOvr>
     <a:masterClrMapping/>
   </p:clrMapOvr>
-  <mc:AlternateContent xmlns:mc="http://schemas.openxmlformats.org/markup-compatibility/2006" xmlns:p159="http://schemas.microsoft.com/office/powerpoint/2015/09/main">
-    <mc:Choice Requires="p159">
+  <mc:AlternateContent xmlns:mc="http://schemas.openxmlformats.org/markup-compatibility/2006">
+    <mc:Choice xmlns:p159="http://schemas.microsoft.com/office/powerpoint/2015/09/main" Requires="p159">
       <p:transition xmlns:p14="http://schemas.microsoft.com/office/powerpoint/2010/main" spd="slow" p14:dur="2000">
         <p159:morph option="byObject"/>
       </p:transition>
     </mc:Choice>
-    <mc:Fallback xmlns="">
+    <mc:Fallback>
       <p:transition spd="slow">
         <p:fade/>
       </p:transition>
@@ -5169,7 +5177,7 @@
               <a:buNone/>
             </a:pPr>
             <a:fld id="{00000000-1234-1234-1234-123412341234}" type="slidenum">
-              <a:rPr lang="zh-TW"/>
+              <a:rPr lang="en-US" altLang="zh-TW"/>
               <a:t>‹#›</a:t>
             </a:fld>
             <a:endParaRPr/>
@@ -5181,13 +5189,13 @@
   <p:clrMapOvr>
     <a:masterClrMapping/>
   </p:clrMapOvr>
-  <mc:AlternateContent xmlns:mc="http://schemas.openxmlformats.org/markup-compatibility/2006" xmlns:p159="http://schemas.microsoft.com/office/powerpoint/2015/09/main">
-    <mc:Choice Requires="p159">
+  <mc:AlternateContent xmlns:mc="http://schemas.openxmlformats.org/markup-compatibility/2006">
+    <mc:Choice xmlns:p159="http://schemas.microsoft.com/office/powerpoint/2015/09/main" Requires="p159">
       <p:transition xmlns:p14="http://schemas.microsoft.com/office/powerpoint/2010/main" spd="slow" p14:dur="2000">
         <p159:morph option="byObject"/>
       </p:transition>
     </mc:Choice>
-    <mc:Fallback xmlns="">
+    <mc:Fallback>
       <p:transition spd="slow">
         <p:fade/>
       </p:transition>
@@ -5739,7 +5747,7 @@
               <a:buNone/>
             </a:pPr>
             <a:fld id="{00000000-1234-1234-1234-123412341234}" type="slidenum">
-              <a:rPr lang="zh-TW"/>
+              <a:rPr lang="en-US" altLang="zh-TW"/>
               <a:t>‹#›</a:t>
             </a:fld>
             <a:endParaRPr/>
@@ -5751,13 +5759,13 @@
   <p:clrMapOvr>
     <a:masterClrMapping/>
   </p:clrMapOvr>
-  <mc:AlternateContent xmlns:mc="http://schemas.openxmlformats.org/markup-compatibility/2006" xmlns:p159="http://schemas.microsoft.com/office/powerpoint/2015/09/main">
-    <mc:Choice Requires="p159">
+  <mc:AlternateContent xmlns:mc="http://schemas.openxmlformats.org/markup-compatibility/2006">
+    <mc:Choice xmlns:p159="http://schemas.microsoft.com/office/powerpoint/2015/09/main" Requires="p159">
       <p:transition xmlns:p14="http://schemas.microsoft.com/office/powerpoint/2010/main" spd="slow" p14:dur="2000">
         <p159:morph option="byObject"/>
       </p:transition>
     </mc:Choice>
-    <mc:Fallback xmlns="">
+    <mc:Fallback>
       <p:transition spd="slow">
         <p:fade/>
       </p:transition>
@@ -5899,7 +5907,7 @@
               <a:buNone/>
             </a:pPr>
             <a:fld id="{00000000-1234-1234-1234-123412341234}" type="slidenum">
-              <a:rPr lang="zh-TW"/>
+              <a:rPr lang="en-US" altLang="zh-TW"/>
               <a:t>‹#›</a:t>
             </a:fld>
             <a:endParaRPr/>
@@ -5911,13 +5919,13 @@
   <p:clrMapOvr>
     <a:masterClrMapping/>
   </p:clrMapOvr>
-  <mc:AlternateContent xmlns:mc="http://schemas.openxmlformats.org/markup-compatibility/2006" xmlns:p159="http://schemas.microsoft.com/office/powerpoint/2015/09/main">
-    <mc:Choice Requires="p159">
+  <mc:AlternateContent xmlns:mc="http://schemas.openxmlformats.org/markup-compatibility/2006">
+    <mc:Choice xmlns:p159="http://schemas.microsoft.com/office/powerpoint/2015/09/main" Requires="p159">
       <p:transition xmlns:p14="http://schemas.microsoft.com/office/powerpoint/2010/main" spd="slow" p14:dur="2000">
         <p159:morph option="byObject"/>
       </p:transition>
     </mc:Choice>
-    <mc:Fallback xmlns="">
+    <mc:Fallback>
       <p:transition spd="slow">
         <p:fade/>
       </p:transition>
@@ -6482,7 +6490,7 @@
               <a:buNone/>
             </a:pPr>
             <a:fld id="{00000000-1234-1234-1234-123412341234}" type="slidenum">
-              <a:rPr lang="zh-TW"/>
+              <a:rPr lang="en-US" altLang="zh-TW"/>
               <a:t>‹#›</a:t>
             </a:fld>
             <a:endParaRPr/>
@@ -9067,13 +9075,13 @@
     <p:sldLayoutId id="2147483657" r:id="rId10"/>
     <p:sldLayoutId id="2147483658" r:id="rId11"/>
   </p:sldLayoutIdLst>
-  <mc:AlternateContent xmlns:mc="http://schemas.openxmlformats.org/markup-compatibility/2006" xmlns:p159="http://schemas.microsoft.com/office/powerpoint/2015/09/main">
-    <mc:Choice Requires="p159">
+  <mc:AlternateContent xmlns:mc="http://schemas.openxmlformats.org/markup-compatibility/2006">
+    <mc:Choice xmlns:p159="http://schemas.microsoft.com/office/powerpoint/2015/09/main" Requires="p159">
       <p:transition xmlns:p14="http://schemas.microsoft.com/office/powerpoint/2010/main" spd="slow" p14:dur="2000">
         <p159:morph option="byObject"/>
       </p:transition>
     </mc:Choice>
-    <mc:Fallback xmlns="">
+    <mc:Fallback>
       <p:transition spd="slow">
         <p:fade/>
       </p:transition>
@@ -10346,13 +10354,13 @@
   <p:clrMapOvr>
     <a:masterClrMapping/>
   </p:clrMapOvr>
-  <mc:AlternateContent xmlns:mc="http://schemas.openxmlformats.org/markup-compatibility/2006" xmlns:p14="http://schemas.microsoft.com/office/powerpoint/2010/main">
-    <mc:Choice Requires="p14">
+  <mc:AlternateContent xmlns:mc="http://schemas.openxmlformats.org/markup-compatibility/2006">
+    <mc:Choice xmlns:p14="http://schemas.microsoft.com/office/powerpoint/2010/main" Requires="p14">
       <p:transition spd="med" p14:dur="700">
         <p:fade/>
       </p:transition>
     </mc:Choice>
-    <mc:Fallback xmlns="">
+    <mc:Fallback>
       <p:transition spd="med">
         <p:fade/>
       </p:transition>
@@ -10588,18 +10596,18 @@
           <a:p>
             <a:pPr algn="l"/>
             <a:r>
-              <a:rPr lang="zh-TW" sz="2800" b="1" dirty="0">
+              <a:rPr lang="zh-TW" sz="2800" b="1">
                 <a:hlinkClick r:id="rId5"/>
               </a:rPr>
               <a:t>https://pixelfrog-assets.itch.io/kings-and-pigs</a:t>
             </a:r>
           </a:p>
           <a:p>
-            <a:endParaRPr lang="zh-TW" altLang="en-US" sz="2800" b="1" dirty="0"/>
+            <a:endParaRPr lang="zh-TW" altLang="en-US" sz="2800" b="1"/>
           </a:p>
           <a:p>
             <a:r>
-              <a:rPr lang="en-US" altLang="zh-TW" sz="2800" b="1" dirty="0">
+              <a:rPr lang="en-US" altLang="zh-TW" sz="2800" b="1">
                 <a:hlinkClick r:id="rId6"/>
               </a:rPr>
               <a:t>https://craftpix.net/freebies/filter/tilesets/</a:t>
@@ -10607,16 +10615,16 @@
             <a:endParaRPr lang="zh-TW" b="1"/>
           </a:p>
           <a:p>
-            <a:endParaRPr lang="zh-TW" altLang="en-US" sz="2800" b="1" dirty="0"/>
+            <a:endParaRPr lang="zh-TW" altLang="en-US" sz="2800" b="1"/>
           </a:p>
           <a:p>
             <a:r>
-              <a:rPr lang="en-US" altLang="zh-TW" sz="2800" b="1" dirty="0">
+              <a:rPr lang="en-US" altLang="zh-TW" sz="2800" b="1">
                 <a:hlinkClick r:id="rId7"/>
               </a:rPr>
               <a:t>https://tobiasahlin.com/moving-letters/</a:t>
             </a:r>
-            <a:endParaRPr lang="zh-TW" b="1" dirty="0"/>
+            <a:endParaRPr lang="zh-TW" b="1"/>
           </a:p>
         </p:txBody>
       </p:sp>
@@ -10630,13 +10638,13 @@
   <p:clrMapOvr>
     <a:masterClrMapping/>
   </p:clrMapOvr>
-  <mc:AlternateContent xmlns:mc="http://schemas.openxmlformats.org/markup-compatibility/2006" xmlns:p159="http://schemas.microsoft.com/office/powerpoint/2015/09/main">
-    <mc:Choice Requires="p159">
+  <mc:AlternateContent xmlns:mc="http://schemas.openxmlformats.org/markup-compatibility/2006">
+    <mc:Choice xmlns:p159="http://schemas.microsoft.com/office/powerpoint/2015/09/main" Requires="p159">
       <p:transition xmlns:p14="http://schemas.microsoft.com/office/powerpoint/2010/main" spd="slow" p14:dur="2000">
         <p159:morph option="byObject"/>
       </p:transition>
     </mc:Choice>
-    <mc:Fallback xmlns="">
+    <mc:Fallback>
       <p:transition spd="slow">
         <p:fade/>
       </p:transition>
@@ -12892,13 +12900,13 @@
   <p:clrMapOvr>
     <a:masterClrMapping/>
   </p:clrMapOvr>
-  <mc:AlternateContent xmlns:mc="http://schemas.openxmlformats.org/markup-compatibility/2006" xmlns:p159="http://schemas.microsoft.com/office/powerpoint/2015/09/main">
-    <mc:Choice Requires="p159">
+  <mc:AlternateContent xmlns:mc="http://schemas.openxmlformats.org/markup-compatibility/2006">
+    <mc:Choice xmlns:p159="http://schemas.microsoft.com/office/powerpoint/2015/09/main" Requires="p159">
       <p:transition xmlns:p14="http://schemas.microsoft.com/office/powerpoint/2010/main" spd="slow" p14:dur="2000">
         <p159:morph option="byObject"/>
       </p:transition>
     </mc:Choice>
-    <mc:Fallback xmlns="">
+    <mc:Fallback>
       <p:transition spd="slow">
         <p:fade/>
       </p:transition>
@@ -15214,18 +15222,73 @@
           </a:ln>
         </p:spPr>
       </p:pic>
+      <p:sp>
+        <p:nvSpPr>
+          <p:cNvPr id="18" name="文字方塊 17">
+            <a:extLst>
+              <a:ext uri="{FF2B5EF4-FFF2-40B4-BE49-F238E27FC236}">
+                <a16:creationId xmlns:a16="http://schemas.microsoft.com/office/drawing/2014/main" id="{6EE1B58C-651B-1306-DC1A-FF3E922E0C5D}"/>
+              </a:ext>
+            </a:extLst>
+          </p:cNvPr>
+          <p:cNvSpPr txBox="1"/>
+          <p:nvPr/>
+        </p:nvSpPr>
+        <p:spPr>
+          <a:xfrm>
+            <a:off x="2910568" y="1572327"/>
+            <a:ext cx="5332968" cy="1287853"/>
+          </a:xfrm>
+          <a:prstGeom prst="rect">
+            <a:avLst/>
+          </a:prstGeom>
+          <a:noFill/>
+        </p:spPr>
+        <p:txBody>
+          <a:bodyPr rot="0" spcFirstLastPara="0" vertOverflow="overflow" horzOverflow="overflow" vert="horz" wrap="square" lIns="91440" tIns="45720" rIns="91440" bIns="45720" numCol="1" spcCol="0" rtlCol="0" fromWordArt="0" anchor="t" anchorCtr="0" forceAA="0" compatLnSpc="1">
+            <a:prstTxWarp prst="textNoShape">
+              <a:avLst/>
+            </a:prstTxWarp>
+            <a:spAutoFit/>
+          </a:bodyPr>
+          <a:lstStyle/>
+          <a:p>
+            <a:pPr>
+              <a:lnSpc>
+                <a:spcPct val="150000"/>
+              </a:lnSpc>
+            </a:pPr>
+            <a:r>
+              <a:rPr lang="zh-TW" altLang="en-US" sz="1800" b="1">
+                <a:highlight>
+                  <a:srgbClr val="7F7F99"/>
+                </a:highlight>
+              </a:rPr>
+              <a:t>本身就喜歡玩遊戲，看到有趣厲害的作品也會思考該如何設計才能呈現出這樣的效果，所以這是我製作這個作品的動機</a:t>
+            </a:r>
+            <a:r>
+              <a:rPr lang="zh-TW" sz="1800">
+                <a:highlight>
+                  <a:srgbClr val="7F7F99"/>
+                </a:highlight>
+              </a:rPr>
+              <a:t>。</a:t>
+            </a:r>
+          </a:p>
+        </p:txBody>
+      </p:sp>
     </p:spTree>
   </p:cSld>
   <p:clrMapOvr>
     <a:masterClrMapping/>
   </p:clrMapOvr>
-  <mc:AlternateContent xmlns:mc="http://schemas.openxmlformats.org/markup-compatibility/2006" xmlns:p159="http://schemas.microsoft.com/office/powerpoint/2015/09/main">
-    <mc:Choice Requires="p159">
+  <mc:AlternateContent xmlns:mc="http://schemas.openxmlformats.org/markup-compatibility/2006">
+    <mc:Choice xmlns:p159="http://schemas.microsoft.com/office/powerpoint/2015/09/main" Requires="p159">
       <p:transition xmlns:p14="http://schemas.microsoft.com/office/powerpoint/2010/main" spd="slow" p14:dur="2000">
         <p159:morph option="byObject"/>
       </p:transition>
     </mc:Choice>
-    <mc:Fallback xmlns="">
+    <mc:Fallback>
       <p:transition spd="slow">
         <p:fade/>
       </p:transition>
@@ -15285,7 +15348,7 @@
           <a:lstStyle/>
           <a:p>
             <a:r>
-              <a:rPr lang="zh-TW" altLang="en-US" b="1" dirty="0"/>
+              <a:rPr lang="zh-TW" altLang="en-US" b="1"/>
               <a:t> </a:t>
             </a:r>
             <a:r>
@@ -17380,13 +17443,13 @@
   <p:clrMapOvr>
     <a:masterClrMapping/>
   </p:clrMapOvr>
-  <mc:AlternateContent xmlns:mc="http://schemas.openxmlformats.org/markup-compatibility/2006" xmlns:p159="http://schemas.microsoft.com/office/powerpoint/2015/09/main">
-    <mc:Choice Requires="p159">
+  <mc:AlternateContent xmlns:mc="http://schemas.openxmlformats.org/markup-compatibility/2006">
+    <mc:Choice xmlns:p159="http://schemas.microsoft.com/office/powerpoint/2015/09/main" Requires="p159">
       <p:transition xmlns:p14="http://schemas.microsoft.com/office/powerpoint/2010/main" spd="slow" p14:dur="2000">
         <p159:morph option="byObject"/>
       </p:transition>
     </mc:Choice>
-    <mc:Fallback xmlns="">
+    <mc:Fallback>
       <p:transition spd="slow">
         <p:fade/>
       </p:transition>
@@ -19520,13 +19583,13 @@
   <p:clrMapOvr>
     <a:masterClrMapping/>
   </p:clrMapOvr>
-  <mc:AlternateContent xmlns:mc="http://schemas.openxmlformats.org/markup-compatibility/2006" xmlns:p159="http://schemas.microsoft.com/office/powerpoint/2015/09/main">
-    <mc:Choice Requires="p159">
+  <mc:AlternateContent xmlns:mc="http://schemas.openxmlformats.org/markup-compatibility/2006">
+    <mc:Choice xmlns:p159="http://schemas.microsoft.com/office/powerpoint/2015/09/main" Requires="p159">
       <p:transition xmlns:p14="http://schemas.microsoft.com/office/powerpoint/2010/main" spd="slow" p14:dur="2000">
         <p159:morph option="byObject"/>
       </p:transition>
     </mc:Choice>
-    <mc:Fallback xmlns="">
+    <mc:Fallback>
       <p:transition spd="slow">
         <p:fade/>
       </p:transition>
@@ -19586,7 +19649,7 @@
           <a:lstStyle/>
           <a:p>
             <a:r>
-              <a:rPr lang="zh-TW" altLang="en-US" dirty="0"/>
+              <a:rPr lang="zh-TW" altLang="en-US"/>
               <a:t> </a:t>
             </a:r>
             <a:r>
@@ -21651,13 +21714,13 @@
   <p:clrMapOvr>
     <a:masterClrMapping/>
   </p:clrMapOvr>
-  <mc:AlternateContent xmlns:mc="http://schemas.openxmlformats.org/markup-compatibility/2006" xmlns:p159="http://schemas.microsoft.com/office/powerpoint/2015/09/main">
-    <mc:Choice Requires="p159">
+  <mc:AlternateContent xmlns:mc="http://schemas.openxmlformats.org/markup-compatibility/2006">
+    <mc:Choice xmlns:p159="http://schemas.microsoft.com/office/powerpoint/2015/09/main" Requires="p159">
       <p:transition xmlns:p14="http://schemas.microsoft.com/office/powerpoint/2010/main" spd="slow" p14:dur="2000">
         <p159:morph option="byObject"/>
       </p:transition>
     </mc:Choice>
-    <mc:Fallback xmlns="">
+    <mc:Fallback>
       <p:transition spd="slow">
         <p:fade/>
       </p:transition>
@@ -21747,7 +21810,7 @@
           <a:lstStyle/>
           <a:p>
             <a:r>
-              <a:rPr lang="zh-TW" altLang="en-US" b="1" dirty="0"/>
+              <a:rPr lang="zh-TW" altLang="en-US" b="1"/>
               <a:t> </a:t>
             </a:r>
             <a:r>
@@ -24710,13 +24773,13 @@
   <p:clrMapOvr>
     <a:masterClrMapping/>
   </p:clrMapOvr>
-  <mc:AlternateContent xmlns:mc="http://schemas.openxmlformats.org/markup-compatibility/2006" xmlns:p159="http://schemas.microsoft.com/office/powerpoint/2015/09/main">
-    <mc:Choice Requires="p159">
+  <mc:AlternateContent xmlns:mc="http://schemas.openxmlformats.org/markup-compatibility/2006">
+    <mc:Choice xmlns:p159="http://schemas.microsoft.com/office/powerpoint/2015/09/main" Requires="p159">
       <p:transition xmlns:p14="http://schemas.microsoft.com/office/powerpoint/2010/main" spd="slow" p14:dur="2000">
         <p159:morph option="byObject"/>
       </p:transition>
     </mc:Choice>
-    <mc:Fallback xmlns="">
+    <mc:Fallback>
       <p:transition spd="slow">
         <p:fade/>
       </p:transition>
@@ -24776,7 +24839,7 @@
           <a:lstStyle/>
           <a:p>
             <a:r>
-              <a:rPr lang="zh-TW" altLang="en-US" b="1" dirty="0"/>
+              <a:rPr lang="zh-TW" altLang="en-US" b="1"/>
               <a:t> </a:t>
             </a:r>
             <a:r>
@@ -26511,14 +26574,6 @@
               </a:rPr>
               <a:t>重構程式碼</a:t>
             </a:r>
-            <a:endParaRPr lang="zh-TW" altLang="en-US" sz="2000" b="1" dirty="0">
-              <a:solidFill>
-                <a:schemeClr val="accent2"/>
-              </a:solidFill>
-              <a:highlight>
-                <a:srgbClr val="7F7FB2"/>
-              </a:highlight>
-            </a:endParaRPr>
           </a:p>
         </p:txBody>
       </p:sp>
@@ -26597,7 +26652,7 @@
               </a:rPr>
               <a:t>。</a:t>
             </a:r>
-            <a:endParaRPr lang="zh-TW" altLang="en-US" b="1" dirty="0">
+            <a:endParaRPr lang="zh-TW" altLang="en-US" b="1">
               <a:highlight>
                 <a:srgbClr val="C0C0C0"/>
               </a:highlight>
@@ -26648,14 +26703,6 @@
               </a:rPr>
               <a:t>場景的切換</a:t>
             </a:r>
-            <a:endParaRPr lang="zh-TW" altLang="en-US" sz="2000" b="1" dirty="0">
-              <a:solidFill>
-                <a:schemeClr val="accent2"/>
-              </a:solidFill>
-              <a:highlight>
-                <a:srgbClr val="7F7FB2"/>
-              </a:highlight>
-            </a:endParaRPr>
           </a:p>
         </p:txBody>
       </p:sp>
@@ -26703,6 +26750,14 @@
                 <a:cs typeface="Segoe UI"/>
               </a:rPr>
               <a:t>第一次接觸到這種有場景切換的遊戲，跟我預想的製作方法完全不同，也是翻找了大量資料才解決</a:t>
+            </a:r>
+            <a:r>
+              <a:rPr lang="zh-TW" altLang="en-US">
+                <a:highlight>
+                  <a:srgbClr val="C0C0C0"/>
+                </a:highlight>
+              </a:rPr>
+              <a:t>。</a:t>
             </a:r>
             <a:endParaRPr lang="en-US" altLang="zh-TW" b="1">
               <a:highlight>
@@ -27038,13 +27093,13 @@
   <p:clrMapOvr>
     <a:masterClrMapping/>
   </p:clrMapOvr>
-  <mc:AlternateContent xmlns:mc="http://schemas.openxmlformats.org/markup-compatibility/2006" xmlns:p159="http://schemas.microsoft.com/office/powerpoint/2015/09/main">
-    <mc:Choice Requires="p159">
+  <mc:AlternateContent xmlns:mc="http://schemas.openxmlformats.org/markup-compatibility/2006">
+    <mc:Choice xmlns:p159="http://schemas.microsoft.com/office/powerpoint/2015/09/main" Requires="p159">
       <p:transition xmlns:p14="http://schemas.microsoft.com/office/powerpoint/2010/main" spd="slow" p14:dur="2000">
         <p159:morph option="byObject"/>
       </p:transition>
     </mc:Choice>
-    <mc:Fallback xmlns="">
+    <mc:Fallback>
       <p:transition spd="slow">
         <p:fade/>
       </p:transition>
@@ -27096,7 +27151,7 @@
           <a:lstStyle/>
           <a:p>
             <a:r>
-              <a:rPr lang="zh-TW" altLang="en-US" b="1" dirty="0"/>
+              <a:rPr lang="zh-TW" altLang="en-US" b="1"/>
               <a:t> </a:t>
             </a:r>
             <a:r>
@@ -29139,13 +29194,13 @@
   <p:clrMapOvr>
     <a:masterClrMapping/>
   </p:clrMapOvr>
-  <mc:AlternateContent xmlns:mc="http://schemas.openxmlformats.org/markup-compatibility/2006" xmlns:p159="http://schemas.microsoft.com/office/powerpoint/2015/09/main">
-    <mc:Choice Requires="p159">
+  <mc:AlternateContent xmlns:mc="http://schemas.openxmlformats.org/markup-compatibility/2006">
+    <mc:Choice xmlns:p159="http://schemas.microsoft.com/office/powerpoint/2015/09/main" Requires="p159">
       <p:transition xmlns:p14="http://schemas.microsoft.com/office/powerpoint/2010/main" spd="slow" p14:dur="2000">
         <p159:morph option="byObject"/>
       </p:transition>
     </mc:Choice>
-    <mc:Fallback xmlns="">
+    <mc:Fallback>
       <p:transition spd="slow">
         <p:fade/>
       </p:transition>
